--- a/03 Presentación - CDIA.pptx
+++ b/03 Presentación - CDIA.pptx
@@ -3631,7 +3631,7 @@
         <p:spPr/>
         <p:txBody>
           <a:bodyPr>
-            <a:normAutofit fontScale="62500" lnSpcReduction="20000"/>
+            <a:normAutofit fontScale="55000" lnSpcReduction="20000"/>
           </a:bodyPr>
           <a:lstStyle/>
           <a:p>
@@ -3841,6 +3841,28 @@
               <a:t>Song, F., Agarwal, A., &amp; Wen, W. (2024). The Impact of Generative AI on Collaborative Open-Source Software Development: Evidence from GitHub Copilot.</a:t>
             </a:r>
             <a:endParaRPr lang="es-EC" dirty="0"/>
+          </a:p>
+          <a:p>
+            <a:r>
+              <a:rPr lang="en-US" dirty="0"/>
+              <a:t>Al-</a:t>
+            </a:r>
+            <a:r>
+              <a:rPr lang="en-US" dirty="0" err="1"/>
+              <a:t>Raeei</a:t>
+            </a:r>
+            <a:r>
+              <a:rPr lang="en-US" dirty="0"/>
+              <a:t>, M. (2025). The smart future for sustainable development: Artificial intelligence solutions for sustainable urbanization. Sustainable Development, 508–517. </a:t>
+            </a:r>
+            <a:r>
+              <a:rPr lang="en-US" dirty="0" err="1"/>
+              <a:t>doi:https</a:t>
+            </a:r>
+            <a:r>
+              <a:rPr lang="en-US" dirty="0"/>
+              <a:t>://doi.org/10.1002/sd.3131</a:t>
+            </a:r>
           </a:p>
         </p:txBody>
       </p:sp>
@@ -3921,7 +3943,7 @@
         <p:spPr/>
         <p:txBody>
           <a:bodyPr>
-            <a:normAutofit fontScale="77500" lnSpcReduction="20000"/>
+            <a:normAutofit fontScale="92500" lnSpcReduction="20000"/>
           </a:bodyPr>
           <a:lstStyle/>
           <a:p>
@@ -4019,42 +4041,28 @@
             <a:pPr lvl="1"/>
             <a:r>
               <a:rPr lang="es-EC" dirty="0"/>
-              <a:t>Aprendizaje Basado en Proyectos, Aprendizaje Basado en Problemas, Aprendizaje Cooperativo, y Aula Invertida</a:t>
+              <a:t>Aprendizaje Basado en Proyectos: DAWM </a:t>
             </a:r>
           </a:p>
           <a:p>
             <a:pPr lvl="1"/>
             <a:r>
               <a:rPr lang="es-EC" dirty="0"/>
-              <a:t>Modelo Educativo de la ESPOL</a:t>
-            </a:r>
-          </a:p>
-          <a:p>
-            <a:pPr lvl="2"/>
-            <a:r>
-              <a:rPr lang="es-ES" dirty="0"/>
-              <a:t>Participación en procesos de investigación</a:t>
-            </a:r>
-          </a:p>
-          <a:p>
-            <a:pPr lvl="2"/>
-            <a:r>
-              <a:rPr lang="es-ES" dirty="0"/>
-              <a:t>Involucramiento en proyectos que resuelven los problemas de la industria</a:t>
-            </a:r>
-          </a:p>
-          <a:p>
-            <a:pPr lvl="2"/>
-            <a:r>
-              <a:rPr lang="es-ES" dirty="0"/>
-              <a:t>Participación en equipos multidisciplinarios</a:t>
-            </a:r>
-          </a:p>
-          <a:p>
-            <a:pPr lvl="2"/>
-            <a:r>
-              <a:rPr lang="es-ES" dirty="0"/>
-              <a:t>En el contexto de litoral ecuatoriano</a:t>
+              <a:t>Aprendizaje Basado en Problemas: ICDIA</a:t>
+            </a:r>
+          </a:p>
+          <a:p>
+            <a:pPr lvl="1"/>
+            <a:r>
+              <a:rPr lang="es-EC" dirty="0"/>
+              <a:t>Aprendizaje Cooperativo: FIA</a:t>
+            </a:r>
+          </a:p>
+          <a:p>
+            <a:pPr lvl="1"/>
+            <a:r>
+              <a:rPr lang="es-EC" dirty="0"/>
+              <a:t>Aula Invertida: clases en línea</a:t>
             </a:r>
           </a:p>
         </p:txBody>
@@ -4063,6 +4071,1118 @@
     <p:extLst>
       <p:ext uri="{BB962C8B-B14F-4D97-AF65-F5344CB8AC3E}">
         <p14:creationId xmlns:p14="http://schemas.microsoft.com/office/powerpoint/2010/main" val="627968237"/>
+      </p:ext>
+    </p:extLst>
+  </p:cSld>
+  <p:clrMapOvr>
+    <a:masterClrMapping/>
+  </p:clrMapOvr>
+  <p:timing>
+    <p:tnLst>
+      <p:par>
+        <p:cTn id="1" dur="indefinite" restart="never" nodeType="tmRoot">
+          <p:childTnLst>
+            <p:seq concurrent="1" nextAc="seek">
+              <p:cTn id="2" dur="indefinite" nodeType="mainSeq">
+                <p:childTnLst>
+                  <p:par>
+                    <p:cTn id="3" fill="hold">
+                      <p:stCondLst>
+                        <p:cond delay="indefinite"/>
+                      </p:stCondLst>
+                      <p:childTnLst>
+                        <p:par>
+                          <p:cTn id="4" fill="hold">
+                            <p:stCondLst>
+                              <p:cond delay="0"/>
+                            </p:stCondLst>
+                            <p:childTnLst>
+                              <p:par>
+                                <p:cTn id="5" presetID="1" presetClass="entr" presetSubtype="0" fill="hold" grpId="0" nodeType="clickEffect">
+                                  <p:stCondLst>
+                                    <p:cond delay="0"/>
+                                  </p:stCondLst>
+                                  <p:childTnLst>
+                                    <p:set>
+                                      <p:cBhvr>
+                                        <p:cTn id="6" dur="1" fill="hold">
+                                          <p:stCondLst>
+                                            <p:cond delay="0"/>
+                                          </p:stCondLst>
+                                        </p:cTn>
+                                        <p:tgtEl>
+                                          <p:spTgt spid="3">
+                                            <p:txEl>
+                                              <p:pRg st="0" end="0"/>
+                                            </p:txEl>
+                                          </p:spTgt>
+                                        </p:tgtEl>
+                                        <p:attrNameLst>
+                                          <p:attrName>style.visibility</p:attrName>
+                                        </p:attrNameLst>
+                                      </p:cBhvr>
+                                      <p:to>
+                                        <p:strVal val="visible"/>
+                                      </p:to>
+                                    </p:set>
+                                  </p:childTnLst>
+                                </p:cTn>
+                              </p:par>
+                              <p:par>
+                                <p:cTn id="7" presetID="1" presetClass="entr" presetSubtype="0" fill="hold" grpId="0" nodeType="withEffect">
+                                  <p:stCondLst>
+                                    <p:cond delay="0"/>
+                                  </p:stCondLst>
+                                  <p:childTnLst>
+                                    <p:set>
+                                      <p:cBhvr>
+                                        <p:cTn id="8" dur="1" fill="hold">
+                                          <p:stCondLst>
+                                            <p:cond delay="0"/>
+                                          </p:stCondLst>
+                                        </p:cTn>
+                                        <p:tgtEl>
+                                          <p:spTgt spid="3">
+                                            <p:txEl>
+                                              <p:pRg st="2" end="2"/>
+                                            </p:txEl>
+                                          </p:spTgt>
+                                        </p:tgtEl>
+                                        <p:attrNameLst>
+                                          <p:attrName>style.visibility</p:attrName>
+                                        </p:attrNameLst>
+                                      </p:cBhvr>
+                                      <p:to>
+                                        <p:strVal val="visible"/>
+                                      </p:to>
+                                    </p:set>
+                                  </p:childTnLst>
+                                </p:cTn>
+                              </p:par>
+                              <p:par>
+                                <p:cTn id="9" presetID="1" presetClass="entr" presetSubtype="0" fill="hold" grpId="0" nodeType="withEffect">
+                                  <p:stCondLst>
+                                    <p:cond delay="0"/>
+                                  </p:stCondLst>
+                                  <p:childTnLst>
+                                    <p:set>
+                                      <p:cBhvr>
+                                        <p:cTn id="10" dur="1" fill="hold">
+                                          <p:stCondLst>
+                                            <p:cond delay="0"/>
+                                          </p:stCondLst>
+                                        </p:cTn>
+                                        <p:tgtEl>
+                                          <p:spTgt spid="3">
+                                            <p:txEl>
+                                              <p:pRg st="3" end="3"/>
+                                            </p:txEl>
+                                          </p:spTgt>
+                                        </p:tgtEl>
+                                        <p:attrNameLst>
+                                          <p:attrName>style.visibility</p:attrName>
+                                        </p:attrNameLst>
+                                      </p:cBhvr>
+                                      <p:to>
+                                        <p:strVal val="visible"/>
+                                      </p:to>
+                                    </p:set>
+                                  </p:childTnLst>
+                                </p:cTn>
+                              </p:par>
+                              <p:par>
+                                <p:cTn id="11" presetID="1" presetClass="entr" presetSubtype="0" fill="hold" grpId="0" nodeType="withEffect">
+                                  <p:stCondLst>
+                                    <p:cond delay="0"/>
+                                  </p:stCondLst>
+                                  <p:childTnLst>
+                                    <p:set>
+                                      <p:cBhvr>
+                                        <p:cTn id="12" dur="1" fill="hold">
+                                          <p:stCondLst>
+                                            <p:cond delay="0"/>
+                                          </p:stCondLst>
+                                        </p:cTn>
+                                        <p:tgtEl>
+                                          <p:spTgt spid="3">
+                                            <p:txEl>
+                                              <p:pRg st="4" end="4"/>
+                                            </p:txEl>
+                                          </p:spTgt>
+                                        </p:tgtEl>
+                                        <p:attrNameLst>
+                                          <p:attrName>style.visibility</p:attrName>
+                                        </p:attrNameLst>
+                                      </p:cBhvr>
+                                      <p:to>
+                                        <p:strVal val="visible"/>
+                                      </p:to>
+                                    </p:set>
+                                  </p:childTnLst>
+                                </p:cTn>
+                              </p:par>
+                            </p:childTnLst>
+                          </p:cTn>
+                        </p:par>
+                      </p:childTnLst>
+                    </p:cTn>
+                  </p:par>
+                  <p:par>
+                    <p:cTn id="13" fill="hold">
+                      <p:stCondLst>
+                        <p:cond delay="indefinite"/>
+                      </p:stCondLst>
+                      <p:childTnLst>
+                        <p:par>
+                          <p:cTn id="14" fill="hold">
+                            <p:stCondLst>
+                              <p:cond delay="0"/>
+                            </p:stCondLst>
+                            <p:childTnLst>
+                              <p:par>
+                                <p:cTn id="15" presetID="1" presetClass="entr" presetSubtype="0" fill="hold" grpId="0" nodeType="clickEffect">
+                                  <p:stCondLst>
+                                    <p:cond delay="0"/>
+                                  </p:stCondLst>
+                                  <p:childTnLst>
+                                    <p:set>
+                                      <p:cBhvr>
+                                        <p:cTn id="16" dur="1" fill="hold">
+                                          <p:stCondLst>
+                                            <p:cond delay="0"/>
+                                          </p:stCondLst>
+                                        </p:cTn>
+                                        <p:tgtEl>
+                                          <p:spTgt spid="3">
+                                            <p:txEl>
+                                              <p:pRg st="6" end="6"/>
+                                            </p:txEl>
+                                          </p:spTgt>
+                                        </p:tgtEl>
+                                        <p:attrNameLst>
+                                          <p:attrName>style.visibility</p:attrName>
+                                        </p:attrNameLst>
+                                      </p:cBhvr>
+                                      <p:to>
+                                        <p:strVal val="visible"/>
+                                      </p:to>
+                                    </p:set>
+                                  </p:childTnLst>
+                                </p:cTn>
+                              </p:par>
+                              <p:par>
+                                <p:cTn id="17" presetID="1" presetClass="entr" presetSubtype="0" fill="hold" grpId="0" nodeType="withEffect">
+                                  <p:stCondLst>
+                                    <p:cond delay="0"/>
+                                  </p:stCondLst>
+                                  <p:childTnLst>
+                                    <p:set>
+                                      <p:cBhvr>
+                                        <p:cTn id="18" dur="1" fill="hold">
+                                          <p:stCondLst>
+                                            <p:cond delay="0"/>
+                                          </p:stCondLst>
+                                        </p:cTn>
+                                        <p:tgtEl>
+                                          <p:spTgt spid="3">
+                                            <p:txEl>
+                                              <p:pRg st="8" end="8"/>
+                                            </p:txEl>
+                                          </p:spTgt>
+                                        </p:tgtEl>
+                                        <p:attrNameLst>
+                                          <p:attrName>style.visibility</p:attrName>
+                                        </p:attrNameLst>
+                                      </p:cBhvr>
+                                      <p:to>
+                                        <p:strVal val="visible"/>
+                                      </p:to>
+                                    </p:set>
+                                  </p:childTnLst>
+                                </p:cTn>
+                              </p:par>
+                              <p:par>
+                                <p:cTn id="19" presetID="1" presetClass="entr" presetSubtype="0" fill="hold" grpId="0" nodeType="withEffect">
+                                  <p:stCondLst>
+                                    <p:cond delay="0"/>
+                                  </p:stCondLst>
+                                  <p:childTnLst>
+                                    <p:set>
+                                      <p:cBhvr>
+                                        <p:cTn id="20" dur="1" fill="hold">
+                                          <p:stCondLst>
+                                            <p:cond delay="0"/>
+                                          </p:stCondLst>
+                                        </p:cTn>
+                                        <p:tgtEl>
+                                          <p:spTgt spid="3">
+                                            <p:txEl>
+                                              <p:pRg st="9" end="9"/>
+                                            </p:txEl>
+                                          </p:spTgt>
+                                        </p:tgtEl>
+                                        <p:attrNameLst>
+                                          <p:attrName>style.visibility</p:attrName>
+                                        </p:attrNameLst>
+                                      </p:cBhvr>
+                                      <p:to>
+                                        <p:strVal val="visible"/>
+                                      </p:to>
+                                    </p:set>
+                                  </p:childTnLst>
+                                </p:cTn>
+                              </p:par>
+                              <p:par>
+                                <p:cTn id="21" presetID="1" presetClass="entr" presetSubtype="0" fill="hold" grpId="0" nodeType="withEffect">
+                                  <p:stCondLst>
+                                    <p:cond delay="0"/>
+                                  </p:stCondLst>
+                                  <p:childTnLst>
+                                    <p:set>
+                                      <p:cBhvr>
+                                        <p:cTn id="22" dur="1" fill="hold">
+                                          <p:stCondLst>
+                                            <p:cond delay="0"/>
+                                          </p:stCondLst>
+                                        </p:cTn>
+                                        <p:tgtEl>
+                                          <p:spTgt spid="3">
+                                            <p:txEl>
+                                              <p:pRg st="10" end="10"/>
+                                            </p:txEl>
+                                          </p:spTgt>
+                                        </p:tgtEl>
+                                        <p:attrNameLst>
+                                          <p:attrName>style.visibility</p:attrName>
+                                        </p:attrNameLst>
+                                      </p:cBhvr>
+                                      <p:to>
+                                        <p:strVal val="visible"/>
+                                      </p:to>
+                                    </p:set>
+                                  </p:childTnLst>
+                                </p:cTn>
+                              </p:par>
+                              <p:par>
+                                <p:cTn id="23" presetID="1" presetClass="entr" presetSubtype="0" fill="hold" grpId="0" nodeType="withEffect">
+                                  <p:stCondLst>
+                                    <p:cond delay="0"/>
+                                  </p:stCondLst>
+                                  <p:childTnLst>
+                                    <p:set>
+                                      <p:cBhvr>
+                                        <p:cTn id="24" dur="1" fill="hold">
+                                          <p:stCondLst>
+                                            <p:cond delay="0"/>
+                                          </p:stCondLst>
+                                        </p:cTn>
+                                        <p:tgtEl>
+                                          <p:spTgt spid="3">
+                                            <p:txEl>
+                                              <p:pRg st="11" end="11"/>
+                                            </p:txEl>
+                                          </p:spTgt>
+                                        </p:tgtEl>
+                                        <p:attrNameLst>
+                                          <p:attrName>style.visibility</p:attrName>
+                                        </p:attrNameLst>
+                                      </p:cBhvr>
+                                      <p:to>
+                                        <p:strVal val="visible"/>
+                                      </p:to>
+                                    </p:set>
+                                  </p:childTnLst>
+                                </p:cTn>
+                              </p:par>
+                            </p:childTnLst>
+                          </p:cTn>
+                        </p:par>
+                      </p:childTnLst>
+                    </p:cTn>
+                  </p:par>
+                </p:childTnLst>
+              </p:cTn>
+              <p:prevCondLst>
+                <p:cond evt="onPrev" delay="0">
+                  <p:tgtEl>
+                    <p:sldTgt/>
+                  </p:tgtEl>
+                </p:cond>
+              </p:prevCondLst>
+              <p:nextCondLst>
+                <p:cond evt="onNext" delay="0">
+                  <p:tgtEl>
+                    <p:sldTgt/>
+                  </p:tgtEl>
+                </p:cond>
+              </p:nextCondLst>
+            </p:seq>
+          </p:childTnLst>
+        </p:cTn>
+      </p:par>
+    </p:tnLst>
+    <p:bldLst>
+      <p:bldP spid="3" grpId="0" build="p"/>
+    </p:bldLst>
+  </p:timing>
+</p:sld>
+</file>
+
+<file path=ppt/slides/slide3.xml><?xml version="1.0" encoding="utf-8"?>
+<p:sld xmlns:a="http://schemas.openxmlformats.org/drawingml/2006/main" xmlns:r="http://schemas.openxmlformats.org/officeDocument/2006/relationships" xmlns:p="http://schemas.openxmlformats.org/presentationml/2006/main">
+  <p:cSld>
+    <p:spTree>
+      <p:nvGrpSpPr>
+        <p:cNvPr id="1" name=""/>
+        <p:cNvGrpSpPr/>
+        <p:nvPr/>
+      </p:nvGrpSpPr>
+      <p:grpSpPr>
+        <a:xfrm>
+          <a:off x="0" y="0"/>
+          <a:ext cx="0" cy="0"/>
+          <a:chOff x="0" y="0"/>
+          <a:chExt cx="0" cy="0"/>
+        </a:xfrm>
+      </p:grpSpPr>
+      <p:sp>
+        <p:nvSpPr>
+          <p:cNvPr id="2" name="Título 1">
+            <a:extLst>
+              <a:ext uri="{FF2B5EF4-FFF2-40B4-BE49-F238E27FC236}">
+                <a16:creationId xmlns:a16="http://schemas.microsoft.com/office/drawing/2014/main" id="{C307A1FE-ED21-32E6-E71B-C49A28238C11}"/>
+              </a:ext>
+            </a:extLst>
+          </p:cNvPr>
+          <p:cNvSpPr>
+            <a:spLocks noGrp="1"/>
+          </p:cNvSpPr>
+          <p:nvPr>
+            <p:ph type="title"/>
+          </p:nvPr>
+        </p:nvSpPr>
+        <p:spPr/>
+        <p:txBody>
+          <a:bodyPr/>
+          <a:lstStyle/>
+          <a:p>
+            <a:r>
+              <a:rPr lang="es-EC" dirty="0"/>
+              <a:t>1. Fundamentación Epistemológica</a:t>
+            </a:r>
+          </a:p>
+        </p:txBody>
+      </p:sp>
+      <p:sp>
+        <p:nvSpPr>
+          <p:cNvPr id="3" name="Marcador de contenido 2">
+            <a:extLst>
+              <a:ext uri="{FF2B5EF4-FFF2-40B4-BE49-F238E27FC236}">
+                <a16:creationId xmlns:a16="http://schemas.microsoft.com/office/drawing/2014/main" id="{10D9F8E9-7E6B-293E-9D4F-20EF36A779A0}"/>
+              </a:ext>
+            </a:extLst>
+          </p:cNvPr>
+          <p:cNvSpPr>
+            <a:spLocks noGrp="1"/>
+          </p:cNvSpPr>
+          <p:nvPr>
+            <p:ph idx="1"/>
+          </p:nvPr>
+        </p:nvSpPr>
+        <p:spPr/>
+        <p:txBody>
+          <a:bodyPr/>
+          <a:lstStyle/>
+          <a:p>
+            <a:pPr marL="514350" indent="-514350">
+              <a:buFont typeface="+mj-lt"/>
+              <a:buAutoNum type="arabicPeriod" startAt="3"/>
+            </a:pPr>
+            <a:r>
+              <a:rPr lang="es-ES" dirty="0"/>
+              <a:t>Inclusión de Diversas Perspectivas</a:t>
+            </a:r>
+          </a:p>
+          <a:p>
+            <a:pPr marL="0" indent="0">
+              <a:buNone/>
+            </a:pPr>
+            <a:endParaRPr lang="es-ES" dirty="0"/>
+          </a:p>
+          <a:p>
+            <a:pPr lvl="1"/>
+            <a:r>
+              <a:rPr lang="en-US" dirty="0"/>
+              <a:t>Bases </a:t>
+            </a:r>
+            <a:r>
+              <a:rPr lang="en-US" dirty="0" err="1"/>
+              <a:t>interdisciplinarias</a:t>
+            </a:r>
+            <a:endParaRPr lang="en-US" dirty="0"/>
+          </a:p>
+          <a:p>
+            <a:pPr lvl="1"/>
+            <a:r>
+              <a:rPr lang="en-US" dirty="0"/>
+              <a:t>Computing Competencies for Undergraduate </a:t>
+            </a:r>
+            <a:r>
+              <a:rPr lang="en-US" b="1" dirty="0"/>
+              <a:t>Data Science Curricula </a:t>
+            </a:r>
+            <a:r>
+              <a:rPr lang="en-US" dirty="0"/>
+              <a:t>ACM Data Science Task Force – 2021 (ACM, 2021)</a:t>
+            </a:r>
+          </a:p>
+          <a:p>
+            <a:pPr lvl="2"/>
+            <a:r>
+              <a:rPr lang="es-EC" sz="1800" i="1" dirty="0">
+                <a:latin typeface="Times New Roman" panose="02020603050405020304" pitchFamily="18" charset="0"/>
+                <a:ea typeface="Times New Roman" panose="02020603050405020304" pitchFamily="18" charset="0"/>
+              </a:rPr>
+              <a:t>F</a:t>
+            </a:r>
+            <a:r>
+              <a:rPr lang="es-EC" sz="1800" i="1" dirty="0">
+                <a:effectLst/>
+                <a:latin typeface="Times New Roman" panose="02020603050405020304" pitchFamily="18" charset="0"/>
+                <a:ea typeface="Times New Roman" panose="02020603050405020304" pitchFamily="18" charset="0"/>
+              </a:rPr>
+              <a:t>undamentos computacionales, razonamiento estadístico, gestión de datos, comunicación de resultados, implicaciones éticas y trabajo interdisciplinario</a:t>
+            </a:r>
+            <a:r>
+              <a:rPr lang="en-US" sz="1800" i="1" dirty="0">
+                <a:effectLst/>
+                <a:latin typeface="Times New Roman" panose="02020603050405020304" pitchFamily="18" charset="0"/>
+                <a:ea typeface="Times New Roman" panose="02020603050405020304" pitchFamily="18" charset="0"/>
+              </a:rPr>
+              <a:t>.</a:t>
+            </a:r>
+            <a:endParaRPr lang="en-US" dirty="0"/>
+          </a:p>
+          <a:p>
+            <a:pPr lvl="1"/>
+            <a:r>
+              <a:rPr lang="es-EC" b="1" dirty="0"/>
+              <a:t>Computer Science Curricula </a:t>
+            </a:r>
+            <a:r>
+              <a:rPr lang="es-EC" dirty="0"/>
+              <a:t>2023 (</a:t>
+            </a:r>
+            <a:r>
+              <a:rPr lang="es-EC" dirty="0" err="1"/>
+              <a:t>Amruth</a:t>
+            </a:r>
+            <a:r>
+              <a:rPr lang="es-EC" dirty="0"/>
+              <a:t> N. Kumar, 2024)</a:t>
+            </a:r>
+          </a:p>
+          <a:p>
+            <a:pPr lvl="2"/>
+            <a:r>
+              <a:rPr lang="es-EC" sz="1800" i="1" dirty="0">
+                <a:latin typeface="Times New Roman" panose="02020603050405020304" pitchFamily="18" charset="0"/>
+                <a:ea typeface="Times New Roman" panose="02020603050405020304" pitchFamily="18" charset="0"/>
+              </a:rPr>
+              <a:t>I</a:t>
+            </a:r>
+            <a:r>
+              <a:rPr lang="es-EC" sz="1800" i="1" dirty="0">
+                <a:effectLst/>
+                <a:latin typeface="Times New Roman" panose="02020603050405020304" pitchFamily="18" charset="0"/>
+                <a:ea typeface="Times New Roman" panose="02020603050405020304" pitchFamily="18" charset="0"/>
+              </a:rPr>
+              <a:t>ntegración de la inteligencia artificial en campos emergentes como la salud digital, el cambio climático, la ética algorítmica y los sistemas de recomendación generativo</a:t>
+            </a:r>
+          </a:p>
+          <a:p>
+            <a:pPr lvl="1"/>
+            <a:r>
+              <a:rPr lang="es-EC" dirty="0"/>
+              <a:t>Enfoque multidimensional: ética, crítica y socialmente consciente</a:t>
+            </a:r>
+          </a:p>
+          <a:p>
+            <a:pPr marL="914400" lvl="1" indent="-457200">
+              <a:buFont typeface="+mj-lt"/>
+              <a:buAutoNum type="arabicPeriod" startAt="3"/>
+            </a:pPr>
+            <a:endParaRPr lang="es-EC" dirty="0"/>
+          </a:p>
+          <a:p>
+            <a:endParaRPr lang="es-EC" dirty="0"/>
+          </a:p>
+        </p:txBody>
+      </p:sp>
+    </p:spTree>
+    <p:extLst>
+      <p:ext uri="{BB962C8B-B14F-4D97-AF65-F5344CB8AC3E}">
+        <p14:creationId xmlns:p14="http://schemas.microsoft.com/office/powerpoint/2010/main" val="2560185957"/>
+      </p:ext>
+    </p:extLst>
+  </p:cSld>
+  <p:clrMapOvr>
+    <a:masterClrMapping/>
+  </p:clrMapOvr>
+  <p:timing>
+    <p:tnLst>
+      <p:par>
+        <p:cTn id="1" dur="indefinite" restart="never" nodeType="tmRoot">
+          <p:childTnLst>
+            <p:seq concurrent="1" nextAc="seek">
+              <p:cTn id="2" dur="indefinite" nodeType="mainSeq">
+                <p:childTnLst>
+                  <p:par>
+                    <p:cTn id="3" fill="hold">
+                      <p:stCondLst>
+                        <p:cond delay="indefinite"/>
+                      </p:stCondLst>
+                      <p:childTnLst>
+                        <p:par>
+                          <p:cTn id="4" fill="hold">
+                            <p:stCondLst>
+                              <p:cond delay="0"/>
+                            </p:stCondLst>
+                            <p:childTnLst>
+                              <p:par>
+                                <p:cTn id="5" presetID="1" presetClass="entr" presetSubtype="0" fill="hold" grpId="0" nodeType="clickEffect">
+                                  <p:stCondLst>
+                                    <p:cond delay="0"/>
+                                  </p:stCondLst>
+                                  <p:childTnLst>
+                                    <p:set>
+                                      <p:cBhvr>
+                                        <p:cTn id="6" dur="1" fill="hold">
+                                          <p:stCondLst>
+                                            <p:cond delay="0"/>
+                                          </p:stCondLst>
+                                        </p:cTn>
+                                        <p:tgtEl>
+                                          <p:spTgt spid="2"/>
+                                        </p:tgtEl>
+                                        <p:attrNameLst>
+                                          <p:attrName>style.visibility</p:attrName>
+                                        </p:attrNameLst>
+                                      </p:cBhvr>
+                                      <p:to>
+                                        <p:strVal val="visible"/>
+                                      </p:to>
+                                    </p:set>
+                                  </p:childTnLst>
+                                </p:cTn>
+                              </p:par>
+                            </p:childTnLst>
+                          </p:cTn>
+                        </p:par>
+                      </p:childTnLst>
+                    </p:cTn>
+                  </p:par>
+                  <p:par>
+                    <p:cTn id="7" fill="hold">
+                      <p:stCondLst>
+                        <p:cond delay="indefinite"/>
+                      </p:stCondLst>
+                      <p:childTnLst>
+                        <p:par>
+                          <p:cTn id="8" fill="hold">
+                            <p:stCondLst>
+                              <p:cond delay="0"/>
+                            </p:stCondLst>
+                            <p:childTnLst>
+                              <p:par>
+                                <p:cTn id="9" presetID="1" presetClass="entr" presetSubtype="0" fill="hold" grpId="0" nodeType="clickEffect">
+                                  <p:stCondLst>
+                                    <p:cond delay="0"/>
+                                  </p:stCondLst>
+                                  <p:childTnLst>
+                                    <p:set>
+                                      <p:cBhvr>
+                                        <p:cTn id="10" dur="1" fill="hold">
+                                          <p:stCondLst>
+                                            <p:cond delay="0"/>
+                                          </p:stCondLst>
+                                        </p:cTn>
+                                        <p:tgtEl>
+                                          <p:spTgt spid="3">
+                                            <p:txEl>
+                                              <p:pRg st="0" end="0"/>
+                                            </p:txEl>
+                                          </p:spTgt>
+                                        </p:tgtEl>
+                                        <p:attrNameLst>
+                                          <p:attrName>style.visibility</p:attrName>
+                                        </p:attrNameLst>
+                                      </p:cBhvr>
+                                      <p:to>
+                                        <p:strVal val="visible"/>
+                                      </p:to>
+                                    </p:set>
+                                  </p:childTnLst>
+                                </p:cTn>
+                              </p:par>
+                              <p:par>
+                                <p:cTn id="11" presetID="1" presetClass="entr" presetSubtype="0" fill="hold" grpId="0" nodeType="withEffect">
+                                  <p:stCondLst>
+                                    <p:cond delay="0"/>
+                                  </p:stCondLst>
+                                  <p:childTnLst>
+                                    <p:set>
+                                      <p:cBhvr>
+                                        <p:cTn id="12" dur="1" fill="hold">
+                                          <p:stCondLst>
+                                            <p:cond delay="0"/>
+                                          </p:stCondLst>
+                                        </p:cTn>
+                                        <p:tgtEl>
+                                          <p:spTgt spid="3">
+                                            <p:txEl>
+                                              <p:pRg st="2" end="2"/>
+                                            </p:txEl>
+                                          </p:spTgt>
+                                        </p:tgtEl>
+                                        <p:attrNameLst>
+                                          <p:attrName>style.visibility</p:attrName>
+                                        </p:attrNameLst>
+                                      </p:cBhvr>
+                                      <p:to>
+                                        <p:strVal val="visible"/>
+                                      </p:to>
+                                    </p:set>
+                                  </p:childTnLst>
+                                </p:cTn>
+                              </p:par>
+                              <p:par>
+                                <p:cTn id="13" presetID="1" presetClass="entr" presetSubtype="0" fill="hold" grpId="0" nodeType="withEffect">
+                                  <p:stCondLst>
+                                    <p:cond delay="0"/>
+                                  </p:stCondLst>
+                                  <p:childTnLst>
+                                    <p:set>
+                                      <p:cBhvr>
+                                        <p:cTn id="14" dur="1" fill="hold">
+                                          <p:stCondLst>
+                                            <p:cond delay="0"/>
+                                          </p:stCondLst>
+                                        </p:cTn>
+                                        <p:tgtEl>
+                                          <p:spTgt spid="3">
+                                            <p:txEl>
+                                              <p:pRg st="3" end="3"/>
+                                            </p:txEl>
+                                          </p:spTgt>
+                                        </p:tgtEl>
+                                        <p:attrNameLst>
+                                          <p:attrName>style.visibility</p:attrName>
+                                        </p:attrNameLst>
+                                      </p:cBhvr>
+                                      <p:to>
+                                        <p:strVal val="visible"/>
+                                      </p:to>
+                                    </p:set>
+                                  </p:childTnLst>
+                                </p:cTn>
+                              </p:par>
+                              <p:par>
+                                <p:cTn id="15" presetID="1" presetClass="entr" presetSubtype="0" fill="hold" grpId="0" nodeType="withEffect">
+                                  <p:stCondLst>
+                                    <p:cond delay="0"/>
+                                  </p:stCondLst>
+                                  <p:childTnLst>
+                                    <p:set>
+                                      <p:cBhvr>
+                                        <p:cTn id="16" dur="1" fill="hold">
+                                          <p:stCondLst>
+                                            <p:cond delay="0"/>
+                                          </p:stCondLst>
+                                        </p:cTn>
+                                        <p:tgtEl>
+                                          <p:spTgt spid="3">
+                                            <p:txEl>
+                                              <p:pRg st="4" end="4"/>
+                                            </p:txEl>
+                                          </p:spTgt>
+                                        </p:tgtEl>
+                                        <p:attrNameLst>
+                                          <p:attrName>style.visibility</p:attrName>
+                                        </p:attrNameLst>
+                                      </p:cBhvr>
+                                      <p:to>
+                                        <p:strVal val="visible"/>
+                                      </p:to>
+                                    </p:set>
+                                  </p:childTnLst>
+                                </p:cTn>
+                              </p:par>
+                              <p:par>
+                                <p:cTn id="17" presetID="1" presetClass="entr" presetSubtype="0" fill="hold" grpId="0" nodeType="withEffect">
+                                  <p:stCondLst>
+                                    <p:cond delay="0"/>
+                                  </p:stCondLst>
+                                  <p:childTnLst>
+                                    <p:set>
+                                      <p:cBhvr>
+                                        <p:cTn id="18" dur="1" fill="hold">
+                                          <p:stCondLst>
+                                            <p:cond delay="0"/>
+                                          </p:stCondLst>
+                                        </p:cTn>
+                                        <p:tgtEl>
+                                          <p:spTgt spid="3">
+                                            <p:txEl>
+                                              <p:pRg st="5" end="5"/>
+                                            </p:txEl>
+                                          </p:spTgt>
+                                        </p:tgtEl>
+                                        <p:attrNameLst>
+                                          <p:attrName>style.visibility</p:attrName>
+                                        </p:attrNameLst>
+                                      </p:cBhvr>
+                                      <p:to>
+                                        <p:strVal val="visible"/>
+                                      </p:to>
+                                    </p:set>
+                                  </p:childTnLst>
+                                </p:cTn>
+                              </p:par>
+                              <p:par>
+                                <p:cTn id="19" presetID="1" presetClass="entr" presetSubtype="0" fill="hold" grpId="0" nodeType="withEffect">
+                                  <p:stCondLst>
+                                    <p:cond delay="0"/>
+                                  </p:stCondLst>
+                                  <p:childTnLst>
+                                    <p:set>
+                                      <p:cBhvr>
+                                        <p:cTn id="20" dur="1" fill="hold">
+                                          <p:stCondLst>
+                                            <p:cond delay="0"/>
+                                          </p:stCondLst>
+                                        </p:cTn>
+                                        <p:tgtEl>
+                                          <p:spTgt spid="3">
+                                            <p:txEl>
+                                              <p:pRg st="6" end="6"/>
+                                            </p:txEl>
+                                          </p:spTgt>
+                                        </p:tgtEl>
+                                        <p:attrNameLst>
+                                          <p:attrName>style.visibility</p:attrName>
+                                        </p:attrNameLst>
+                                      </p:cBhvr>
+                                      <p:to>
+                                        <p:strVal val="visible"/>
+                                      </p:to>
+                                    </p:set>
+                                  </p:childTnLst>
+                                </p:cTn>
+                              </p:par>
+                              <p:par>
+                                <p:cTn id="21" presetID="1" presetClass="entr" presetSubtype="0" fill="hold" grpId="0" nodeType="withEffect">
+                                  <p:stCondLst>
+                                    <p:cond delay="0"/>
+                                  </p:stCondLst>
+                                  <p:childTnLst>
+                                    <p:set>
+                                      <p:cBhvr>
+                                        <p:cTn id="22" dur="1" fill="hold">
+                                          <p:stCondLst>
+                                            <p:cond delay="0"/>
+                                          </p:stCondLst>
+                                        </p:cTn>
+                                        <p:tgtEl>
+                                          <p:spTgt spid="3">
+                                            <p:txEl>
+                                              <p:pRg st="7" end="7"/>
+                                            </p:txEl>
+                                          </p:spTgt>
+                                        </p:tgtEl>
+                                        <p:attrNameLst>
+                                          <p:attrName>style.visibility</p:attrName>
+                                        </p:attrNameLst>
+                                      </p:cBhvr>
+                                      <p:to>
+                                        <p:strVal val="visible"/>
+                                      </p:to>
+                                    </p:set>
+                                  </p:childTnLst>
+                                </p:cTn>
+                              </p:par>
+                            </p:childTnLst>
+                          </p:cTn>
+                        </p:par>
+                      </p:childTnLst>
+                    </p:cTn>
+                  </p:par>
+                </p:childTnLst>
+              </p:cTn>
+              <p:prevCondLst>
+                <p:cond evt="onPrev" delay="0">
+                  <p:tgtEl>
+                    <p:sldTgt/>
+                  </p:tgtEl>
+                </p:cond>
+              </p:prevCondLst>
+              <p:nextCondLst>
+                <p:cond evt="onNext" delay="0">
+                  <p:tgtEl>
+                    <p:sldTgt/>
+                  </p:tgtEl>
+                </p:cond>
+              </p:nextCondLst>
+            </p:seq>
+          </p:childTnLst>
+        </p:cTn>
+      </p:par>
+    </p:tnLst>
+    <p:bldLst>
+      <p:bldP spid="2" grpId="0"/>
+      <p:bldP spid="3" grpId="0" build="p"/>
+    </p:bldLst>
+  </p:timing>
+</p:sld>
+</file>
+
+<file path=ppt/slides/slide4.xml><?xml version="1.0" encoding="utf-8"?>
+<p:sld xmlns:a="http://schemas.openxmlformats.org/drawingml/2006/main" xmlns:r="http://schemas.openxmlformats.org/officeDocument/2006/relationships" xmlns:p="http://schemas.openxmlformats.org/presentationml/2006/main">
+  <p:cSld>
+    <p:spTree>
+      <p:nvGrpSpPr>
+        <p:cNvPr id="1" name=""/>
+        <p:cNvGrpSpPr/>
+        <p:nvPr/>
+      </p:nvGrpSpPr>
+      <p:grpSpPr>
+        <a:xfrm>
+          <a:off x="0" y="0"/>
+          <a:ext cx="0" cy="0"/>
+          <a:chOff x="0" y="0"/>
+          <a:chExt cx="0" cy="0"/>
+        </a:xfrm>
+      </p:grpSpPr>
+      <p:sp>
+        <p:nvSpPr>
+          <p:cNvPr id="2" name="Título 1">
+            <a:extLst>
+              <a:ext uri="{FF2B5EF4-FFF2-40B4-BE49-F238E27FC236}">
+                <a16:creationId xmlns:a16="http://schemas.microsoft.com/office/drawing/2014/main" id="{9473B421-7C77-2BA7-401B-032DC83CBD90}"/>
+              </a:ext>
+            </a:extLst>
+          </p:cNvPr>
+          <p:cNvSpPr>
+            <a:spLocks noGrp="1"/>
+          </p:cNvSpPr>
+          <p:nvPr>
+            <p:ph type="title"/>
+          </p:nvPr>
+        </p:nvSpPr>
+        <p:spPr/>
+        <p:txBody>
+          <a:bodyPr/>
+          <a:lstStyle/>
+          <a:p>
+            <a:r>
+              <a:rPr lang="es-ES" dirty="0"/>
+              <a:t>2. Pertinencia de la Carrera</a:t>
+            </a:r>
+            <a:endParaRPr lang="es-EC" dirty="0"/>
+          </a:p>
+        </p:txBody>
+      </p:sp>
+      <p:sp>
+        <p:nvSpPr>
+          <p:cNvPr id="3" name="Marcador de contenido 2">
+            <a:extLst>
+              <a:ext uri="{FF2B5EF4-FFF2-40B4-BE49-F238E27FC236}">
+                <a16:creationId xmlns:a16="http://schemas.microsoft.com/office/drawing/2014/main" id="{0D5B802F-8CE6-3CC7-A4E8-F33011F8CB35}"/>
+              </a:ext>
+            </a:extLst>
+          </p:cNvPr>
+          <p:cNvSpPr>
+            <a:spLocks noGrp="1"/>
+          </p:cNvSpPr>
+          <p:nvPr>
+            <p:ph idx="1"/>
+          </p:nvPr>
+        </p:nvSpPr>
+        <p:spPr/>
+        <p:txBody>
+          <a:bodyPr>
+            <a:normAutofit fontScale="70000" lnSpcReduction="20000"/>
+          </a:bodyPr>
+          <a:lstStyle/>
+          <a:p>
+            <a:pPr marL="514350" indent="-514350">
+              <a:buFont typeface="+mj-lt"/>
+              <a:buAutoNum type="arabicPeriod"/>
+            </a:pPr>
+            <a:r>
+              <a:rPr lang="es-ES" dirty="0"/>
+              <a:t>Respuesta a las Necesidades Nacionales (Planificación , 2024)</a:t>
+            </a:r>
+          </a:p>
+          <a:p>
+            <a:pPr marL="0" indent="0">
+              <a:buNone/>
+            </a:pPr>
+            <a:endParaRPr lang="es-ES" dirty="0"/>
+          </a:p>
+          <a:p>
+            <a:pPr lvl="1"/>
+            <a:r>
+              <a:rPr lang="es-ES" b="1" dirty="0"/>
+              <a:t>Política 2.4: </a:t>
+            </a:r>
+            <a:r>
+              <a:rPr lang="es-ES" dirty="0"/>
+              <a:t>Desarrollar el sistema de educación superior a través de nuevas </a:t>
+            </a:r>
+            <a:r>
+              <a:rPr lang="es-ES" u="sng" dirty="0"/>
+              <a:t>modalidades de estudio</a:t>
+            </a:r>
+            <a:r>
+              <a:rPr lang="es-ES" dirty="0"/>
+              <a:t>, carreras y </a:t>
+            </a:r>
+            <a:r>
+              <a:rPr lang="es-ES" u="sng" dirty="0"/>
+              <a:t>profundización de la educación técnica tecnológica</a:t>
+            </a:r>
+            <a:r>
+              <a:rPr lang="es-ES" dirty="0"/>
+              <a:t> como mecanismo para la profesionalización de la población.</a:t>
+            </a:r>
+          </a:p>
+          <a:p>
+            <a:pPr lvl="1"/>
+            <a:r>
+              <a:rPr lang="es-EC" i="1" dirty="0"/>
+              <a:t>La Agenda Digital 2025 (</a:t>
+            </a:r>
+            <a:r>
+              <a:rPr lang="es-EC" i="1" dirty="0" err="1"/>
+              <a:t>MinEdu</a:t>
+            </a:r>
+            <a:r>
+              <a:rPr lang="es-EC" i="1" dirty="0"/>
+              <a:t>): </a:t>
+            </a:r>
+          </a:p>
+          <a:p>
+            <a:pPr lvl="1"/>
+            <a:r>
+              <a:rPr lang="es-EC" i="1" dirty="0"/>
+              <a:t>El Plan Nacional de Innovación Educativa y Transformación Digital (</a:t>
+            </a:r>
+            <a:r>
+              <a:rPr lang="es-EC" i="1" dirty="0" err="1"/>
+              <a:t>MinTel</a:t>
+            </a:r>
+            <a:r>
+              <a:rPr lang="es-EC" i="1" dirty="0"/>
+              <a:t>):</a:t>
+            </a:r>
+          </a:p>
+          <a:p>
+            <a:pPr marL="457200" lvl="1" indent="0">
+              <a:buNone/>
+            </a:pPr>
+            <a:endParaRPr lang="es-ES" dirty="0"/>
+          </a:p>
+          <a:p>
+            <a:pPr marL="514350" indent="-514350">
+              <a:buFont typeface="+mj-lt"/>
+              <a:buAutoNum type="arabicPeriod" startAt="2"/>
+            </a:pPr>
+            <a:r>
+              <a:rPr lang="es-ES" dirty="0"/>
+              <a:t>Respuesta a Necesidades Globales (ONU, 2024)</a:t>
+            </a:r>
+          </a:p>
+          <a:p>
+            <a:pPr marL="0" indent="0">
+              <a:buNone/>
+            </a:pPr>
+            <a:endParaRPr lang="es-ES" dirty="0"/>
+          </a:p>
+          <a:p>
+            <a:pPr lvl="1"/>
+            <a:r>
+              <a:rPr lang="es-ES" b="1" dirty="0"/>
+              <a:t>ODS 4 (Educación de Calidad)</a:t>
+            </a:r>
+            <a:r>
+              <a:rPr lang="es-ES" dirty="0"/>
+              <a:t>: </a:t>
+            </a:r>
+            <a:r>
+              <a:rPr lang="es-ES" i="1" dirty="0"/>
+              <a:t>modalidades de aprendizaje</a:t>
+            </a:r>
+          </a:p>
+          <a:p>
+            <a:pPr lvl="1"/>
+            <a:r>
+              <a:rPr lang="es-ES" b="1" dirty="0"/>
+              <a:t>ODS 9 (Industria, Innovación e Infraestructura): </a:t>
+            </a:r>
+            <a:r>
+              <a:rPr lang="es-ES" i="1" dirty="0"/>
+              <a:t>automatización de procesos industriales</a:t>
+            </a:r>
+          </a:p>
+          <a:p>
+            <a:pPr marL="457200" lvl="1" indent="0">
+              <a:buNone/>
+            </a:pPr>
+            <a:r>
+              <a:rPr lang="es-ES" dirty="0"/>
+              <a:t> </a:t>
+            </a:r>
+          </a:p>
+          <a:p>
+            <a:pPr lvl="1"/>
+            <a:r>
+              <a:rPr lang="es-EC" i="1" dirty="0"/>
+              <a:t>ODS 11 (Ciudades y Comunidades Sostenibles): planificación urbana inteligente</a:t>
+            </a:r>
+          </a:p>
+          <a:p>
+            <a:pPr lvl="1"/>
+            <a:r>
+              <a:rPr lang="es-EC" i="1" dirty="0"/>
+              <a:t>ODS 3 (Salud y Bienestar): modelos predictivos para diagnóstico temprano de enfermedades</a:t>
+            </a:r>
+          </a:p>
+          <a:p>
+            <a:pPr lvl="1"/>
+            <a:r>
+              <a:rPr lang="es-EC" i="1" dirty="0"/>
+              <a:t>ODS 13 (Acción por el Clima): </a:t>
+            </a:r>
+            <a:r>
+              <a:rPr lang="es-ES" i="1" dirty="0"/>
+              <a:t>simulaciones en la evaluación de riesgos climáticos </a:t>
+            </a:r>
+            <a:endParaRPr lang="es-ES" dirty="0"/>
+          </a:p>
+          <a:p>
+            <a:pPr marL="971550" lvl="1" indent="-514350">
+              <a:buFont typeface="+mj-lt"/>
+              <a:buAutoNum type="arabicPeriod"/>
+            </a:pPr>
+            <a:endParaRPr lang="es-ES" dirty="0"/>
+          </a:p>
+        </p:txBody>
+      </p:sp>
+    </p:spTree>
+    <p:extLst>
+      <p:ext uri="{BB962C8B-B14F-4D97-AF65-F5344CB8AC3E}">
+        <p14:creationId xmlns:p14="http://schemas.microsoft.com/office/powerpoint/2010/main" val="444112001"/>
       </p:ext>
     </p:extLst>
   </p:cSld>
@@ -4482,1048 +5602,6 @@
 </p:sld>
 </file>
 
-<file path=ppt/slides/slide3.xml><?xml version="1.0" encoding="utf-8"?>
-<p:sld xmlns:a="http://schemas.openxmlformats.org/drawingml/2006/main" xmlns:r="http://schemas.openxmlformats.org/officeDocument/2006/relationships" xmlns:p="http://schemas.openxmlformats.org/presentationml/2006/main">
-  <p:cSld>
-    <p:spTree>
-      <p:nvGrpSpPr>
-        <p:cNvPr id="1" name=""/>
-        <p:cNvGrpSpPr/>
-        <p:nvPr/>
-      </p:nvGrpSpPr>
-      <p:grpSpPr>
-        <a:xfrm>
-          <a:off x="0" y="0"/>
-          <a:ext cx="0" cy="0"/>
-          <a:chOff x="0" y="0"/>
-          <a:chExt cx="0" cy="0"/>
-        </a:xfrm>
-      </p:grpSpPr>
-      <p:sp>
-        <p:nvSpPr>
-          <p:cNvPr id="2" name="Título 1">
-            <a:extLst>
-              <a:ext uri="{FF2B5EF4-FFF2-40B4-BE49-F238E27FC236}">
-                <a16:creationId xmlns:a16="http://schemas.microsoft.com/office/drawing/2014/main" id="{C307A1FE-ED21-32E6-E71B-C49A28238C11}"/>
-              </a:ext>
-            </a:extLst>
-          </p:cNvPr>
-          <p:cNvSpPr>
-            <a:spLocks noGrp="1"/>
-          </p:cNvSpPr>
-          <p:nvPr>
-            <p:ph type="title"/>
-          </p:nvPr>
-        </p:nvSpPr>
-        <p:spPr/>
-        <p:txBody>
-          <a:bodyPr/>
-          <a:lstStyle/>
-          <a:p>
-            <a:r>
-              <a:rPr lang="es-EC" dirty="0"/>
-              <a:t>1. Fundamentación Epistemológica</a:t>
-            </a:r>
-          </a:p>
-        </p:txBody>
-      </p:sp>
-      <p:sp>
-        <p:nvSpPr>
-          <p:cNvPr id="3" name="Marcador de contenido 2">
-            <a:extLst>
-              <a:ext uri="{FF2B5EF4-FFF2-40B4-BE49-F238E27FC236}">
-                <a16:creationId xmlns:a16="http://schemas.microsoft.com/office/drawing/2014/main" id="{10D9F8E9-7E6B-293E-9D4F-20EF36A779A0}"/>
-              </a:ext>
-            </a:extLst>
-          </p:cNvPr>
-          <p:cNvSpPr>
-            <a:spLocks noGrp="1"/>
-          </p:cNvSpPr>
-          <p:nvPr>
-            <p:ph idx="1"/>
-          </p:nvPr>
-        </p:nvSpPr>
-        <p:spPr/>
-        <p:txBody>
-          <a:bodyPr/>
-          <a:lstStyle/>
-          <a:p>
-            <a:pPr marL="514350" indent="-514350">
-              <a:buFont typeface="+mj-lt"/>
-              <a:buAutoNum type="arabicPeriod" startAt="3"/>
-            </a:pPr>
-            <a:r>
-              <a:rPr lang="es-ES" dirty="0"/>
-              <a:t>Inclusión de Diversas Perspectivas</a:t>
-            </a:r>
-          </a:p>
-          <a:p>
-            <a:pPr lvl="1"/>
-            <a:r>
-              <a:rPr lang="en-US" dirty="0"/>
-              <a:t>Computing Competencies for Undergraduate </a:t>
-            </a:r>
-            <a:r>
-              <a:rPr lang="en-US" b="1" dirty="0"/>
-              <a:t>Data Science Curricula </a:t>
-            </a:r>
-            <a:r>
-              <a:rPr lang="en-US" dirty="0"/>
-              <a:t>ACM Data Science Task Force – 2021 (ACM, 2021)</a:t>
-            </a:r>
-          </a:p>
-          <a:p>
-            <a:pPr lvl="2"/>
-            <a:r>
-              <a:rPr lang="es-EC" sz="1800" i="1" dirty="0">
-                <a:latin typeface="Times New Roman" panose="02020603050405020304" pitchFamily="18" charset="0"/>
-                <a:ea typeface="Times New Roman" panose="02020603050405020304" pitchFamily="18" charset="0"/>
-              </a:rPr>
-              <a:t>F</a:t>
-            </a:r>
-            <a:r>
-              <a:rPr lang="es-EC" sz="1800" i="1" dirty="0">
-                <a:effectLst/>
-                <a:latin typeface="Times New Roman" panose="02020603050405020304" pitchFamily="18" charset="0"/>
-                <a:ea typeface="Times New Roman" panose="02020603050405020304" pitchFamily="18" charset="0"/>
-              </a:rPr>
-              <a:t>undamentos computacionales, razonamiento estadístico, gestión de datos, comunicación de resultados, implicaciones éticas y trabajo interdisciplinario</a:t>
-            </a:r>
-            <a:r>
-              <a:rPr lang="en-US" sz="1800" i="1" dirty="0">
-                <a:effectLst/>
-                <a:latin typeface="Times New Roman" panose="02020603050405020304" pitchFamily="18" charset="0"/>
-                <a:ea typeface="Times New Roman" panose="02020603050405020304" pitchFamily="18" charset="0"/>
-              </a:rPr>
-              <a:t>.</a:t>
-            </a:r>
-            <a:endParaRPr lang="en-US" dirty="0"/>
-          </a:p>
-          <a:p>
-            <a:pPr lvl="1"/>
-            <a:r>
-              <a:rPr lang="es-EC" b="1" dirty="0"/>
-              <a:t>Computer Science Curricula </a:t>
-            </a:r>
-            <a:r>
-              <a:rPr lang="es-EC" dirty="0"/>
-              <a:t>2023 (</a:t>
-            </a:r>
-            <a:r>
-              <a:rPr lang="es-EC" dirty="0" err="1"/>
-              <a:t>Amruth</a:t>
-            </a:r>
-            <a:r>
-              <a:rPr lang="es-EC" dirty="0"/>
-              <a:t> N. Kumar, 2024)</a:t>
-            </a:r>
-          </a:p>
-          <a:p>
-            <a:pPr lvl="2"/>
-            <a:r>
-              <a:rPr lang="es-EC" sz="1800" i="1" dirty="0">
-                <a:latin typeface="Times New Roman" panose="02020603050405020304" pitchFamily="18" charset="0"/>
-                <a:ea typeface="Times New Roman" panose="02020603050405020304" pitchFamily="18" charset="0"/>
-              </a:rPr>
-              <a:t>I</a:t>
-            </a:r>
-            <a:r>
-              <a:rPr lang="es-EC" sz="1800" i="1" dirty="0">
-                <a:effectLst/>
-                <a:latin typeface="Times New Roman" panose="02020603050405020304" pitchFamily="18" charset="0"/>
-                <a:ea typeface="Times New Roman" panose="02020603050405020304" pitchFamily="18" charset="0"/>
-              </a:rPr>
-              <a:t>ntegración de la inteligencia artificial en campos emergentes como la salud digital, el cambio climático, la ética algorítmica y los sistemas de recomendación generativo</a:t>
-            </a:r>
-            <a:endParaRPr lang="es-EC" dirty="0"/>
-          </a:p>
-          <a:p>
-            <a:pPr marL="914400" lvl="1" indent="-457200">
-              <a:buFont typeface="+mj-lt"/>
-              <a:buAutoNum type="arabicPeriod" startAt="3"/>
-            </a:pPr>
-            <a:endParaRPr lang="es-EC" dirty="0"/>
-          </a:p>
-          <a:p>
-            <a:endParaRPr lang="es-EC" dirty="0"/>
-          </a:p>
-        </p:txBody>
-      </p:sp>
-    </p:spTree>
-    <p:extLst>
-      <p:ext uri="{BB962C8B-B14F-4D97-AF65-F5344CB8AC3E}">
-        <p14:creationId xmlns:p14="http://schemas.microsoft.com/office/powerpoint/2010/main" val="2560185957"/>
-      </p:ext>
-    </p:extLst>
-  </p:cSld>
-  <p:clrMapOvr>
-    <a:masterClrMapping/>
-  </p:clrMapOvr>
-  <p:timing>
-    <p:tnLst>
-      <p:par>
-        <p:cTn id="1" dur="indefinite" restart="never" nodeType="tmRoot">
-          <p:childTnLst>
-            <p:seq concurrent="1" nextAc="seek">
-              <p:cTn id="2" dur="indefinite" nodeType="mainSeq">
-                <p:childTnLst>
-                  <p:par>
-                    <p:cTn id="3" fill="hold">
-                      <p:stCondLst>
-                        <p:cond delay="indefinite"/>
-                      </p:stCondLst>
-                      <p:childTnLst>
-                        <p:par>
-                          <p:cTn id="4" fill="hold">
-                            <p:stCondLst>
-                              <p:cond delay="0"/>
-                            </p:stCondLst>
-                            <p:childTnLst>
-                              <p:par>
-                                <p:cTn id="5" presetID="1" presetClass="entr" presetSubtype="0" fill="hold" grpId="0" nodeType="clickEffect">
-                                  <p:stCondLst>
-                                    <p:cond delay="0"/>
-                                  </p:stCondLst>
-                                  <p:childTnLst>
-                                    <p:set>
-                                      <p:cBhvr>
-                                        <p:cTn id="6" dur="1" fill="hold">
-                                          <p:stCondLst>
-                                            <p:cond delay="0"/>
-                                          </p:stCondLst>
-                                        </p:cTn>
-                                        <p:tgtEl>
-                                          <p:spTgt spid="2"/>
-                                        </p:tgtEl>
-                                        <p:attrNameLst>
-                                          <p:attrName>style.visibility</p:attrName>
-                                        </p:attrNameLst>
-                                      </p:cBhvr>
-                                      <p:to>
-                                        <p:strVal val="visible"/>
-                                      </p:to>
-                                    </p:set>
-                                  </p:childTnLst>
-                                </p:cTn>
-                              </p:par>
-                            </p:childTnLst>
-                          </p:cTn>
-                        </p:par>
-                      </p:childTnLst>
-                    </p:cTn>
-                  </p:par>
-                  <p:par>
-                    <p:cTn id="7" fill="hold">
-                      <p:stCondLst>
-                        <p:cond delay="indefinite"/>
-                      </p:stCondLst>
-                      <p:childTnLst>
-                        <p:par>
-                          <p:cTn id="8" fill="hold">
-                            <p:stCondLst>
-                              <p:cond delay="0"/>
-                            </p:stCondLst>
-                            <p:childTnLst>
-                              <p:par>
-                                <p:cTn id="9" presetID="1" presetClass="entr" presetSubtype="0" fill="hold" grpId="0" nodeType="clickEffect">
-                                  <p:stCondLst>
-                                    <p:cond delay="0"/>
-                                  </p:stCondLst>
-                                  <p:childTnLst>
-                                    <p:set>
-                                      <p:cBhvr>
-                                        <p:cTn id="10" dur="1" fill="hold">
-                                          <p:stCondLst>
-                                            <p:cond delay="0"/>
-                                          </p:stCondLst>
-                                        </p:cTn>
-                                        <p:tgtEl>
-                                          <p:spTgt spid="3">
-                                            <p:txEl>
-                                              <p:pRg st="0" end="0"/>
-                                            </p:txEl>
-                                          </p:spTgt>
-                                        </p:tgtEl>
-                                        <p:attrNameLst>
-                                          <p:attrName>style.visibility</p:attrName>
-                                        </p:attrNameLst>
-                                      </p:cBhvr>
-                                      <p:to>
-                                        <p:strVal val="visible"/>
-                                      </p:to>
-                                    </p:set>
-                                  </p:childTnLst>
-                                </p:cTn>
-                              </p:par>
-                              <p:par>
-                                <p:cTn id="11" presetID="1" presetClass="entr" presetSubtype="0" fill="hold" grpId="0" nodeType="withEffect">
-                                  <p:stCondLst>
-                                    <p:cond delay="0"/>
-                                  </p:stCondLst>
-                                  <p:childTnLst>
-                                    <p:set>
-                                      <p:cBhvr>
-                                        <p:cTn id="12" dur="1" fill="hold">
-                                          <p:stCondLst>
-                                            <p:cond delay="0"/>
-                                          </p:stCondLst>
-                                        </p:cTn>
-                                        <p:tgtEl>
-                                          <p:spTgt spid="3">
-                                            <p:txEl>
-                                              <p:pRg st="1" end="1"/>
-                                            </p:txEl>
-                                          </p:spTgt>
-                                        </p:tgtEl>
-                                        <p:attrNameLst>
-                                          <p:attrName>style.visibility</p:attrName>
-                                        </p:attrNameLst>
-                                      </p:cBhvr>
-                                      <p:to>
-                                        <p:strVal val="visible"/>
-                                      </p:to>
-                                    </p:set>
-                                  </p:childTnLst>
-                                </p:cTn>
-                              </p:par>
-                              <p:par>
-                                <p:cTn id="13" presetID="1" presetClass="entr" presetSubtype="0" fill="hold" grpId="0" nodeType="withEffect">
-                                  <p:stCondLst>
-                                    <p:cond delay="0"/>
-                                  </p:stCondLst>
-                                  <p:childTnLst>
-                                    <p:set>
-                                      <p:cBhvr>
-                                        <p:cTn id="14" dur="1" fill="hold">
-                                          <p:stCondLst>
-                                            <p:cond delay="0"/>
-                                          </p:stCondLst>
-                                        </p:cTn>
-                                        <p:tgtEl>
-                                          <p:spTgt spid="3">
-                                            <p:txEl>
-                                              <p:pRg st="2" end="2"/>
-                                            </p:txEl>
-                                          </p:spTgt>
-                                        </p:tgtEl>
-                                        <p:attrNameLst>
-                                          <p:attrName>style.visibility</p:attrName>
-                                        </p:attrNameLst>
-                                      </p:cBhvr>
-                                      <p:to>
-                                        <p:strVal val="visible"/>
-                                      </p:to>
-                                    </p:set>
-                                  </p:childTnLst>
-                                </p:cTn>
-                              </p:par>
-                              <p:par>
-                                <p:cTn id="15" presetID="1" presetClass="entr" presetSubtype="0" fill="hold" grpId="0" nodeType="withEffect">
-                                  <p:stCondLst>
-                                    <p:cond delay="0"/>
-                                  </p:stCondLst>
-                                  <p:childTnLst>
-                                    <p:set>
-                                      <p:cBhvr>
-                                        <p:cTn id="16" dur="1" fill="hold">
-                                          <p:stCondLst>
-                                            <p:cond delay="0"/>
-                                          </p:stCondLst>
-                                        </p:cTn>
-                                        <p:tgtEl>
-                                          <p:spTgt spid="3">
-                                            <p:txEl>
-                                              <p:pRg st="3" end="3"/>
-                                            </p:txEl>
-                                          </p:spTgt>
-                                        </p:tgtEl>
-                                        <p:attrNameLst>
-                                          <p:attrName>style.visibility</p:attrName>
-                                        </p:attrNameLst>
-                                      </p:cBhvr>
-                                      <p:to>
-                                        <p:strVal val="visible"/>
-                                      </p:to>
-                                    </p:set>
-                                  </p:childTnLst>
-                                </p:cTn>
-                              </p:par>
-                              <p:par>
-                                <p:cTn id="17" presetID="1" presetClass="entr" presetSubtype="0" fill="hold" grpId="0" nodeType="withEffect">
-                                  <p:stCondLst>
-                                    <p:cond delay="0"/>
-                                  </p:stCondLst>
-                                  <p:childTnLst>
-                                    <p:set>
-                                      <p:cBhvr>
-                                        <p:cTn id="18" dur="1" fill="hold">
-                                          <p:stCondLst>
-                                            <p:cond delay="0"/>
-                                          </p:stCondLst>
-                                        </p:cTn>
-                                        <p:tgtEl>
-                                          <p:spTgt spid="3">
-                                            <p:txEl>
-                                              <p:pRg st="4" end="4"/>
-                                            </p:txEl>
-                                          </p:spTgt>
-                                        </p:tgtEl>
-                                        <p:attrNameLst>
-                                          <p:attrName>style.visibility</p:attrName>
-                                        </p:attrNameLst>
-                                      </p:cBhvr>
-                                      <p:to>
-                                        <p:strVal val="visible"/>
-                                      </p:to>
-                                    </p:set>
-                                  </p:childTnLst>
-                                </p:cTn>
-                              </p:par>
-                            </p:childTnLst>
-                          </p:cTn>
-                        </p:par>
-                      </p:childTnLst>
-                    </p:cTn>
-                  </p:par>
-                </p:childTnLst>
-              </p:cTn>
-              <p:prevCondLst>
-                <p:cond evt="onPrev" delay="0">
-                  <p:tgtEl>
-                    <p:sldTgt/>
-                  </p:tgtEl>
-                </p:cond>
-              </p:prevCondLst>
-              <p:nextCondLst>
-                <p:cond evt="onNext" delay="0">
-                  <p:tgtEl>
-                    <p:sldTgt/>
-                  </p:tgtEl>
-                </p:cond>
-              </p:nextCondLst>
-            </p:seq>
-          </p:childTnLst>
-        </p:cTn>
-      </p:par>
-    </p:tnLst>
-    <p:bldLst>
-      <p:bldP spid="2" grpId="0"/>
-      <p:bldP spid="3" grpId="0" build="p"/>
-    </p:bldLst>
-  </p:timing>
-</p:sld>
-</file>
-
-<file path=ppt/slides/slide4.xml><?xml version="1.0" encoding="utf-8"?>
-<p:sld xmlns:a="http://schemas.openxmlformats.org/drawingml/2006/main" xmlns:r="http://schemas.openxmlformats.org/officeDocument/2006/relationships" xmlns:p="http://schemas.openxmlformats.org/presentationml/2006/main">
-  <p:cSld>
-    <p:spTree>
-      <p:nvGrpSpPr>
-        <p:cNvPr id="1" name=""/>
-        <p:cNvGrpSpPr/>
-        <p:nvPr/>
-      </p:nvGrpSpPr>
-      <p:grpSpPr>
-        <a:xfrm>
-          <a:off x="0" y="0"/>
-          <a:ext cx="0" cy="0"/>
-          <a:chOff x="0" y="0"/>
-          <a:chExt cx="0" cy="0"/>
-        </a:xfrm>
-      </p:grpSpPr>
-      <p:sp>
-        <p:nvSpPr>
-          <p:cNvPr id="2" name="Título 1">
-            <a:extLst>
-              <a:ext uri="{FF2B5EF4-FFF2-40B4-BE49-F238E27FC236}">
-                <a16:creationId xmlns:a16="http://schemas.microsoft.com/office/drawing/2014/main" id="{9473B421-7C77-2BA7-401B-032DC83CBD90}"/>
-              </a:ext>
-            </a:extLst>
-          </p:cNvPr>
-          <p:cNvSpPr>
-            <a:spLocks noGrp="1"/>
-          </p:cNvSpPr>
-          <p:nvPr>
-            <p:ph type="title"/>
-          </p:nvPr>
-        </p:nvSpPr>
-        <p:spPr/>
-        <p:txBody>
-          <a:bodyPr/>
-          <a:lstStyle/>
-          <a:p>
-            <a:r>
-              <a:rPr lang="es-ES" dirty="0"/>
-              <a:t>2. Pertinencia de la Carrera</a:t>
-            </a:r>
-            <a:endParaRPr lang="es-EC" dirty="0"/>
-          </a:p>
-        </p:txBody>
-      </p:sp>
-      <p:sp>
-        <p:nvSpPr>
-          <p:cNvPr id="3" name="Marcador de contenido 2">
-            <a:extLst>
-              <a:ext uri="{FF2B5EF4-FFF2-40B4-BE49-F238E27FC236}">
-                <a16:creationId xmlns:a16="http://schemas.microsoft.com/office/drawing/2014/main" id="{0D5B802F-8CE6-3CC7-A4E8-F33011F8CB35}"/>
-              </a:ext>
-            </a:extLst>
-          </p:cNvPr>
-          <p:cNvSpPr>
-            <a:spLocks noGrp="1"/>
-          </p:cNvSpPr>
-          <p:nvPr>
-            <p:ph idx="1"/>
-          </p:nvPr>
-        </p:nvSpPr>
-        <p:spPr/>
-        <p:txBody>
-          <a:bodyPr>
-            <a:normAutofit fontScale="70000" lnSpcReduction="20000"/>
-          </a:bodyPr>
-          <a:lstStyle/>
-          <a:p>
-            <a:pPr marL="514350" indent="-514350">
-              <a:buFont typeface="+mj-lt"/>
-              <a:buAutoNum type="arabicPeriod"/>
-            </a:pPr>
-            <a:r>
-              <a:rPr lang="es-ES" dirty="0"/>
-              <a:t>Respuesta a las Necesidades Nacionales (Planificación , 2024)</a:t>
-            </a:r>
-          </a:p>
-          <a:p>
-            <a:pPr marL="0" indent="0">
-              <a:buNone/>
-            </a:pPr>
-            <a:endParaRPr lang="es-ES" dirty="0"/>
-          </a:p>
-          <a:p>
-            <a:pPr lvl="1"/>
-            <a:r>
-              <a:rPr lang="es-ES" b="1" dirty="0"/>
-              <a:t>Política 2.4: </a:t>
-            </a:r>
-            <a:r>
-              <a:rPr lang="es-ES" dirty="0"/>
-              <a:t>Desarrollar el sistema de educación superior a través de nuevas </a:t>
-            </a:r>
-            <a:r>
-              <a:rPr lang="es-ES" u="sng" dirty="0"/>
-              <a:t>modalidades de estudio</a:t>
-            </a:r>
-            <a:r>
-              <a:rPr lang="es-ES" dirty="0"/>
-              <a:t>, carreras y profundización de la educación técnica tecnológica como mecanismo para la profesionalización de la población.</a:t>
-            </a:r>
-          </a:p>
-          <a:p>
-            <a:pPr lvl="1"/>
-            <a:r>
-              <a:rPr lang="es-EC" i="1" dirty="0"/>
-              <a:t>La Agenda Digital 2025 (</a:t>
-            </a:r>
-            <a:r>
-              <a:rPr lang="es-EC" i="1" dirty="0" err="1"/>
-              <a:t>MinEdu</a:t>
-            </a:r>
-            <a:r>
-              <a:rPr lang="es-EC" i="1" dirty="0"/>
-              <a:t>) y el Plan Nacional de Innovación Educativa y Transformación Digital (</a:t>
-            </a:r>
-            <a:r>
-              <a:rPr lang="es-EC" i="1" dirty="0" err="1"/>
-              <a:t>MinTel</a:t>
-            </a:r>
-            <a:r>
-              <a:rPr lang="es-EC" i="1" dirty="0"/>
-              <a:t>)</a:t>
-            </a:r>
-          </a:p>
-          <a:p>
-            <a:pPr marL="457200" lvl="1" indent="0">
-              <a:buNone/>
-            </a:pPr>
-            <a:endParaRPr lang="es-ES" dirty="0"/>
-          </a:p>
-          <a:p>
-            <a:pPr marL="514350" indent="-514350">
-              <a:buFont typeface="+mj-lt"/>
-              <a:buAutoNum type="arabicPeriod" startAt="2"/>
-            </a:pPr>
-            <a:r>
-              <a:rPr lang="es-ES" dirty="0"/>
-              <a:t>Respuesta a Necesidades Globales (ONU, 2024)</a:t>
-            </a:r>
-          </a:p>
-          <a:p>
-            <a:pPr marL="0" indent="0">
-              <a:buNone/>
-            </a:pPr>
-            <a:endParaRPr lang="es-ES" dirty="0"/>
-          </a:p>
-          <a:p>
-            <a:pPr lvl="1"/>
-            <a:r>
-              <a:rPr lang="es-ES" b="1" dirty="0"/>
-              <a:t>ODS 4 (Educación de Calidad)</a:t>
-            </a:r>
-            <a:r>
-              <a:rPr lang="es-ES" dirty="0"/>
-              <a:t>: </a:t>
-            </a:r>
-            <a:r>
-              <a:rPr lang="es-ES" i="1" dirty="0"/>
-              <a:t>modalidades de aprendizaje</a:t>
-            </a:r>
-          </a:p>
-          <a:p>
-            <a:pPr lvl="1"/>
-            <a:r>
-              <a:rPr lang="es-ES" b="1" dirty="0"/>
-              <a:t>ODS 9 (Industria, Innovación e Infraestructura): </a:t>
-            </a:r>
-            <a:r>
-              <a:rPr lang="es-ES" i="1" dirty="0"/>
-              <a:t>automatización de procesos industriales</a:t>
-            </a:r>
-          </a:p>
-          <a:p>
-            <a:pPr marL="457200" lvl="1" indent="0">
-              <a:buNone/>
-            </a:pPr>
-            <a:r>
-              <a:rPr lang="es-ES" dirty="0"/>
-              <a:t> </a:t>
-            </a:r>
-          </a:p>
-          <a:p>
-            <a:pPr lvl="1"/>
-            <a:r>
-              <a:rPr lang="es-EC" i="1" dirty="0"/>
-              <a:t>ODS 11 (Ciudades y Comunidades Sostenibles): planificación urbana inteligente</a:t>
-            </a:r>
-          </a:p>
-          <a:p>
-            <a:pPr lvl="1"/>
-            <a:r>
-              <a:rPr lang="es-EC" i="1" dirty="0"/>
-              <a:t>ODS 3 (Salud y Bienestar): modelos predictivos para diagnóstico temprano</a:t>
-            </a:r>
-          </a:p>
-          <a:p>
-            <a:pPr lvl="1"/>
-            <a:r>
-              <a:rPr lang="es-EC" i="1" dirty="0"/>
-              <a:t>ODS 13 (Acción por el Clima): </a:t>
-            </a:r>
-            <a:r>
-              <a:rPr lang="es-ES" i="1" dirty="0"/>
-              <a:t>simulaciones en la evaluación de riesgos climáticos </a:t>
-            </a:r>
-            <a:endParaRPr lang="es-ES" dirty="0"/>
-          </a:p>
-          <a:p>
-            <a:pPr marL="971550" lvl="1" indent="-514350">
-              <a:buFont typeface="+mj-lt"/>
-              <a:buAutoNum type="arabicPeriod"/>
-            </a:pPr>
-            <a:endParaRPr lang="es-ES" dirty="0"/>
-          </a:p>
-        </p:txBody>
-      </p:sp>
-    </p:spTree>
-    <p:extLst>
-      <p:ext uri="{BB962C8B-B14F-4D97-AF65-F5344CB8AC3E}">
-        <p14:creationId xmlns:p14="http://schemas.microsoft.com/office/powerpoint/2010/main" val="444112001"/>
-      </p:ext>
-    </p:extLst>
-  </p:cSld>
-  <p:clrMapOvr>
-    <a:masterClrMapping/>
-  </p:clrMapOvr>
-  <p:timing>
-    <p:tnLst>
-      <p:par>
-        <p:cTn id="1" dur="indefinite" restart="never" nodeType="tmRoot">
-          <p:childTnLst>
-            <p:seq concurrent="1" nextAc="seek">
-              <p:cTn id="2" dur="indefinite" nodeType="mainSeq">
-                <p:childTnLst>
-                  <p:par>
-                    <p:cTn id="3" fill="hold">
-                      <p:stCondLst>
-                        <p:cond delay="indefinite"/>
-                      </p:stCondLst>
-                      <p:childTnLst>
-                        <p:par>
-                          <p:cTn id="4" fill="hold">
-                            <p:stCondLst>
-                              <p:cond delay="0"/>
-                            </p:stCondLst>
-                            <p:childTnLst>
-                              <p:par>
-                                <p:cTn id="5" presetID="1" presetClass="entr" presetSubtype="0" fill="hold" grpId="0" nodeType="clickEffect">
-                                  <p:stCondLst>
-                                    <p:cond delay="0"/>
-                                  </p:stCondLst>
-                                  <p:childTnLst>
-                                    <p:set>
-                                      <p:cBhvr>
-                                        <p:cTn id="6" dur="1" fill="hold">
-                                          <p:stCondLst>
-                                            <p:cond delay="0"/>
-                                          </p:stCondLst>
-                                        </p:cTn>
-                                        <p:tgtEl>
-                                          <p:spTgt spid="3">
-                                            <p:txEl>
-                                              <p:pRg st="0" end="0"/>
-                                            </p:txEl>
-                                          </p:spTgt>
-                                        </p:tgtEl>
-                                        <p:attrNameLst>
-                                          <p:attrName>style.visibility</p:attrName>
-                                        </p:attrNameLst>
-                                      </p:cBhvr>
-                                      <p:to>
-                                        <p:strVal val="visible"/>
-                                      </p:to>
-                                    </p:set>
-                                  </p:childTnLst>
-                                </p:cTn>
-                              </p:par>
-                              <p:par>
-                                <p:cTn id="7" presetID="1" presetClass="entr" presetSubtype="0" fill="hold" grpId="0" nodeType="withEffect">
-                                  <p:stCondLst>
-                                    <p:cond delay="0"/>
-                                  </p:stCondLst>
-                                  <p:childTnLst>
-                                    <p:set>
-                                      <p:cBhvr>
-                                        <p:cTn id="8" dur="1" fill="hold">
-                                          <p:stCondLst>
-                                            <p:cond delay="0"/>
-                                          </p:stCondLst>
-                                        </p:cTn>
-                                        <p:tgtEl>
-                                          <p:spTgt spid="3">
-                                            <p:txEl>
-                                              <p:pRg st="2" end="2"/>
-                                            </p:txEl>
-                                          </p:spTgt>
-                                        </p:tgtEl>
-                                        <p:attrNameLst>
-                                          <p:attrName>style.visibility</p:attrName>
-                                        </p:attrNameLst>
-                                      </p:cBhvr>
-                                      <p:to>
-                                        <p:strVal val="visible"/>
-                                      </p:to>
-                                    </p:set>
-                                  </p:childTnLst>
-                                </p:cTn>
-                              </p:par>
-                              <p:par>
-                                <p:cTn id="9" presetID="1" presetClass="entr" presetSubtype="0" fill="hold" grpId="0" nodeType="withEffect">
-                                  <p:stCondLst>
-                                    <p:cond delay="0"/>
-                                  </p:stCondLst>
-                                  <p:childTnLst>
-                                    <p:set>
-                                      <p:cBhvr>
-                                        <p:cTn id="10" dur="1" fill="hold">
-                                          <p:stCondLst>
-                                            <p:cond delay="0"/>
-                                          </p:stCondLst>
-                                        </p:cTn>
-                                        <p:tgtEl>
-                                          <p:spTgt spid="3">
-                                            <p:txEl>
-                                              <p:pRg st="3" end="3"/>
-                                            </p:txEl>
-                                          </p:spTgt>
-                                        </p:tgtEl>
-                                        <p:attrNameLst>
-                                          <p:attrName>style.visibility</p:attrName>
-                                        </p:attrNameLst>
-                                      </p:cBhvr>
-                                      <p:to>
-                                        <p:strVal val="visible"/>
-                                      </p:to>
-                                    </p:set>
-                                  </p:childTnLst>
-                                </p:cTn>
-                              </p:par>
-                            </p:childTnLst>
-                          </p:cTn>
-                        </p:par>
-                      </p:childTnLst>
-                    </p:cTn>
-                  </p:par>
-                  <p:par>
-                    <p:cTn id="11" fill="hold">
-                      <p:stCondLst>
-                        <p:cond delay="indefinite"/>
-                      </p:stCondLst>
-                      <p:childTnLst>
-                        <p:par>
-                          <p:cTn id="12" fill="hold">
-                            <p:stCondLst>
-                              <p:cond delay="0"/>
-                            </p:stCondLst>
-                            <p:childTnLst>
-                              <p:par>
-                                <p:cTn id="13" presetID="1" presetClass="entr" presetSubtype="0" fill="hold" grpId="0" nodeType="clickEffect">
-                                  <p:stCondLst>
-                                    <p:cond delay="0"/>
-                                  </p:stCondLst>
-                                  <p:childTnLst>
-                                    <p:set>
-                                      <p:cBhvr>
-                                        <p:cTn id="14" dur="1" fill="hold">
-                                          <p:stCondLst>
-                                            <p:cond delay="0"/>
-                                          </p:stCondLst>
-                                        </p:cTn>
-                                        <p:tgtEl>
-                                          <p:spTgt spid="3">
-                                            <p:txEl>
-                                              <p:pRg st="5" end="5"/>
-                                            </p:txEl>
-                                          </p:spTgt>
-                                        </p:tgtEl>
-                                        <p:attrNameLst>
-                                          <p:attrName>style.visibility</p:attrName>
-                                        </p:attrNameLst>
-                                      </p:cBhvr>
-                                      <p:to>
-                                        <p:strVal val="visible"/>
-                                      </p:to>
-                                    </p:set>
-                                  </p:childTnLst>
-                                </p:cTn>
-                              </p:par>
-                              <p:par>
-                                <p:cTn id="15" presetID="1" presetClass="entr" presetSubtype="0" fill="hold" grpId="0" nodeType="withEffect">
-                                  <p:stCondLst>
-                                    <p:cond delay="0"/>
-                                  </p:stCondLst>
-                                  <p:childTnLst>
-                                    <p:set>
-                                      <p:cBhvr>
-                                        <p:cTn id="16" dur="1" fill="hold">
-                                          <p:stCondLst>
-                                            <p:cond delay="0"/>
-                                          </p:stCondLst>
-                                        </p:cTn>
-                                        <p:tgtEl>
-                                          <p:spTgt spid="3">
-                                            <p:txEl>
-                                              <p:pRg st="7" end="7"/>
-                                            </p:txEl>
-                                          </p:spTgt>
-                                        </p:tgtEl>
-                                        <p:attrNameLst>
-                                          <p:attrName>style.visibility</p:attrName>
-                                        </p:attrNameLst>
-                                      </p:cBhvr>
-                                      <p:to>
-                                        <p:strVal val="visible"/>
-                                      </p:to>
-                                    </p:set>
-                                  </p:childTnLst>
-                                </p:cTn>
-                              </p:par>
-                              <p:par>
-                                <p:cTn id="17" presetID="1" presetClass="entr" presetSubtype="0" fill="hold" grpId="0" nodeType="withEffect">
-                                  <p:stCondLst>
-                                    <p:cond delay="0"/>
-                                  </p:stCondLst>
-                                  <p:childTnLst>
-                                    <p:set>
-                                      <p:cBhvr>
-                                        <p:cTn id="18" dur="1" fill="hold">
-                                          <p:stCondLst>
-                                            <p:cond delay="0"/>
-                                          </p:stCondLst>
-                                        </p:cTn>
-                                        <p:tgtEl>
-                                          <p:spTgt spid="3">
-                                            <p:txEl>
-                                              <p:pRg st="8" end="8"/>
-                                            </p:txEl>
-                                          </p:spTgt>
-                                        </p:tgtEl>
-                                        <p:attrNameLst>
-                                          <p:attrName>style.visibility</p:attrName>
-                                        </p:attrNameLst>
-                                      </p:cBhvr>
-                                      <p:to>
-                                        <p:strVal val="visible"/>
-                                      </p:to>
-                                    </p:set>
-                                  </p:childTnLst>
-                                </p:cTn>
-                              </p:par>
-                              <p:par>
-                                <p:cTn id="19" presetID="1" presetClass="entr" presetSubtype="0" fill="hold" grpId="0" nodeType="withEffect">
-                                  <p:stCondLst>
-                                    <p:cond delay="0"/>
-                                  </p:stCondLst>
-                                  <p:childTnLst>
-                                    <p:set>
-                                      <p:cBhvr>
-                                        <p:cTn id="20" dur="1" fill="hold">
-                                          <p:stCondLst>
-                                            <p:cond delay="0"/>
-                                          </p:stCondLst>
-                                        </p:cTn>
-                                        <p:tgtEl>
-                                          <p:spTgt spid="3">
-                                            <p:txEl>
-                                              <p:pRg st="9" end="9"/>
-                                            </p:txEl>
-                                          </p:spTgt>
-                                        </p:tgtEl>
-                                        <p:attrNameLst>
-                                          <p:attrName>style.visibility</p:attrName>
-                                        </p:attrNameLst>
-                                      </p:cBhvr>
-                                      <p:to>
-                                        <p:strVal val="visible"/>
-                                      </p:to>
-                                    </p:set>
-                                  </p:childTnLst>
-                                </p:cTn>
-                              </p:par>
-                              <p:par>
-                                <p:cTn id="21" presetID="1" presetClass="entr" presetSubtype="0" fill="hold" grpId="0" nodeType="withEffect">
-                                  <p:stCondLst>
-                                    <p:cond delay="0"/>
-                                  </p:stCondLst>
-                                  <p:childTnLst>
-                                    <p:set>
-                                      <p:cBhvr>
-                                        <p:cTn id="22" dur="1" fill="hold">
-                                          <p:stCondLst>
-                                            <p:cond delay="0"/>
-                                          </p:stCondLst>
-                                        </p:cTn>
-                                        <p:tgtEl>
-                                          <p:spTgt spid="3">
-                                            <p:txEl>
-                                              <p:pRg st="10" end="10"/>
-                                            </p:txEl>
-                                          </p:spTgt>
-                                        </p:tgtEl>
-                                        <p:attrNameLst>
-                                          <p:attrName>style.visibility</p:attrName>
-                                        </p:attrNameLst>
-                                      </p:cBhvr>
-                                      <p:to>
-                                        <p:strVal val="visible"/>
-                                      </p:to>
-                                    </p:set>
-                                  </p:childTnLst>
-                                </p:cTn>
-                              </p:par>
-                              <p:par>
-                                <p:cTn id="23" presetID="1" presetClass="entr" presetSubtype="0" fill="hold" grpId="0" nodeType="withEffect">
-                                  <p:stCondLst>
-                                    <p:cond delay="0"/>
-                                  </p:stCondLst>
-                                  <p:childTnLst>
-                                    <p:set>
-                                      <p:cBhvr>
-                                        <p:cTn id="24" dur="1" fill="hold">
-                                          <p:stCondLst>
-                                            <p:cond delay="0"/>
-                                          </p:stCondLst>
-                                        </p:cTn>
-                                        <p:tgtEl>
-                                          <p:spTgt spid="3">
-                                            <p:txEl>
-                                              <p:pRg st="11" end="11"/>
-                                            </p:txEl>
-                                          </p:spTgt>
-                                        </p:tgtEl>
-                                        <p:attrNameLst>
-                                          <p:attrName>style.visibility</p:attrName>
-                                        </p:attrNameLst>
-                                      </p:cBhvr>
-                                      <p:to>
-                                        <p:strVal val="visible"/>
-                                      </p:to>
-                                    </p:set>
-                                  </p:childTnLst>
-                                </p:cTn>
-                              </p:par>
-                              <p:par>
-                                <p:cTn id="25" presetID="1" presetClass="entr" presetSubtype="0" fill="hold" grpId="0" nodeType="withEffect">
-                                  <p:stCondLst>
-                                    <p:cond delay="0"/>
-                                  </p:stCondLst>
-                                  <p:childTnLst>
-                                    <p:set>
-                                      <p:cBhvr>
-                                        <p:cTn id="26" dur="1" fill="hold">
-                                          <p:stCondLst>
-                                            <p:cond delay="0"/>
-                                          </p:stCondLst>
-                                        </p:cTn>
-                                        <p:tgtEl>
-                                          <p:spTgt spid="3">
-                                            <p:txEl>
-                                              <p:pRg st="12" end="12"/>
-                                            </p:txEl>
-                                          </p:spTgt>
-                                        </p:tgtEl>
-                                        <p:attrNameLst>
-                                          <p:attrName>style.visibility</p:attrName>
-                                        </p:attrNameLst>
-                                      </p:cBhvr>
-                                      <p:to>
-                                        <p:strVal val="visible"/>
-                                      </p:to>
-                                    </p:set>
-                                  </p:childTnLst>
-                                </p:cTn>
-                              </p:par>
-                            </p:childTnLst>
-                          </p:cTn>
-                        </p:par>
-                      </p:childTnLst>
-                    </p:cTn>
-                  </p:par>
-                </p:childTnLst>
-              </p:cTn>
-              <p:prevCondLst>
-                <p:cond evt="onPrev" delay="0">
-                  <p:tgtEl>
-                    <p:sldTgt/>
-                  </p:tgtEl>
-                </p:cond>
-              </p:prevCondLst>
-              <p:nextCondLst>
-                <p:cond evt="onNext" delay="0">
-                  <p:tgtEl>
-                    <p:sldTgt/>
-                  </p:tgtEl>
-                </p:cond>
-              </p:nextCondLst>
-            </p:seq>
-          </p:childTnLst>
-        </p:cTn>
-      </p:par>
-    </p:tnLst>
-    <p:bldLst>
-      <p:bldP spid="3" grpId="0" build="p"/>
-    </p:bldLst>
-  </p:timing>
-</p:sld>
-</file>
-
 <file path=ppt/slides/slide5.xml><?xml version="1.0" encoding="utf-8"?>
 <p:sld xmlns:a="http://schemas.openxmlformats.org/drawingml/2006/main" xmlns:r="http://schemas.openxmlformats.org/officeDocument/2006/relationships" xmlns:p="http://schemas.openxmlformats.org/presentationml/2006/main">
   <p:cSld>
@@ -5588,7 +5666,9 @@
         </p:nvSpPr>
         <p:spPr/>
         <p:txBody>
-          <a:bodyPr/>
+          <a:bodyPr>
+            <a:normAutofit fontScale="92500" lnSpcReduction="10000"/>
+          </a:bodyPr>
           <a:lstStyle/>
           <a:p>
             <a:pPr marL="514350" indent="-514350">
@@ -5601,12 +5681,6 @@
             </a:r>
           </a:p>
           <a:p>
-            <a:pPr marL="0" indent="0">
-              <a:buNone/>
-            </a:pPr>
-            <a:endParaRPr lang="es-ES" dirty="0"/>
-          </a:p>
-          <a:p>
             <a:pPr lvl="1"/>
             <a:r>
               <a:rPr lang="es-EC" b="1" dirty="0"/>
@@ -5634,11 +5708,6 @@
               <a:rPr lang="es-ES" dirty="0"/>
               <a:t>.</a:t>
             </a:r>
-          </a:p>
-          <a:p>
-            <a:pPr marL="914400" lvl="2" indent="0">
-              <a:buNone/>
-            </a:pPr>
             <a:endParaRPr lang="es-EC" dirty="0"/>
           </a:p>
           <a:p>
@@ -5668,6 +5737,45 @@
               <a:rPr lang="es-EC" dirty="0"/>
               <a:t>Habilidades esenciales: comunicación, liderazgo, pensamiento crítico, etc.</a:t>
             </a:r>
+          </a:p>
+          <a:p>
+            <a:pPr lvl="1"/>
+            <a:r>
+              <a:rPr lang="es-EC" dirty="0"/>
+              <a:t>Modelo Educativo de la ESPOL</a:t>
+            </a:r>
+          </a:p>
+          <a:p>
+            <a:pPr lvl="2"/>
+            <a:r>
+              <a:rPr lang="es-ES" dirty="0"/>
+              <a:t>Participación en procesos de investigación</a:t>
+            </a:r>
+          </a:p>
+          <a:p>
+            <a:pPr lvl="2"/>
+            <a:r>
+              <a:rPr lang="es-ES" dirty="0"/>
+              <a:t>Involucramiento en proyectos que resuelven los problemas de la industria</a:t>
+            </a:r>
+          </a:p>
+          <a:p>
+            <a:pPr lvl="2"/>
+            <a:r>
+              <a:rPr lang="es-ES" dirty="0"/>
+              <a:t>Participación en equipos multidisciplinarios</a:t>
+            </a:r>
+          </a:p>
+          <a:p>
+            <a:pPr lvl="2"/>
+            <a:r>
+              <a:rPr lang="es-ES" dirty="0"/>
+              <a:t>En el contexto de litoral ecuatoriano</a:t>
+            </a:r>
+          </a:p>
+          <a:p>
+            <a:pPr lvl="1"/>
+            <a:endParaRPr lang="es-EC" dirty="0"/>
           </a:p>
           <a:p>
             <a:endParaRPr lang="es-EC" dirty="0"/>
@@ -5839,11 +5947,7 @@
             <a:pPr lvl="2"/>
             <a:r>
               <a:rPr lang="es-ES" dirty="0"/>
-              <a:t>Desarrollador de aplicaciones </a:t>
-            </a:r>
-            <a:r>
-              <a:rPr lang="es-ES" i="1" dirty="0"/>
-              <a:t>(procesamiento distribuido de grandes volúmenes de datos y la creación de modelos en la nube)</a:t>
+              <a:t>Desarrollador de aplicaciones basadas en datos y algoritmos inteligentes</a:t>
             </a:r>
             <a:endParaRPr lang="es-ES" dirty="0">
               <a:highlight>
@@ -6291,7 +6395,9 @@
         </p:nvSpPr>
         <p:spPr/>
         <p:txBody>
-          <a:bodyPr/>
+          <a:bodyPr>
+            <a:normAutofit lnSpcReduction="10000"/>
+          </a:bodyPr>
           <a:lstStyle/>
           <a:p>
             <a:pPr marL="514350" indent="-514350">
@@ -6354,14 +6460,26 @@
             </a:r>
             <a:r>
               <a:rPr lang="es-ES" dirty="0"/>
-              <a:t> significativo en la:</a:t>
+              <a:t> significativo:</a:t>
             </a:r>
           </a:p>
           <a:p>
             <a:pPr lvl="2"/>
             <a:r>
+              <a:rPr lang="es-ES" dirty="0"/>
+              <a:t>Del </a:t>
+            </a:r>
+            <a:r>
               <a:rPr lang="es-ES" b="1" dirty="0"/>
-              <a:t>Productividad </a:t>
+              <a:t>41,6% </a:t>
+            </a:r>
+            <a:r>
+              <a:rPr lang="es-ES" dirty="0"/>
+              <a:t>en la </a:t>
+            </a:r>
+            <a:r>
+              <a:rPr lang="es-ES" b="1" dirty="0"/>
+              <a:t>productividad </a:t>
             </a:r>
             <a:r>
               <a:rPr lang="es-ES" dirty="0"/>
@@ -6381,7 +6499,38 @@
             </a:r>
             <a:r>
               <a:rPr lang="es-EC" dirty="0"/>
-              <a:t> y </a:t>
+              <a:t> (</a:t>
+            </a:r>
+            <a:r>
+              <a:rPr lang="es-EC" dirty="0" err="1"/>
+              <a:t>Song</a:t>
+            </a:r>
+            <a:r>
+              <a:rPr lang="es-EC" dirty="0"/>
+              <a:t>, Agarwal y </a:t>
+            </a:r>
+            <a:r>
+              <a:rPr lang="es-EC" dirty="0" err="1"/>
+              <a:t>Wen</a:t>
+            </a:r>
+            <a:r>
+              <a:rPr lang="es-EC" dirty="0"/>
+              <a:t>., 2024).</a:t>
+            </a:r>
+          </a:p>
+          <a:p>
+            <a:pPr lvl="2"/>
+            <a:r>
+              <a:rPr lang="es-EC" dirty="0"/>
+              <a:t>Del </a:t>
+            </a:r>
+            <a:r>
+              <a:rPr lang="es-EC" b="1" dirty="0"/>
+              <a:t>10-20%</a:t>
+            </a:r>
+            <a:r>
+              <a:rPr lang="es-EC" dirty="0"/>
+              <a:t> para los </a:t>
             </a:r>
             <a:r>
               <a:rPr lang="es-EC" b="1" dirty="0"/>
@@ -6389,7 +6538,31 @@
             </a:r>
             <a:r>
               <a:rPr lang="es-EC" dirty="0"/>
-              <a:t> que usan modelos largos de lenguaje.</a:t>
+              <a:t> que usan modelos largos de lenguaje </a:t>
+            </a:r>
+            <a:r>
+              <a:rPr lang="es-ES" dirty="0"/>
+              <a:t>(</a:t>
+            </a:r>
+            <a:r>
+              <a:rPr lang="es-EC" dirty="0"/>
+              <a:t>Al-</a:t>
+            </a:r>
+            <a:r>
+              <a:rPr lang="es-EC" dirty="0" err="1"/>
+              <a:t>Raeei</a:t>
+            </a:r>
+            <a:r>
+              <a:rPr lang="es-EC" dirty="0"/>
+              <a:t>, 2025</a:t>
+            </a:r>
+            <a:r>
+              <a:rPr lang="es-ES" dirty="0"/>
+              <a:t>)</a:t>
+            </a:r>
+            <a:r>
+              <a:rPr lang="es-EC" dirty="0"/>
+              <a:t>.</a:t>
             </a:r>
           </a:p>
           <a:p>
@@ -6400,12 +6573,16 @@
             </a:r>
             <a:r>
               <a:rPr lang="es-ES" dirty="0"/>
-              <a:t>mediante la colaboración actores públicos y tecnológicos</a:t>
-            </a:r>
-            <a:endParaRPr lang="es-EC" dirty="0"/>
-          </a:p>
-          <a:p>
-            <a:pPr lvl="2"/>
+              <a:t>mediante la colaboración actores públicos y tecnológicos </a:t>
+            </a:r>
+            <a:r>
+              <a:rPr lang="es-ES" dirty="0" err="1"/>
+              <a:t>Korenik</a:t>
+            </a:r>
+            <a:r>
+              <a:rPr lang="es-ES" dirty="0"/>
+              <a:t> (2023). </a:t>
+            </a:r>
             <a:endParaRPr lang="es-EC" dirty="0"/>
           </a:p>
           <a:p>
@@ -6629,6 +6806,37 @@
                                           <p:spTgt spid="3">
                                             <p:txEl>
                                               <p:pRg st="6" end="6"/>
+                                            </p:txEl>
+                                          </p:spTgt>
+                                        </p:tgtEl>
+                                        <p:attrNameLst>
+                                          <p:attrName>style.visibility</p:attrName>
+                                        </p:attrNameLst>
+                                      </p:cBhvr>
+                                      <p:to>
+                                        <p:strVal val="visible"/>
+                                      </p:to>
+                                    </p:set>
+                                  </p:childTnLst>
+                                </p:cTn>
+                              </p:par>
+                              <p:par>
+                                <p:cTn id="19" presetID="1" presetClass="entr" presetSubtype="0" fill="hold" grpId="0" nodeType="withEffect">
+                                  <p:stCondLst>
+                                    <p:cond delay="0"/>
+                                  </p:stCondLst>
+                                  <p:childTnLst>
+                                    <p:set>
+                                      <p:cBhvr>
+                                        <p:cTn id="20" dur="1" fill="hold">
+                                          <p:stCondLst>
+                                            <p:cond delay="0"/>
+                                          </p:stCondLst>
+                                        </p:cTn>
+                                        <p:tgtEl>
+                                          <p:spTgt spid="3">
+                                            <p:txEl>
+                                              <p:pRg st="7" end="7"/>
                                             </p:txEl>
                                           </p:spTgt>
                                         </p:tgtEl>

--- a/03 Presentación - CDIA.pptx
+++ b/03 Presentación - CDIA.pptx
@@ -9,13 +9,15 @@
     <p:sldId id="257" r:id="rId3"/>
     <p:sldId id="262" r:id="rId4"/>
     <p:sldId id="258" r:id="rId5"/>
-    <p:sldId id="263" r:id="rId6"/>
-    <p:sldId id="259" r:id="rId7"/>
-    <p:sldId id="264" r:id="rId8"/>
-    <p:sldId id="261" r:id="rId9"/>
-    <p:sldId id="265" r:id="rId10"/>
-    <p:sldId id="266" r:id="rId11"/>
-    <p:sldId id="260" r:id="rId12"/>
+    <p:sldId id="268" r:id="rId6"/>
+    <p:sldId id="263" r:id="rId7"/>
+    <p:sldId id="269" r:id="rId8"/>
+    <p:sldId id="270" r:id="rId9"/>
+    <p:sldId id="264" r:id="rId10"/>
+    <p:sldId id="261" r:id="rId11"/>
+    <p:sldId id="271" r:id="rId12"/>
+    <p:sldId id="266" r:id="rId13"/>
+    <p:sldId id="260" r:id="rId14"/>
   </p:sldIdLst>
   <p:sldSz cx="12192000" cy="6858000"/>
   <p:notesSz cx="6858000" cy="9144000"/>
@@ -3456,7 +3458,7 @@
           <p:cNvPr id="2" name="Título 1">
             <a:extLst>
               <a:ext uri="{FF2B5EF4-FFF2-40B4-BE49-F238E27FC236}">
-                <a16:creationId xmlns:a16="http://schemas.microsoft.com/office/drawing/2014/main" id="{AF8D58D4-6591-8858-F0E8-CFDF162E092E}"/>
+                <a16:creationId xmlns:a16="http://schemas.microsoft.com/office/drawing/2014/main" id="{0C3FA965-AE29-DCF1-E968-B0985904DE2F}"/>
               </a:ext>
             </a:extLst>
           </p:cNvPr>
@@ -3474,17 +3476,17 @@
           <a:p>
             <a:r>
               <a:rPr lang="es-EC" dirty="0"/>
-              <a:t>Áreas de desempeño</a:t>
-            </a:r>
-          </a:p>
-        </p:txBody>
-      </p:sp>
-      <p:sp>
-        <p:nvSpPr>
-          <p:cNvPr id="3" name="Marcador de contenido 2">
-            <a:extLst>
-              <a:ext uri="{FF2B5EF4-FFF2-40B4-BE49-F238E27FC236}">
-                <a16:creationId xmlns:a16="http://schemas.microsoft.com/office/drawing/2014/main" id="{75A439FA-AAE3-B350-8C12-24737812CDA3}"/>
+              <a:t>Perfil de Egreso (Competencias)</a:t>
+            </a:r>
+          </a:p>
+        </p:txBody>
+      </p:sp>
+      <p:sp>
+        <p:nvSpPr>
+          <p:cNvPr id="4" name="Marcador de contenido 3">
+            <a:extLst>
+              <a:ext uri="{FF2B5EF4-FFF2-40B4-BE49-F238E27FC236}">
+                <a16:creationId xmlns:a16="http://schemas.microsoft.com/office/drawing/2014/main" id="{EAB80870-96C7-9B57-CC27-1AA8D795A78A}"/>
               </a:ext>
             </a:extLst>
           </p:cNvPr>
@@ -3497,67 +3499,56 @@
         </p:nvSpPr>
         <p:spPr/>
         <p:txBody>
-          <a:bodyPr/>
+          <a:bodyPr>
+            <a:normAutofit/>
+          </a:bodyPr>
           <a:lstStyle/>
           <a:p>
-            <a:r>
-              <a:rPr lang="es-EC" dirty="0"/>
-              <a:t>Ciencia de Datos</a:t>
-            </a:r>
-          </a:p>
-          <a:p>
-            <a:pPr lvl="1"/>
-            <a:r>
-              <a:rPr lang="es-EC" dirty="0"/>
-              <a:t>Análisis avanzado de grandes volúmenes de datos</a:t>
-            </a:r>
-          </a:p>
-          <a:p>
-            <a:r>
-              <a:rPr lang="es-EC" dirty="0"/>
-              <a:t>Ingeniería de Datos</a:t>
-            </a:r>
-          </a:p>
-          <a:p>
-            <a:pPr lvl="1"/>
+            <a:pPr marL="0" indent="0">
+              <a:buNone/>
+            </a:pPr>
+            <a:r>
+              <a:rPr lang="es-ES" b="1" dirty="0"/>
+              <a:t>Gestionar </a:t>
+            </a:r>
             <a:r>
               <a:rPr lang="es-ES" dirty="0"/>
-              <a:t>Infraestructura para la gestión de datos</a:t>
-            </a:r>
+              <a:t>hallazgos tecnológicos en los contextos de la analítica avanzada de datos y algoritmos inteligentes </a:t>
+            </a:r>
+            <a:r>
+              <a:rPr lang="es-ES" b="1" dirty="0"/>
+              <a:t>mediante</a:t>
+            </a:r>
+            <a:r>
+              <a:rPr lang="es-ES" dirty="0"/>
+              <a:t> la conexión entre los fundamentos teóricos, pensamiento crítico y la resolución práctica de problemas reales en un entorno científico </a:t>
+            </a:r>
+            <a:r>
+              <a:rPr lang="es-ES" b="1" dirty="0"/>
+              <a:t>para</a:t>
+            </a:r>
+            <a:r>
+              <a:rPr lang="es-ES" dirty="0"/>
+              <a:t> la generación de opiniones técnicas en la toma de decisiones en sectores estratégicos locales e internacionales </a:t>
+            </a:r>
+            <a:r>
+              <a:rPr lang="es-ES" b="1" dirty="0"/>
+              <a:t>asegurando</a:t>
+            </a:r>
+            <a:r>
+              <a:rPr lang="es-ES" dirty="0"/>
+              <a:t> la integridad, trazabilidad y relevancia de la información adaptada al público objetivo. </a:t>
+            </a:r>
+          </a:p>
+          <a:p>
             <a:endParaRPr lang="es-EC" dirty="0"/>
-          </a:p>
-          <a:p>
-            <a:r>
-              <a:rPr lang="es-EC" dirty="0"/>
-              <a:t>Ingeniería en Machine Learning</a:t>
-            </a:r>
-          </a:p>
-          <a:p>
-            <a:pPr lvl="1"/>
-            <a:r>
-              <a:rPr lang="es-EC" dirty="0"/>
-              <a:t>Modelos de aprendizaje automático </a:t>
-            </a:r>
-          </a:p>
-          <a:p>
-            <a:r>
-              <a:rPr lang="es-ES" dirty="0"/>
-              <a:t>Desarrollo de aplicaciones basadas en datos y algoritmos inteligentes</a:t>
-            </a:r>
-          </a:p>
-          <a:p>
-            <a:pPr lvl="1"/>
-            <a:r>
-              <a:rPr lang="es-EC" dirty="0"/>
-              <a:t>Soluciones tecnológicas para CD e IA</a:t>
-            </a:r>
           </a:p>
         </p:txBody>
       </p:sp>
     </p:spTree>
     <p:extLst>
       <p:ext uri="{BB962C8B-B14F-4D97-AF65-F5344CB8AC3E}">
-        <p14:creationId xmlns:p14="http://schemas.microsoft.com/office/powerpoint/2010/main" val="758750764"/>
+        <p14:creationId xmlns:p14="http://schemas.microsoft.com/office/powerpoint/2010/main" val="4032803547"/>
       </p:ext>
     </p:extLst>
   </p:cSld>
@@ -3568,6 +3559,134 @@
 </file>
 
 <file path=ppt/slides/slide11.xml><?xml version="1.0" encoding="utf-8"?>
+<p:sld xmlns:a="http://schemas.openxmlformats.org/drawingml/2006/main" xmlns:r="http://schemas.openxmlformats.org/officeDocument/2006/relationships" xmlns:p="http://schemas.openxmlformats.org/presentationml/2006/main">
+  <p:cSld>
+    <p:spTree>
+      <p:nvGrpSpPr>
+        <p:cNvPr id="1" name="">
+          <a:extLst>
+            <a:ext uri="{FF2B5EF4-FFF2-40B4-BE49-F238E27FC236}">
+              <a16:creationId xmlns:a16="http://schemas.microsoft.com/office/drawing/2014/main" id="{5E68ED23-A4EA-4CB1-3E25-8FAC6FA080AB}"/>
+            </a:ext>
+          </a:extLst>
+        </p:cNvPr>
+        <p:cNvGrpSpPr/>
+        <p:nvPr/>
+      </p:nvGrpSpPr>
+      <p:grpSpPr>
+        <a:xfrm>
+          <a:off x="0" y="0"/>
+          <a:ext cx="0" cy="0"/>
+          <a:chOff x="0" y="0"/>
+          <a:chExt cx="0" cy="0"/>
+        </a:xfrm>
+      </p:grpSpPr>
+      <p:sp>
+        <p:nvSpPr>
+          <p:cNvPr id="2" name="Título 1">
+            <a:extLst>
+              <a:ext uri="{FF2B5EF4-FFF2-40B4-BE49-F238E27FC236}">
+                <a16:creationId xmlns:a16="http://schemas.microsoft.com/office/drawing/2014/main" id="{4D79AA12-AE3C-C534-6B36-609D6DE9ACBB}"/>
+              </a:ext>
+            </a:extLst>
+          </p:cNvPr>
+          <p:cNvSpPr>
+            <a:spLocks noGrp="1"/>
+          </p:cNvSpPr>
+          <p:nvPr>
+            <p:ph type="title"/>
+          </p:nvPr>
+        </p:nvSpPr>
+        <p:spPr/>
+        <p:txBody>
+          <a:bodyPr/>
+          <a:lstStyle/>
+          <a:p>
+            <a:r>
+              <a:rPr lang="es-EC" dirty="0"/>
+              <a:t>Perfil de Egreso (Competencias)</a:t>
+            </a:r>
+          </a:p>
+        </p:txBody>
+      </p:sp>
+      <p:sp>
+        <p:nvSpPr>
+          <p:cNvPr id="4" name="Marcador de contenido 3">
+            <a:extLst>
+              <a:ext uri="{FF2B5EF4-FFF2-40B4-BE49-F238E27FC236}">
+                <a16:creationId xmlns:a16="http://schemas.microsoft.com/office/drawing/2014/main" id="{6B0E2F3F-7278-1B62-B041-F05500275082}"/>
+              </a:ext>
+            </a:extLst>
+          </p:cNvPr>
+          <p:cNvSpPr>
+            <a:spLocks noGrp="1"/>
+          </p:cNvSpPr>
+          <p:nvPr>
+            <p:ph idx="1"/>
+          </p:nvPr>
+        </p:nvSpPr>
+        <p:spPr/>
+        <p:txBody>
+          <a:bodyPr>
+            <a:normAutofit/>
+          </a:bodyPr>
+          <a:lstStyle/>
+          <a:p>
+            <a:pPr marL="0" indent="0">
+              <a:buNone/>
+            </a:pPr>
+            <a:r>
+              <a:rPr lang="es-ES" b="1" dirty="0"/>
+              <a:t>Implementar</a:t>
+            </a:r>
+            <a:r>
+              <a:rPr lang="es-ES" dirty="0"/>
+              <a:t> soluciones tecnológicas basadas analítica avanzada de datos y algoritmos inteligentes </a:t>
+            </a:r>
+            <a:r>
+              <a:rPr lang="es-ES" b="1" dirty="0"/>
+              <a:t>mediante</a:t>
+            </a:r>
+            <a:r>
+              <a:rPr lang="es-ES" dirty="0"/>
+              <a:t> la aplicación de los fundamentos de las ciencias de la computación, la estadística inferencial, la matemática aplicada, la ingeniería de software y el ciclo de vida de los datos </a:t>
+            </a:r>
+            <a:r>
+              <a:rPr lang="es-ES" b="1" dirty="0"/>
+              <a:t>para</a:t>
+            </a:r>
+            <a:r>
+              <a:rPr lang="es-ES" dirty="0"/>
+              <a:t> la resolución de problemas específicos relacionados con la eficiencia en la productividad en entornos colaborativos, multidisciplinarios y emergentes </a:t>
+            </a:r>
+            <a:r>
+              <a:rPr lang="es-ES" b="1" dirty="0"/>
+              <a:t>considerando</a:t>
+            </a:r>
+            <a:r>
+              <a:rPr lang="es-ES" dirty="0"/>
+              <a:t> el impacto de los aspectos éticos, sociales y económicos de los involucrados.</a:t>
+            </a:r>
+          </a:p>
+          <a:p>
+            <a:endParaRPr lang="es-EC" dirty="0"/>
+          </a:p>
+        </p:txBody>
+      </p:sp>
+    </p:spTree>
+    <p:extLst>
+      <p:ext uri="{BB962C8B-B14F-4D97-AF65-F5344CB8AC3E}">
+        <p14:creationId xmlns:p14="http://schemas.microsoft.com/office/powerpoint/2010/main" val="2971138158"/>
+      </p:ext>
+    </p:extLst>
+  </p:cSld>
+  <p:clrMapOvr>
+    <a:masterClrMapping/>
+  </p:clrMapOvr>
+</p:sld>
+</file>
+
+<file path=ppt/slides/slide12.xml><?xml version="1.0" encoding="utf-8"?>
 <p:sld xmlns:a="http://schemas.openxmlformats.org/drawingml/2006/main" xmlns:r="http://schemas.openxmlformats.org/officeDocument/2006/relationships" xmlns:p="http://schemas.openxmlformats.org/presentationml/2006/main">
   <p:cSld>
     <p:spTree>
@@ -3589,6 +3708,141 @@
           <p:cNvPr id="2" name="Título 1">
             <a:extLst>
               <a:ext uri="{FF2B5EF4-FFF2-40B4-BE49-F238E27FC236}">
+                <a16:creationId xmlns:a16="http://schemas.microsoft.com/office/drawing/2014/main" id="{AF8D58D4-6591-8858-F0E8-CFDF162E092E}"/>
+              </a:ext>
+            </a:extLst>
+          </p:cNvPr>
+          <p:cNvSpPr>
+            <a:spLocks noGrp="1"/>
+          </p:cNvSpPr>
+          <p:nvPr>
+            <p:ph type="title"/>
+          </p:nvPr>
+        </p:nvSpPr>
+        <p:spPr/>
+        <p:txBody>
+          <a:bodyPr/>
+          <a:lstStyle/>
+          <a:p>
+            <a:r>
+              <a:rPr lang="es-EC" dirty="0"/>
+              <a:t>Áreas de desempeño</a:t>
+            </a:r>
+          </a:p>
+        </p:txBody>
+      </p:sp>
+      <p:sp>
+        <p:nvSpPr>
+          <p:cNvPr id="3" name="Marcador de contenido 2">
+            <a:extLst>
+              <a:ext uri="{FF2B5EF4-FFF2-40B4-BE49-F238E27FC236}">
+                <a16:creationId xmlns:a16="http://schemas.microsoft.com/office/drawing/2014/main" id="{75A439FA-AAE3-B350-8C12-24737812CDA3}"/>
+              </a:ext>
+            </a:extLst>
+          </p:cNvPr>
+          <p:cNvSpPr>
+            <a:spLocks noGrp="1"/>
+          </p:cNvSpPr>
+          <p:nvPr>
+            <p:ph idx="1"/>
+          </p:nvPr>
+        </p:nvSpPr>
+        <p:spPr/>
+        <p:txBody>
+          <a:bodyPr>
+            <a:normAutofit/>
+          </a:bodyPr>
+          <a:lstStyle/>
+          <a:p>
+            <a:r>
+              <a:rPr lang="es-EC" dirty="0"/>
+              <a:t>Ciencia de Datos</a:t>
+            </a:r>
+          </a:p>
+          <a:p>
+            <a:pPr lvl="1"/>
+            <a:r>
+              <a:rPr lang="es-EC" dirty="0"/>
+              <a:t>Análisis avanzado de grandes volúmenes de datos en la nube</a:t>
+            </a:r>
+          </a:p>
+          <a:p>
+            <a:r>
+              <a:rPr lang="es-EC" dirty="0"/>
+              <a:t>Ingeniería de Datos</a:t>
+            </a:r>
+          </a:p>
+          <a:p>
+            <a:pPr lvl="1"/>
+            <a:r>
+              <a:rPr lang="es-ES" dirty="0"/>
+              <a:t>Infraestructura para la gestión de datos en la nube</a:t>
+            </a:r>
+            <a:endParaRPr lang="es-EC" dirty="0"/>
+          </a:p>
+          <a:p>
+            <a:r>
+              <a:rPr lang="es-EC" dirty="0"/>
+              <a:t>Ingeniería en Machine Learning</a:t>
+            </a:r>
+          </a:p>
+          <a:p>
+            <a:pPr lvl="1"/>
+            <a:r>
+              <a:rPr lang="es-EC" dirty="0"/>
+              <a:t>Modelos de aprendizaje automático  </a:t>
+            </a:r>
+          </a:p>
+          <a:p>
+            <a:r>
+              <a:rPr lang="es-ES" dirty="0"/>
+              <a:t>Desarrollo de aplicaciones basadas en datos y algoritmos inteligentes</a:t>
+            </a:r>
+          </a:p>
+          <a:p>
+            <a:pPr lvl="1"/>
+            <a:r>
+              <a:rPr lang="es-EC" dirty="0"/>
+              <a:t>Soluciones tecnológicas para CD e IA</a:t>
+            </a:r>
+          </a:p>
+        </p:txBody>
+      </p:sp>
+    </p:spTree>
+    <p:extLst>
+      <p:ext uri="{BB962C8B-B14F-4D97-AF65-F5344CB8AC3E}">
+        <p14:creationId xmlns:p14="http://schemas.microsoft.com/office/powerpoint/2010/main" val="758750764"/>
+      </p:ext>
+    </p:extLst>
+  </p:cSld>
+  <p:clrMapOvr>
+    <a:masterClrMapping/>
+  </p:clrMapOvr>
+</p:sld>
+</file>
+
+<file path=ppt/slides/slide13.xml><?xml version="1.0" encoding="utf-8"?>
+<p:sld xmlns:a="http://schemas.openxmlformats.org/drawingml/2006/main" xmlns:r="http://schemas.openxmlformats.org/officeDocument/2006/relationships" xmlns:p="http://schemas.openxmlformats.org/presentationml/2006/main">
+  <p:cSld>
+    <p:spTree>
+      <p:nvGrpSpPr>
+        <p:cNvPr id="1" name=""/>
+        <p:cNvGrpSpPr/>
+        <p:nvPr/>
+      </p:nvGrpSpPr>
+      <p:grpSpPr>
+        <a:xfrm>
+          <a:off x="0" y="0"/>
+          <a:ext cx="0" cy="0"/>
+          <a:chOff x="0" y="0"/>
+          <a:chExt cx="0" cy="0"/>
+        </a:xfrm>
+      </p:grpSpPr>
+      <p:sp>
+        <p:nvSpPr>
+          <p:cNvPr id="2" name="Título 1">
+            <a:extLst>
+              <a:ext uri="{FF2B5EF4-FFF2-40B4-BE49-F238E27FC236}">
                 <a16:creationId xmlns:a16="http://schemas.microsoft.com/office/drawing/2014/main" id="{6A6926A6-8B66-05B3-E08C-FB011589E149}"/>
               </a:ext>
             </a:extLst>
@@ -3828,6 +4082,12 @@
               <a:t>https://reports.weforum.org/docs/WEF_Future_of_Jobs_Report_2025.pdf</a:t>
             </a:r>
             <a:endParaRPr lang="en-US" dirty="0"/>
+          </a:p>
+          <a:p>
+            <a:r>
+              <a:rPr lang="en-US" dirty="0"/>
+              <a:t>AI Index, S. C. (2025). The AI Index 2025, Institute for Human-Centered AI. Stanford CA: Stanford University.</a:t>
+            </a:r>
           </a:p>
           <a:p>
             <a:r>
@@ -3943,7 +4203,7 @@
         <p:spPr/>
         <p:txBody>
           <a:bodyPr>
-            <a:normAutofit fontScale="92500" lnSpcReduction="20000"/>
+            <a:normAutofit fontScale="85000" lnSpcReduction="20000"/>
           </a:bodyPr>
           <a:lstStyle/>
           <a:p>
@@ -4007,9 +4267,10 @@
               <a:t> </a:t>
             </a:r>
             <a:r>
-              <a:rPr lang="es-EC" i="1" dirty="0"/>
-              <a:t>recolección, almacenamiento, análisis y destrucción</a:t>
-            </a:r>
+              <a:rPr lang="es-EC" dirty="0"/>
+              <a:t>adquisición, manejo, preparación, análisis, modelamiento y visualización de datos</a:t>
+            </a:r>
+            <a:endParaRPr lang="es-EC" i="1" dirty="0"/>
           </a:p>
           <a:p>
             <a:pPr marL="914400" lvl="2" indent="0">
@@ -4041,28 +4302,56 @@
             <a:pPr lvl="1"/>
             <a:r>
               <a:rPr lang="es-EC" dirty="0"/>
-              <a:t>Aprendizaje Basado en Proyectos: DAWM </a:t>
+              <a:t>Aprendizaje Basado en Proyectos: </a:t>
+            </a:r>
+            <a:r>
+              <a:rPr lang="es-EC" i="1" dirty="0"/>
+              <a:t>DAWM</a:t>
+            </a:r>
+            <a:r>
+              <a:rPr lang="es-EC" dirty="0"/>
+              <a:t> </a:t>
             </a:r>
           </a:p>
           <a:p>
             <a:pPr lvl="1"/>
             <a:r>
               <a:rPr lang="es-EC" dirty="0"/>
-              <a:t>Aprendizaje Basado en Problemas: ICDIA</a:t>
+              <a:t>Aprendizaje Basado en Problemas: </a:t>
+            </a:r>
+            <a:r>
+              <a:rPr lang="es-EC" i="1" dirty="0"/>
+              <a:t>ICDIA</a:t>
             </a:r>
           </a:p>
           <a:p>
             <a:pPr lvl="1"/>
             <a:r>
               <a:rPr lang="es-EC" dirty="0"/>
-              <a:t>Aprendizaje Cooperativo: FIA</a:t>
+              <a:t>Aprendizaje Cooperativo: </a:t>
+            </a:r>
+            <a:r>
+              <a:rPr lang="es-EC" i="1" dirty="0"/>
+              <a:t>FP</a:t>
+            </a:r>
+            <a:r>
+              <a:rPr lang="es-EC" dirty="0"/>
+              <a:t> y </a:t>
+            </a:r>
+            <a:r>
+              <a:rPr lang="es-EC" i="1" dirty="0"/>
+              <a:t>FIA</a:t>
             </a:r>
           </a:p>
           <a:p>
             <a:pPr lvl="1"/>
             <a:r>
               <a:rPr lang="es-EC" dirty="0"/>
-              <a:t>Aula Invertida: clases en línea</a:t>
+              <a:t>Aula Invertida: </a:t>
+            </a:r>
+            <a:r>
+              <a:rPr lang="es-EC" i="1" dirty="0"/>
+              <a:t>clases en línea</a:t>
             </a:r>
           </a:p>
         </p:txBody>
@@ -4516,7 +4805,7 @@
               <a:t>Bases </a:t>
             </a:r>
             <a:r>
-              <a:rPr lang="en-US" dirty="0" err="1"/>
+              <a:rPr lang="es-ES" dirty="0"/>
               <a:t>interdisciplinarias</a:t>
             </a:r>
             <a:endParaRPr lang="en-US" dirty="0"/>
@@ -4604,7 +4893,7 @@
             <a:pPr lvl="1"/>
             <a:r>
               <a:rPr lang="es-EC" dirty="0"/>
-              <a:t>Enfoque multidimensional: ética, crítica y socialmente consciente</a:t>
+              <a:t>Enfoque multidimensional: gobernanza, impacto social, ética y sostenibilidad</a:t>
             </a:r>
           </a:p>
           <a:p>
@@ -5011,7 +5300,7 @@
         <p:spPr/>
         <p:txBody>
           <a:bodyPr>
-            <a:normAutofit fontScale="70000" lnSpcReduction="20000"/>
+            <a:normAutofit lnSpcReduction="10000"/>
           </a:bodyPr>
           <a:lstStyle/>
           <a:p>
@@ -5021,7 +5310,7 @@
             </a:pPr>
             <a:r>
               <a:rPr lang="es-ES" dirty="0"/>
-              <a:t>Respuesta a las Necesidades Nacionales (Planificación , 2024)</a:t>
+              <a:t>Respuesta a las Necesidades Nacionales</a:t>
             </a:r>
           </a:p>
           <a:p>
@@ -5033,8 +5322,19 @@
           <a:p>
             <a:pPr lvl="1"/>
             <a:r>
+              <a:rPr lang="es-ES" dirty="0"/>
+              <a:t>Plan de Desarrollo para el Nuevo Ecuador 2024 – 2025 (Planificación , 2024)</a:t>
+            </a:r>
+            <a:r>
               <a:rPr lang="es-ES" b="1" dirty="0"/>
-              <a:t>Política 2.4: </a:t>
+              <a:t>: </a:t>
+            </a:r>
+          </a:p>
+          <a:p>
+            <a:pPr lvl="2"/>
+            <a:r>
+              <a:rPr lang="es-ES" b="1" dirty="0"/>
+              <a:t>Política 2.4 </a:t>
             </a:r>
             <a:r>
               <a:rPr lang="es-ES" dirty="0"/>
@@ -5055,36 +5355,6 @@
             <a:r>
               <a:rPr lang="es-ES" dirty="0"/>
               <a:t> como mecanismo para la profesionalización de la población.</a:t>
-            </a:r>
-          </a:p>
-          <a:p>
-            <a:pPr lvl="1"/>
-            <a:r>
-              <a:rPr lang="es-EC" i="1" dirty="0"/>
-              <a:t>La Agenda Digital 2025 (</a:t>
-            </a:r>
-            <a:r>
-              <a:rPr lang="es-EC" i="1" dirty="0" err="1"/>
-              <a:t>MinEdu</a:t>
-            </a:r>
-            <a:r>
-              <a:rPr lang="es-EC" i="1" dirty="0"/>
-              <a:t>): </a:t>
-            </a:r>
-          </a:p>
-          <a:p>
-            <a:pPr lvl="1"/>
-            <a:r>
-              <a:rPr lang="es-EC" i="1" dirty="0"/>
-              <a:t>El Plan Nacional de Innovación Educativa y Transformación Digital (</a:t>
-            </a:r>
-            <a:r>
-              <a:rPr lang="es-EC" i="1" dirty="0" err="1"/>
-              <a:t>MinTel</a:t>
-            </a:r>
-            <a:r>
-              <a:rPr lang="es-EC" i="1" dirty="0"/>
-              <a:t>):</a:t>
             </a:r>
           </a:p>
           <a:p>
@@ -5094,86 +5364,54 @@
             <a:endParaRPr lang="es-ES" dirty="0"/>
           </a:p>
           <a:p>
-            <a:pPr marL="514350" indent="-514350">
-              <a:buFont typeface="+mj-lt"/>
-              <a:buAutoNum type="arabicPeriod" startAt="2"/>
-            </a:pPr>
-            <a:r>
-              <a:rPr lang="es-ES" dirty="0"/>
-              <a:t>Respuesta a Necesidades Globales (ONU, 2024)</a:t>
-            </a:r>
-          </a:p>
-          <a:p>
-            <a:pPr marL="0" indent="0">
+            <a:pPr lvl="1"/>
+            <a:r>
+              <a:rPr lang="es-EC" i="1" dirty="0"/>
+              <a:t>Agenda de Transformación Digital 2022 – 2025 (</a:t>
+            </a:r>
+            <a:r>
+              <a:rPr lang="es-EC" i="1" dirty="0" err="1"/>
+              <a:t>MinTel</a:t>
+            </a:r>
+            <a:r>
+              <a:rPr lang="es-EC" i="1" dirty="0"/>
+              <a:t>, 2022): </a:t>
+            </a:r>
+          </a:p>
+          <a:p>
+            <a:pPr lvl="2"/>
+            <a:r>
+              <a:rPr lang="es-EC" i="1" dirty="0"/>
+              <a:t>Eje 4 Pilar 10: Ciudades Inteligentes y Sostenibles</a:t>
+            </a:r>
+          </a:p>
+          <a:p>
+            <a:pPr lvl="2"/>
+            <a:r>
+              <a:rPr lang="es-EC" i="1" dirty="0"/>
+              <a:t>Eje 3 Pilar 6: </a:t>
+            </a:r>
+            <a:r>
+              <a:rPr lang="es-ES" i="1" dirty="0"/>
+              <a:t>Transformación Digital de estructura productiva</a:t>
+            </a:r>
+          </a:p>
+          <a:p>
+            <a:pPr lvl="2"/>
+            <a:r>
+              <a:rPr lang="es-ES" i="1" dirty="0"/>
+              <a:t>Eje 6: Interoperabilidad y tratamiento de datos</a:t>
+            </a:r>
+          </a:p>
+          <a:p>
+            <a:pPr marL="914400" lvl="2" indent="0">
               <a:buNone/>
             </a:pPr>
-            <a:endParaRPr lang="es-ES" dirty="0"/>
-          </a:p>
-          <a:p>
-            <a:pPr lvl="1"/>
-            <a:r>
-              <a:rPr lang="es-ES" b="1" dirty="0"/>
-              <a:t>ODS 4 (Educación de Calidad)</a:t>
-            </a:r>
-            <a:r>
-              <a:rPr lang="es-ES" dirty="0"/>
-              <a:t>: </a:t>
-            </a:r>
-            <a:r>
-              <a:rPr lang="es-ES" i="1" dirty="0"/>
-              <a:t>modalidades de aprendizaje</a:t>
-            </a:r>
-          </a:p>
-          <a:p>
-            <a:pPr lvl="1"/>
-            <a:r>
-              <a:rPr lang="es-ES" b="1" dirty="0"/>
-              <a:t>ODS 9 (Industria, Innovación e Infraestructura): </a:t>
-            </a:r>
-            <a:r>
-              <a:rPr lang="es-ES" i="1" dirty="0"/>
-              <a:t>automatización de procesos industriales</a:t>
-            </a:r>
+            <a:endParaRPr lang="es-EC" i="1" dirty="0"/>
           </a:p>
           <a:p>
             <a:pPr marL="457200" lvl="1" indent="0">
               <a:buNone/>
-            </a:pPr>
-            <a:r>
-              <a:rPr lang="es-ES" dirty="0"/>
-              <a:t> </a:t>
-            </a:r>
-          </a:p>
-          <a:p>
-            <a:pPr lvl="1"/>
-            <a:r>
-              <a:rPr lang="es-EC" i="1" dirty="0"/>
-              <a:t>ODS 11 (Ciudades y Comunidades Sostenibles): planificación urbana inteligente</a:t>
-            </a:r>
-          </a:p>
-          <a:p>
-            <a:pPr lvl="1"/>
-            <a:r>
-              <a:rPr lang="es-EC" i="1" dirty="0"/>
-              <a:t>ODS 3 (Salud y Bienestar): modelos predictivos para diagnóstico temprano de enfermedades</a:t>
-            </a:r>
-          </a:p>
-          <a:p>
-            <a:pPr lvl="1"/>
-            <a:r>
-              <a:rPr lang="es-EC" i="1" dirty="0"/>
-              <a:t>ODS 13 (Acción por el Clima): </a:t>
-            </a:r>
-            <a:r>
-              <a:rPr lang="es-ES" i="1" dirty="0"/>
-              <a:t>simulaciones en la evaluación de riesgos climáticos </a:t>
-            </a:r>
-            <a:endParaRPr lang="es-ES" dirty="0"/>
-          </a:p>
-          <a:p>
-            <a:pPr marL="971550" lvl="1" indent="-514350">
-              <a:buFont typeface="+mj-lt"/>
-              <a:buAutoNum type="arabicPeriod"/>
             </a:pPr>
             <a:endParaRPr lang="es-ES" dirty="0"/>
           </a:p>
@@ -5318,7 +5556,7 @@
                                         <p:tgtEl>
                                           <p:spTgt spid="3">
                                             <p:txEl>
-                                              <p:pRg st="4" end="4"/>
+                                              <p:pRg st="5" end="5"/>
                                             </p:txEl>
                                           </p:spTgt>
                                         </p:tgtEl>
@@ -5333,26 +5571,39 @@
                                   </p:childTnLst>
                                 </p:cTn>
                               </p:par>
-                            </p:childTnLst>
-                          </p:cTn>
-                        </p:par>
-                      </p:childTnLst>
-                    </p:cTn>
-                  </p:par>
-                  <p:par>
-                    <p:cTn id="13" fill="hold">
-                      <p:stCondLst>
-                        <p:cond delay="indefinite"/>
-                      </p:stCondLst>
-                      <p:childTnLst>
-                        <p:par>
-                          <p:cTn id="14" fill="hold">
-                            <p:stCondLst>
-                              <p:cond delay="0"/>
-                            </p:stCondLst>
-                            <p:childTnLst>
                               <p:par>
-                                <p:cTn id="15" presetID="1" presetClass="entr" presetSubtype="0" fill="hold" grpId="0" nodeType="clickEffect">
+                                <p:cTn id="13" presetID="1" presetClass="entr" presetSubtype="0" fill="hold" grpId="0" nodeType="withEffect">
+                                  <p:stCondLst>
+                                    <p:cond delay="0"/>
+                                  </p:stCondLst>
+                                  <p:childTnLst>
+                                    <p:set>
+                                      <p:cBhvr>
+                                        <p:cTn id="14" dur="1" fill="hold">
+                                          <p:stCondLst>
+                                            <p:cond delay="0"/>
+                                          </p:stCondLst>
+                                        </p:cTn>
+                                        <p:tgtEl>
+                                          <p:spTgt spid="3">
+                                            <p:txEl>
+                                              <p:pRg st="6" end="6"/>
+                                            </p:txEl>
+                                          </p:spTgt>
+                                        </p:tgtEl>
+                                        <p:attrNameLst>
+                                          <p:attrName>style.visibility</p:attrName>
+                                        </p:attrNameLst>
+                                      </p:cBhvr>
+                                      <p:to>
+                                        <p:strVal val="visible"/>
+                                      </p:to>
+                                    </p:set>
+                                  </p:childTnLst>
+                                </p:cTn>
+                              </p:par>
+                              <p:par>
+                                <p:cTn id="15" presetID="1" presetClass="entr" presetSubtype="0" fill="hold" grpId="0" nodeType="withEffect">
                                   <p:stCondLst>
                                     <p:cond delay="0"/>
                                   </p:stCondLst>
@@ -5367,7 +5618,7 @@
                                         <p:tgtEl>
                                           <p:spTgt spid="3">
                                             <p:txEl>
-                                              <p:pRg st="6" end="6"/>
+                                              <p:pRg st="7" end="7"/>
                                             </p:txEl>
                                           </p:spTgt>
                                         </p:tgtEl>
@@ -5399,161 +5650,6 @@
                                           <p:spTgt spid="3">
                                             <p:txEl>
                                               <p:pRg st="8" end="8"/>
-                                            </p:txEl>
-                                          </p:spTgt>
-                                        </p:tgtEl>
-                                        <p:attrNameLst>
-                                          <p:attrName>style.visibility</p:attrName>
-                                        </p:attrNameLst>
-                                      </p:cBhvr>
-                                      <p:to>
-                                        <p:strVal val="visible"/>
-                                      </p:to>
-                                    </p:set>
-                                  </p:childTnLst>
-                                </p:cTn>
-                              </p:par>
-                              <p:par>
-                                <p:cTn id="19" presetID="1" presetClass="entr" presetSubtype="0" fill="hold" grpId="0" nodeType="withEffect">
-                                  <p:stCondLst>
-                                    <p:cond delay="0"/>
-                                  </p:stCondLst>
-                                  <p:childTnLst>
-                                    <p:set>
-                                      <p:cBhvr>
-                                        <p:cTn id="20" dur="1" fill="hold">
-                                          <p:stCondLst>
-                                            <p:cond delay="0"/>
-                                          </p:stCondLst>
-                                        </p:cTn>
-                                        <p:tgtEl>
-                                          <p:spTgt spid="3">
-                                            <p:txEl>
-                                              <p:pRg st="9" end="9"/>
-                                            </p:txEl>
-                                          </p:spTgt>
-                                        </p:tgtEl>
-                                        <p:attrNameLst>
-                                          <p:attrName>style.visibility</p:attrName>
-                                        </p:attrNameLst>
-                                      </p:cBhvr>
-                                      <p:to>
-                                        <p:strVal val="visible"/>
-                                      </p:to>
-                                    </p:set>
-                                  </p:childTnLst>
-                                </p:cTn>
-                              </p:par>
-                              <p:par>
-                                <p:cTn id="21" presetID="1" presetClass="entr" presetSubtype="0" fill="hold" grpId="0" nodeType="withEffect">
-                                  <p:stCondLst>
-                                    <p:cond delay="0"/>
-                                  </p:stCondLst>
-                                  <p:childTnLst>
-                                    <p:set>
-                                      <p:cBhvr>
-                                        <p:cTn id="22" dur="1" fill="hold">
-                                          <p:stCondLst>
-                                            <p:cond delay="0"/>
-                                          </p:stCondLst>
-                                        </p:cTn>
-                                        <p:tgtEl>
-                                          <p:spTgt spid="3">
-                                            <p:txEl>
-                                              <p:pRg st="10" end="10"/>
-                                            </p:txEl>
-                                          </p:spTgt>
-                                        </p:tgtEl>
-                                        <p:attrNameLst>
-                                          <p:attrName>style.visibility</p:attrName>
-                                        </p:attrNameLst>
-                                      </p:cBhvr>
-                                      <p:to>
-                                        <p:strVal val="visible"/>
-                                      </p:to>
-                                    </p:set>
-                                  </p:childTnLst>
-                                </p:cTn>
-                              </p:par>
-                              <p:par>
-                                <p:cTn id="23" presetID="1" presetClass="entr" presetSubtype="0" fill="hold" grpId="0" nodeType="withEffect">
-                                  <p:stCondLst>
-                                    <p:cond delay="0"/>
-                                  </p:stCondLst>
-                                  <p:childTnLst>
-                                    <p:set>
-                                      <p:cBhvr>
-                                        <p:cTn id="24" dur="1" fill="hold">
-                                          <p:stCondLst>
-                                            <p:cond delay="0"/>
-                                          </p:stCondLst>
-                                        </p:cTn>
-                                        <p:tgtEl>
-                                          <p:spTgt spid="3">
-                                            <p:txEl>
-                                              <p:pRg st="11" end="11"/>
-                                            </p:txEl>
-                                          </p:spTgt>
-                                        </p:tgtEl>
-                                        <p:attrNameLst>
-                                          <p:attrName>style.visibility</p:attrName>
-                                        </p:attrNameLst>
-                                      </p:cBhvr>
-                                      <p:to>
-                                        <p:strVal val="visible"/>
-                                      </p:to>
-                                    </p:set>
-                                  </p:childTnLst>
-                                </p:cTn>
-                              </p:par>
-                              <p:par>
-                                <p:cTn id="25" presetID="1" presetClass="entr" presetSubtype="0" fill="hold" grpId="0" nodeType="withEffect">
-                                  <p:stCondLst>
-                                    <p:cond delay="0"/>
-                                  </p:stCondLst>
-                                  <p:childTnLst>
-                                    <p:set>
-                                      <p:cBhvr>
-                                        <p:cTn id="26" dur="1" fill="hold">
-                                          <p:stCondLst>
-                                            <p:cond delay="0"/>
-                                          </p:stCondLst>
-                                        </p:cTn>
-                                        <p:tgtEl>
-                                          <p:spTgt spid="3">
-                                            <p:txEl>
-                                              <p:pRg st="12" end="12"/>
-                                            </p:txEl>
-                                          </p:spTgt>
-                                        </p:tgtEl>
-                                        <p:attrNameLst>
-                                          <p:attrName>style.visibility</p:attrName>
-                                        </p:attrNameLst>
-                                      </p:cBhvr>
-                                      <p:to>
-                                        <p:strVal val="visible"/>
-                                      </p:to>
-                                    </p:set>
-                                  </p:childTnLst>
-                                </p:cTn>
-                              </p:par>
-                              <p:par>
-                                <p:cTn id="27" presetID="1" presetClass="entr" presetSubtype="0" fill="hold" grpId="0" nodeType="withEffect">
-                                  <p:stCondLst>
-                                    <p:cond delay="0"/>
-                                  </p:stCondLst>
-                                  <p:childTnLst>
-                                    <p:set>
-                                      <p:cBhvr>
-                                        <p:cTn id="28" dur="1" fill="hold">
-                                          <p:stCondLst>
-                                            <p:cond delay="0"/>
-                                          </p:stCondLst>
-                                        </p:cTn>
-                                        <p:tgtEl>
-                                          <p:spTgt spid="3">
-                                            <p:txEl>
-                                              <p:pRg st="13" end="13"/>
                                             </p:txEl>
                                           </p:spTgt>
                                         </p:tgtEl>
@@ -5624,7 +5720,7 @@
           <p:cNvPr id="2" name="Título 1">
             <a:extLst>
               <a:ext uri="{FF2B5EF4-FFF2-40B4-BE49-F238E27FC236}">
-                <a16:creationId xmlns:a16="http://schemas.microsoft.com/office/drawing/2014/main" id="{41E22568-B627-1A59-AE47-DB60689072AD}"/>
+                <a16:creationId xmlns:a16="http://schemas.microsoft.com/office/drawing/2014/main" id="{E04E09B8-4E0F-317A-C5C4-A6D018B2FC8F}"/>
               </a:ext>
             </a:extLst>
           </p:cNvPr>
@@ -5642,142 +5738,731 @@
           <a:p>
             <a:r>
               <a:rPr lang="es-ES" dirty="0"/>
-              <a:t>2. Pertinencia de la Carrera</a:t>
+              <a:t>2. Pertinencia de la Carrera (ODS, 2024)</a:t>
             </a:r>
             <a:endParaRPr lang="es-EC" dirty="0"/>
           </a:p>
         </p:txBody>
       </p:sp>
-      <p:sp>
-        <p:nvSpPr>
-          <p:cNvPr id="3" name="Marcador de contenido 2">
-            <a:extLst>
-              <a:ext uri="{FF2B5EF4-FFF2-40B4-BE49-F238E27FC236}">
-                <a16:creationId xmlns:a16="http://schemas.microsoft.com/office/drawing/2014/main" id="{97D45CB8-0A26-57B7-7899-D554692A1F5A}"/>
-              </a:ext>
-            </a:extLst>
-          </p:cNvPr>
-          <p:cNvSpPr>
-            <a:spLocks noGrp="1"/>
-          </p:cNvSpPr>
+      <p:pic>
+        <p:nvPicPr>
+          <p:cNvPr id="5" name="Marcador de contenido 4" descr="Un conjunto de letras negras en un fondo blanco&#10;&#10;El contenido generado por IA puede ser incorrecto.">
+            <a:extLst>
+              <a:ext uri="{FF2B5EF4-FFF2-40B4-BE49-F238E27FC236}">
+                <a16:creationId xmlns:a16="http://schemas.microsoft.com/office/drawing/2014/main" id="{5AB8935E-66FB-5CA8-6D61-88E7492116C5}"/>
+              </a:ext>
+            </a:extLst>
+          </p:cNvPr>
+          <p:cNvPicPr>
+            <a:picLocks noGrp="1" noChangeAspect="1"/>
+          </p:cNvPicPr>
           <p:nvPr>
             <p:ph idx="1"/>
           </p:nvPr>
-        </p:nvSpPr>
-        <p:spPr/>
-        <p:txBody>
-          <a:bodyPr>
-            <a:normAutofit fontScale="92500" lnSpcReduction="10000"/>
+        </p:nvPicPr>
+        <p:blipFill>
+          <a:blip r:embed="rId2">
+            <a:extLst>
+              <a:ext uri="{28A0092B-C50C-407E-A947-70E740481C1C}">
+                <a14:useLocalDpi xmlns:a14="http://schemas.microsoft.com/office/drawing/2010/main" val="0"/>
+              </a:ext>
+              <a:ext uri="{837473B0-CC2E-450A-ABE3-18F120FF3D39}">
+                <a1611:picAttrSrcUrl xmlns:a1611="http://schemas.microsoft.com/office/drawing/2016/11/main" r:id="rId3"/>
+              </a:ext>
+            </a:extLst>
+          </a:blip>
+          <a:stretch>
+            <a:fillRect/>
+          </a:stretch>
+        </p:blipFill>
+        <p:spPr>
+          <a:xfrm>
+            <a:off x="2814734" y="2337837"/>
+            <a:ext cx="7069858" cy="3426992"/>
+          </a:xfrm>
+        </p:spPr>
+      </p:pic>
+      <p:grpSp>
+        <p:nvGrpSpPr>
+          <p:cNvPr id="18" name="Grupo 17">
+            <a:extLst>
+              <a:ext uri="{FF2B5EF4-FFF2-40B4-BE49-F238E27FC236}">
+                <a16:creationId xmlns:a16="http://schemas.microsoft.com/office/drawing/2014/main" id="{C49987D2-3182-FAEA-0D47-9DF531AD6EF8}"/>
+              </a:ext>
+            </a:extLst>
+          </p:cNvPr>
+          <p:cNvGrpSpPr/>
+          <p:nvPr/>
+        </p:nvGrpSpPr>
+        <p:grpSpPr>
+          <a:xfrm>
+            <a:off x="2814734" y="2337836"/>
+            <a:ext cx="7103044" cy="3398418"/>
+            <a:chOff x="665221" y="1452400"/>
+            <a:chExt cx="7103044" cy="3398418"/>
+          </a:xfrm>
+        </p:grpSpPr>
+        <p:sp>
+          <p:nvSpPr>
+            <p:cNvPr id="7" name="Rectángulo 6">
+              <a:extLst>
+                <a:ext uri="{FF2B5EF4-FFF2-40B4-BE49-F238E27FC236}">
+                  <a16:creationId xmlns:a16="http://schemas.microsoft.com/office/drawing/2014/main" id="{C665D203-F1B5-3660-1ABE-50D972EC7180}"/>
+                </a:ext>
+              </a:extLst>
+            </p:cNvPr>
+            <p:cNvSpPr/>
+            <p:nvPr/>
+          </p:nvSpPr>
+          <p:spPr>
+            <a:xfrm>
+              <a:off x="665221" y="1452401"/>
+              <a:ext cx="2211329" cy="2176624"/>
+            </a:xfrm>
+            <a:prstGeom prst="rect">
+              <a:avLst/>
+            </a:prstGeom>
+            <a:solidFill>
+              <a:schemeClr val="bg1">
+                <a:alpha val="89000"/>
+              </a:schemeClr>
+            </a:solidFill>
+            <a:ln>
+              <a:noFill/>
+            </a:ln>
+          </p:spPr>
+          <p:style>
+            <a:lnRef idx="2">
+              <a:schemeClr val="accent1">
+                <a:shade val="15000"/>
+              </a:schemeClr>
+            </a:lnRef>
+            <a:fillRef idx="1">
+              <a:schemeClr val="accent1"/>
+            </a:fillRef>
+            <a:effectRef idx="0">
+              <a:schemeClr val="accent1"/>
+            </a:effectRef>
+            <a:fontRef idx="minor">
+              <a:schemeClr val="lt1"/>
+            </a:fontRef>
+          </p:style>
+          <p:txBody>
+            <a:bodyPr rtlCol="0" anchor="ctr"/>
+            <a:lstStyle/>
+            <a:p>
+              <a:pPr algn="ctr"/>
+              <a:endParaRPr lang="es-EC"/>
+            </a:p>
+          </p:txBody>
+        </p:sp>
+        <p:sp>
+          <p:nvSpPr>
+            <p:cNvPr id="10" name="Rectángulo 9">
+              <a:extLst>
+                <a:ext uri="{FF2B5EF4-FFF2-40B4-BE49-F238E27FC236}">
+                  <a16:creationId xmlns:a16="http://schemas.microsoft.com/office/drawing/2014/main" id="{C6DAE985-2206-DE95-4335-9D316946F739}"/>
+                </a:ext>
+              </a:extLst>
+            </p:cNvPr>
+            <p:cNvSpPr/>
+            <p:nvPr/>
+          </p:nvSpPr>
+          <p:spPr>
+            <a:xfrm>
+              <a:off x="1874896" y="3888793"/>
+              <a:ext cx="4649729" cy="962025"/>
+            </a:xfrm>
+            <a:prstGeom prst="rect">
+              <a:avLst/>
+            </a:prstGeom>
+            <a:solidFill>
+              <a:schemeClr val="bg1">
+                <a:alpha val="89000"/>
+              </a:schemeClr>
+            </a:solidFill>
+            <a:ln>
+              <a:noFill/>
+            </a:ln>
+          </p:spPr>
+          <p:style>
+            <a:lnRef idx="2">
+              <a:schemeClr val="accent1">
+                <a:shade val="15000"/>
+              </a:schemeClr>
+            </a:lnRef>
+            <a:fillRef idx="1">
+              <a:schemeClr val="accent1"/>
+            </a:fillRef>
+            <a:effectRef idx="0">
+              <a:schemeClr val="accent1"/>
+            </a:effectRef>
+            <a:fontRef idx="minor">
+              <a:schemeClr val="lt1"/>
+            </a:fontRef>
+          </p:style>
+          <p:txBody>
+            <a:bodyPr rtlCol="0" anchor="ctr"/>
+            <a:lstStyle/>
+            <a:p>
+              <a:pPr algn="ctr"/>
+              <a:endParaRPr lang="es-EC"/>
+            </a:p>
+          </p:txBody>
+        </p:sp>
+        <p:sp>
+          <p:nvSpPr>
+            <p:cNvPr id="11" name="Rectángulo 10">
+              <a:extLst>
+                <a:ext uri="{FF2B5EF4-FFF2-40B4-BE49-F238E27FC236}">
+                  <a16:creationId xmlns:a16="http://schemas.microsoft.com/office/drawing/2014/main" id="{8ECD05F7-116A-0E1B-F32F-43DCA67FC9E3}"/>
+                </a:ext>
+              </a:extLst>
+            </p:cNvPr>
+            <p:cNvSpPr/>
+            <p:nvPr/>
+          </p:nvSpPr>
+          <p:spPr>
+            <a:xfrm>
+              <a:off x="5513446" y="1452401"/>
+              <a:ext cx="1011179" cy="962025"/>
+            </a:xfrm>
+            <a:prstGeom prst="rect">
+              <a:avLst/>
+            </a:prstGeom>
+            <a:solidFill>
+              <a:schemeClr val="bg1">
+                <a:alpha val="89000"/>
+              </a:schemeClr>
+            </a:solidFill>
+            <a:ln>
+              <a:noFill/>
+            </a:ln>
+          </p:spPr>
+          <p:style>
+            <a:lnRef idx="2">
+              <a:schemeClr val="accent1">
+                <a:shade val="15000"/>
+              </a:schemeClr>
+            </a:lnRef>
+            <a:fillRef idx="1">
+              <a:schemeClr val="accent1"/>
+            </a:fillRef>
+            <a:effectRef idx="0">
+              <a:schemeClr val="accent1"/>
+            </a:effectRef>
+            <a:fontRef idx="minor">
+              <a:schemeClr val="lt1"/>
+            </a:fontRef>
+          </p:style>
+          <p:txBody>
+            <a:bodyPr rtlCol="0" anchor="ctr"/>
+            <a:lstStyle/>
+            <a:p>
+              <a:pPr algn="ctr"/>
+              <a:endParaRPr lang="es-EC"/>
+            </a:p>
+          </p:txBody>
+        </p:sp>
+        <p:sp>
+          <p:nvSpPr>
+            <p:cNvPr id="12" name="Rectángulo 11">
+              <a:extLst>
+                <a:ext uri="{FF2B5EF4-FFF2-40B4-BE49-F238E27FC236}">
+                  <a16:creationId xmlns:a16="http://schemas.microsoft.com/office/drawing/2014/main" id="{372C218D-9EBF-367C-D6C0-4E14F44C36FE}"/>
+                </a:ext>
+              </a:extLst>
+            </p:cNvPr>
+            <p:cNvSpPr/>
+            <p:nvPr/>
+          </p:nvSpPr>
+          <p:spPr>
+            <a:xfrm>
+              <a:off x="4294635" y="2670597"/>
+              <a:ext cx="1011179" cy="962025"/>
+            </a:xfrm>
+            <a:prstGeom prst="rect">
+              <a:avLst/>
+            </a:prstGeom>
+            <a:solidFill>
+              <a:schemeClr val="bg1">
+                <a:alpha val="89000"/>
+              </a:schemeClr>
+            </a:solidFill>
+            <a:ln>
+              <a:noFill/>
+            </a:ln>
+          </p:spPr>
+          <p:style>
+            <a:lnRef idx="2">
+              <a:schemeClr val="accent1">
+                <a:shade val="15000"/>
+              </a:schemeClr>
+            </a:lnRef>
+            <a:fillRef idx="1">
+              <a:schemeClr val="accent1"/>
+            </a:fillRef>
+            <a:effectRef idx="0">
+              <a:schemeClr val="accent1"/>
+            </a:effectRef>
+            <a:fontRef idx="minor">
+              <a:schemeClr val="lt1"/>
+            </a:fontRef>
+          </p:style>
+          <p:txBody>
+            <a:bodyPr rtlCol="0" anchor="ctr"/>
+            <a:lstStyle/>
+            <a:p>
+              <a:pPr algn="ctr"/>
+              <a:endParaRPr lang="es-EC"/>
+            </a:p>
+          </p:txBody>
+        </p:sp>
+        <p:sp>
+          <p:nvSpPr>
+            <p:cNvPr id="13" name="Rectángulo 12">
+              <a:extLst>
+                <a:ext uri="{FF2B5EF4-FFF2-40B4-BE49-F238E27FC236}">
+                  <a16:creationId xmlns:a16="http://schemas.microsoft.com/office/drawing/2014/main" id="{7927FC39-6F7E-567E-130D-1DD1305C8B08}"/>
+                </a:ext>
+              </a:extLst>
+            </p:cNvPr>
+            <p:cNvSpPr/>
+            <p:nvPr/>
+          </p:nvSpPr>
+          <p:spPr>
+            <a:xfrm>
+              <a:off x="6757086" y="1452400"/>
+              <a:ext cx="1011179" cy="2329025"/>
+            </a:xfrm>
+            <a:prstGeom prst="rect">
+              <a:avLst/>
+            </a:prstGeom>
+            <a:solidFill>
+              <a:schemeClr val="bg1">
+                <a:alpha val="89000"/>
+              </a:schemeClr>
+            </a:solidFill>
+            <a:ln>
+              <a:noFill/>
+            </a:ln>
+          </p:spPr>
+          <p:style>
+            <a:lnRef idx="2">
+              <a:schemeClr val="accent1">
+                <a:shade val="15000"/>
+              </a:schemeClr>
+            </a:lnRef>
+            <a:fillRef idx="1">
+              <a:schemeClr val="accent1"/>
+            </a:fillRef>
+            <a:effectRef idx="0">
+              <a:schemeClr val="accent1"/>
+            </a:effectRef>
+            <a:fontRef idx="minor">
+              <a:schemeClr val="lt1"/>
+            </a:fontRef>
+          </p:style>
+          <p:txBody>
+            <a:bodyPr rtlCol="0" anchor="ctr"/>
+            <a:lstStyle/>
+            <a:p>
+              <a:pPr algn="ctr"/>
+              <a:endParaRPr lang="es-EC"/>
+            </a:p>
+          </p:txBody>
+        </p:sp>
+      </p:grpSp>
+      <p:sp>
+        <p:nvSpPr>
+          <p:cNvPr id="20" name="CuadroTexto 19">
+            <a:extLst>
+              <a:ext uri="{FF2B5EF4-FFF2-40B4-BE49-F238E27FC236}">
+                <a16:creationId xmlns:a16="http://schemas.microsoft.com/office/drawing/2014/main" id="{7D0CC3DC-CE67-4994-5D82-80A936BD3B8C}"/>
+              </a:ext>
+            </a:extLst>
+          </p:cNvPr>
+          <p:cNvSpPr txBox="1"/>
+          <p:nvPr/>
+        </p:nvSpPr>
+        <p:spPr>
+          <a:xfrm>
+            <a:off x="6070147" y="1477036"/>
+            <a:ext cx="2272752" cy="646331"/>
+          </a:xfrm>
+          <a:prstGeom prst="rect">
+            <a:avLst/>
+          </a:prstGeom>
+          <a:noFill/>
+        </p:spPr>
+        <p:txBody>
+          <a:bodyPr wrap="square">
+            <a:spAutoFit/>
           </a:bodyPr>
           <a:lstStyle/>
           <a:p>
-            <a:pPr marL="514350" indent="-514350">
-              <a:buFont typeface="+mj-lt"/>
-              <a:buAutoNum type="arabicPeriod" startAt="3"/>
-            </a:pPr>
-            <a:r>
-              <a:rPr lang="es-ES" dirty="0"/>
-              <a:t>Contribución al Mercado Laboral</a:t>
-            </a:r>
-          </a:p>
-          <a:p>
-            <a:pPr lvl="1"/>
-            <a:r>
-              <a:rPr lang="es-EC" b="1" dirty="0"/>
-              <a:t>ABET</a:t>
-            </a:r>
-          </a:p>
-          <a:p>
-            <a:pPr lvl="2"/>
-            <a:r>
-              <a:rPr lang="es-ES" dirty="0"/>
-              <a:t>Aplicar las competencias de Ciencias Computacionales</a:t>
-            </a:r>
-          </a:p>
-          <a:p>
-            <a:pPr lvl="2"/>
-            <a:r>
-              <a:rPr lang="es-ES" dirty="0"/>
-              <a:t>Competencias para el ciclo de vida de los datos</a:t>
-            </a:r>
-            <a:r>
-              <a:rPr lang="es-EC" dirty="0"/>
-              <a:t> (adquisición, manejo, preparación, análisis, modelamiento y visualización)</a:t>
-            </a:r>
-            <a:r>
-              <a:rPr lang="es-ES" dirty="0"/>
-              <a:t>.</a:t>
+            <a:r>
+              <a:rPr lang="es-ES" b="1" i="1" dirty="0"/>
+              <a:t>modalidades de aprendizaje</a:t>
+            </a:r>
+            <a:endParaRPr lang="es-EC" b="1" dirty="0"/>
+          </a:p>
+        </p:txBody>
+      </p:sp>
+      <p:cxnSp>
+        <p:nvCxnSpPr>
+          <p:cNvPr id="22" name="Conector recto 21">
+            <a:extLst>
+              <a:ext uri="{FF2B5EF4-FFF2-40B4-BE49-F238E27FC236}">
+                <a16:creationId xmlns:a16="http://schemas.microsoft.com/office/drawing/2014/main" id="{4DEEB49A-DEBF-8995-7552-18E48BD303F5}"/>
+              </a:ext>
+            </a:extLst>
+          </p:cNvPr>
+          <p:cNvCxnSpPr>
+            <a:cxnSpLocks/>
+            <a:stCxn id="20" idx="2"/>
+          </p:cNvCxnSpPr>
+          <p:nvPr/>
+        </p:nvCxnSpPr>
+        <p:spPr>
+          <a:xfrm>
+            <a:off x="7206523" y="2123367"/>
+            <a:ext cx="0" cy="256171"/>
+          </a:xfrm>
+          <a:prstGeom prst="line">
+            <a:avLst/>
+          </a:prstGeom>
+          <a:ln>
+            <a:solidFill>
+              <a:srgbClr val="C41726"/>
+            </a:solidFill>
+          </a:ln>
+        </p:spPr>
+        <p:style>
+          <a:lnRef idx="3">
+            <a:schemeClr val="accent5"/>
+          </a:lnRef>
+          <a:fillRef idx="0">
+            <a:schemeClr val="accent5"/>
+          </a:fillRef>
+          <a:effectRef idx="2">
+            <a:schemeClr val="accent5"/>
+          </a:effectRef>
+          <a:fontRef idx="minor">
+            <a:schemeClr val="tx1"/>
+          </a:fontRef>
+        </p:style>
+      </p:cxnSp>
+      <p:cxnSp>
+        <p:nvCxnSpPr>
+          <p:cNvPr id="24" name="Conector recto 23">
+            <a:extLst>
+              <a:ext uri="{FF2B5EF4-FFF2-40B4-BE49-F238E27FC236}">
+                <a16:creationId xmlns:a16="http://schemas.microsoft.com/office/drawing/2014/main" id="{6AC73FAC-35C1-4551-DFB8-73E4144E1F80}"/>
+              </a:ext>
+            </a:extLst>
+          </p:cNvPr>
+          <p:cNvCxnSpPr>
+            <a:cxnSpLocks/>
+          </p:cNvCxnSpPr>
+          <p:nvPr/>
+        </p:nvCxnSpPr>
+        <p:spPr>
+          <a:xfrm>
+            <a:off x="6070147" y="4514461"/>
+            <a:ext cx="0" cy="1543050"/>
+          </a:xfrm>
+          <a:prstGeom prst="line">
+            <a:avLst/>
+          </a:prstGeom>
+          <a:ln>
+            <a:solidFill>
+              <a:srgbClr val="F1682C"/>
+            </a:solidFill>
+          </a:ln>
+        </p:spPr>
+        <p:style>
+          <a:lnRef idx="3">
+            <a:schemeClr val="accent5"/>
+          </a:lnRef>
+          <a:fillRef idx="0">
+            <a:schemeClr val="accent5"/>
+          </a:fillRef>
+          <a:effectRef idx="2">
+            <a:schemeClr val="accent5"/>
+          </a:effectRef>
+          <a:fontRef idx="minor">
+            <a:schemeClr val="tx1"/>
+          </a:fontRef>
+        </p:style>
+      </p:cxnSp>
+      <p:sp>
+        <p:nvSpPr>
+          <p:cNvPr id="27" name="CuadroTexto 26">
+            <a:extLst>
+              <a:ext uri="{FF2B5EF4-FFF2-40B4-BE49-F238E27FC236}">
+                <a16:creationId xmlns:a16="http://schemas.microsoft.com/office/drawing/2014/main" id="{3CD9AF0D-B08B-9441-DC02-AE952DE35AEE}"/>
+              </a:ext>
+            </a:extLst>
+          </p:cNvPr>
+          <p:cNvSpPr txBox="1"/>
+          <p:nvPr/>
+        </p:nvSpPr>
+        <p:spPr>
+          <a:xfrm>
+            <a:off x="4463505" y="6070151"/>
+            <a:ext cx="4443087" cy="646331"/>
+          </a:xfrm>
+          <a:prstGeom prst="rect">
+            <a:avLst/>
+          </a:prstGeom>
+          <a:noFill/>
+        </p:spPr>
+        <p:txBody>
+          <a:bodyPr wrap="square">
+            <a:spAutoFit/>
+          </a:bodyPr>
+          <a:lstStyle/>
+          <a:p>
+            <a:r>
+              <a:rPr lang="es-ES" b="1" i="1" dirty="0"/>
+              <a:t>automatización de procesos industriales mediante algoritmos inteligentes</a:t>
+            </a:r>
+            <a:endParaRPr lang="es-EC" b="1" dirty="0"/>
+          </a:p>
+        </p:txBody>
+      </p:sp>
+      <p:cxnSp>
+        <p:nvCxnSpPr>
+          <p:cNvPr id="29" name="Conector recto 28">
+            <a:extLst>
+              <a:ext uri="{FF2B5EF4-FFF2-40B4-BE49-F238E27FC236}">
+                <a16:creationId xmlns:a16="http://schemas.microsoft.com/office/drawing/2014/main" id="{9F1BA696-0398-4000-69F4-781584EAD2AE}"/>
+              </a:ext>
+            </a:extLst>
+          </p:cNvPr>
+          <p:cNvCxnSpPr/>
+          <p:nvPr/>
+        </p:nvCxnSpPr>
+        <p:spPr>
+          <a:xfrm flipH="1">
+            <a:off x="2481945" y="2677885"/>
+            <a:ext cx="2827176" cy="0"/>
+          </a:xfrm>
+          <a:prstGeom prst="line">
+            <a:avLst/>
+          </a:prstGeom>
+          <a:ln>
+            <a:solidFill>
+              <a:srgbClr val="4CA146"/>
+            </a:solidFill>
+          </a:ln>
+        </p:spPr>
+        <p:style>
+          <a:lnRef idx="2">
+            <a:schemeClr val="accent1"/>
+          </a:lnRef>
+          <a:fillRef idx="0">
+            <a:schemeClr val="accent1"/>
+          </a:fillRef>
+          <a:effectRef idx="1">
+            <a:schemeClr val="accent1"/>
+          </a:effectRef>
+          <a:fontRef idx="minor">
+            <a:schemeClr val="tx1"/>
+          </a:fontRef>
+        </p:style>
+      </p:cxnSp>
+      <p:cxnSp>
+        <p:nvCxnSpPr>
+          <p:cNvPr id="30" name="Conector recto 29">
+            <a:extLst>
+              <a:ext uri="{FF2B5EF4-FFF2-40B4-BE49-F238E27FC236}">
+                <a16:creationId xmlns:a16="http://schemas.microsoft.com/office/drawing/2014/main" id="{A001CD0C-973E-4910-B709-D22A2C86AB88}"/>
+              </a:ext>
+            </a:extLst>
+          </p:cNvPr>
+          <p:cNvCxnSpPr>
+            <a:cxnSpLocks/>
+          </p:cNvCxnSpPr>
+          <p:nvPr/>
+        </p:nvCxnSpPr>
+        <p:spPr>
+          <a:xfrm flipH="1">
+            <a:off x="2481945" y="5256244"/>
+            <a:ext cx="410545" cy="0"/>
+          </a:xfrm>
+          <a:prstGeom prst="line">
+            <a:avLst/>
+          </a:prstGeom>
+          <a:ln>
+            <a:solidFill>
+              <a:srgbClr val="407F46"/>
+            </a:solidFill>
+          </a:ln>
+        </p:spPr>
+        <p:style>
+          <a:lnRef idx="2">
+            <a:schemeClr val="accent1"/>
+          </a:lnRef>
+          <a:fillRef idx="0">
+            <a:schemeClr val="accent1"/>
+          </a:fillRef>
+          <a:effectRef idx="1">
+            <a:schemeClr val="accent1"/>
+          </a:effectRef>
+          <a:fontRef idx="minor">
+            <a:schemeClr val="tx1"/>
+          </a:fontRef>
+        </p:style>
+      </p:cxnSp>
+      <p:cxnSp>
+        <p:nvCxnSpPr>
+          <p:cNvPr id="32" name="Conector recto 31">
+            <a:extLst>
+              <a:ext uri="{FF2B5EF4-FFF2-40B4-BE49-F238E27FC236}">
+                <a16:creationId xmlns:a16="http://schemas.microsoft.com/office/drawing/2014/main" id="{0A09FAAD-B90E-F00C-1F4F-44B366100B56}"/>
+              </a:ext>
+            </a:extLst>
+          </p:cNvPr>
+          <p:cNvCxnSpPr>
+            <a:cxnSpLocks/>
+          </p:cNvCxnSpPr>
+          <p:nvPr/>
+        </p:nvCxnSpPr>
+        <p:spPr>
+          <a:xfrm flipH="1">
+            <a:off x="8509299" y="4061926"/>
+            <a:ext cx="1567763" cy="0"/>
+          </a:xfrm>
+          <a:prstGeom prst="line">
+            <a:avLst/>
+          </a:prstGeom>
+          <a:ln>
+            <a:solidFill>
+              <a:srgbClr val="F79B27"/>
+            </a:solidFill>
+          </a:ln>
+        </p:spPr>
+        <p:style>
+          <a:lnRef idx="2">
+            <a:schemeClr val="accent1"/>
+          </a:lnRef>
+          <a:fillRef idx="0">
+            <a:schemeClr val="accent1"/>
+          </a:fillRef>
+          <a:effectRef idx="1">
+            <a:schemeClr val="accent1"/>
+          </a:effectRef>
+          <a:fontRef idx="minor">
+            <a:schemeClr val="tx1"/>
+          </a:fontRef>
+        </p:style>
+      </p:cxnSp>
+      <p:sp>
+        <p:nvSpPr>
+          <p:cNvPr id="34" name="CuadroTexto 33">
+            <a:extLst>
+              <a:ext uri="{FF2B5EF4-FFF2-40B4-BE49-F238E27FC236}">
+                <a16:creationId xmlns:a16="http://schemas.microsoft.com/office/drawing/2014/main" id="{E7E2689F-14EF-D2D0-3313-BEFB6A608C15}"/>
+              </a:ext>
+            </a:extLst>
+          </p:cNvPr>
+          <p:cNvSpPr txBox="1"/>
+          <p:nvPr/>
+        </p:nvSpPr>
+        <p:spPr>
+          <a:xfrm>
+            <a:off x="466531" y="2379538"/>
+            <a:ext cx="2015414" cy="1477328"/>
+          </a:xfrm>
+          <a:prstGeom prst="rect">
+            <a:avLst/>
+          </a:prstGeom>
+          <a:noFill/>
+        </p:spPr>
+        <p:txBody>
+          <a:bodyPr wrap="square">
+            <a:spAutoFit/>
+          </a:bodyPr>
+          <a:lstStyle/>
+          <a:p>
+            <a:r>
+              <a:rPr lang="es-EC" i="1" dirty="0"/>
+              <a:t>modelos predictivos para diagnóstico temprano de enfermedades</a:t>
             </a:r>
             <a:endParaRPr lang="es-EC" dirty="0"/>
           </a:p>
-          <a:p>
-            <a:pPr lvl="1"/>
-            <a:r>
-              <a:rPr lang="es-ES" b="1" dirty="0"/>
-              <a:t>Expertos en la industria y la academia</a:t>
-            </a:r>
-          </a:p>
-          <a:p>
-            <a:pPr lvl="2"/>
-            <a:r>
-              <a:rPr lang="es-EC" dirty="0"/>
-              <a:t>Teóricas fundamentales (Mat y CS), </a:t>
-            </a:r>
-          </a:p>
-          <a:p>
-            <a:pPr lvl="2"/>
-            <a:r>
-              <a:rPr lang="es-EC" dirty="0"/>
-              <a:t>Trabajo en entornos distribuidos y en la nube, y </a:t>
-            </a:r>
-          </a:p>
-          <a:p>
-            <a:pPr lvl="2"/>
-            <a:r>
-              <a:rPr lang="es-EC" dirty="0"/>
-              <a:t>Habilidades esenciales: comunicación, liderazgo, pensamiento crítico, etc.</a:t>
-            </a:r>
-          </a:p>
-          <a:p>
-            <a:pPr lvl="1"/>
-            <a:r>
-              <a:rPr lang="es-EC" dirty="0"/>
-              <a:t>Modelo Educativo de la ESPOL</a:t>
-            </a:r>
-          </a:p>
-          <a:p>
-            <a:pPr lvl="2"/>
-            <a:r>
-              <a:rPr lang="es-ES" dirty="0"/>
-              <a:t>Participación en procesos de investigación</a:t>
-            </a:r>
-          </a:p>
-          <a:p>
-            <a:pPr lvl="2"/>
-            <a:r>
-              <a:rPr lang="es-ES" dirty="0"/>
-              <a:t>Involucramiento en proyectos que resuelven los problemas de la industria</a:t>
-            </a:r>
-          </a:p>
-          <a:p>
-            <a:pPr lvl="2"/>
-            <a:r>
-              <a:rPr lang="es-ES" dirty="0"/>
-              <a:t>Participación en equipos multidisciplinarios</a:t>
-            </a:r>
-          </a:p>
-          <a:p>
-            <a:pPr lvl="2"/>
-            <a:r>
-              <a:rPr lang="es-ES" dirty="0"/>
-              <a:t>En el contexto de litoral ecuatoriano</a:t>
-            </a:r>
-          </a:p>
-          <a:p>
-            <a:pPr lvl="1"/>
+        </p:txBody>
+      </p:sp>
+      <p:sp>
+        <p:nvSpPr>
+          <p:cNvPr id="35" name="CuadroTexto 34">
+            <a:extLst>
+              <a:ext uri="{FF2B5EF4-FFF2-40B4-BE49-F238E27FC236}">
+                <a16:creationId xmlns:a16="http://schemas.microsoft.com/office/drawing/2014/main" id="{6A124D2F-D83D-5B0A-A913-D2F1A7DE5240}"/>
+              </a:ext>
+            </a:extLst>
+          </p:cNvPr>
+          <p:cNvSpPr txBox="1"/>
+          <p:nvPr/>
+        </p:nvSpPr>
+        <p:spPr>
+          <a:xfrm>
+            <a:off x="466531" y="4932075"/>
+            <a:ext cx="1982228" cy="923330"/>
+          </a:xfrm>
+          <a:prstGeom prst="rect">
+            <a:avLst/>
+          </a:prstGeom>
+          <a:noFill/>
+        </p:spPr>
+        <p:txBody>
+          <a:bodyPr wrap="square">
+            <a:spAutoFit/>
+          </a:bodyPr>
+          <a:lstStyle/>
+          <a:p>
+            <a:r>
+              <a:rPr lang="es-ES" i="1" dirty="0"/>
+              <a:t>simulaciones en la evaluación de riesgos climáticos</a:t>
+            </a:r>
             <a:endParaRPr lang="es-EC" dirty="0"/>
           </a:p>
-          <a:p>
+        </p:txBody>
+      </p:sp>
+      <p:sp>
+        <p:nvSpPr>
+          <p:cNvPr id="36" name="CuadroTexto 35">
+            <a:extLst>
+              <a:ext uri="{FF2B5EF4-FFF2-40B4-BE49-F238E27FC236}">
+                <a16:creationId xmlns:a16="http://schemas.microsoft.com/office/drawing/2014/main" id="{DCB5824A-E126-3669-1BDD-E4E97A1657A4}"/>
+              </a:ext>
+            </a:extLst>
+          </p:cNvPr>
+          <p:cNvSpPr txBox="1"/>
+          <p:nvPr/>
+        </p:nvSpPr>
+        <p:spPr>
+          <a:xfrm>
+            <a:off x="10117053" y="3738760"/>
+            <a:ext cx="1714500" cy="923330"/>
+          </a:xfrm>
+          <a:prstGeom prst="rect">
+            <a:avLst/>
+          </a:prstGeom>
+          <a:noFill/>
+        </p:spPr>
+        <p:txBody>
+          <a:bodyPr wrap="square">
+            <a:spAutoFit/>
+          </a:bodyPr>
+          <a:lstStyle/>
+          <a:p>
+            <a:r>
+              <a:rPr lang="es-EC" i="1" dirty="0"/>
+              <a:t>planificación urbana inteligente</a:t>
+            </a:r>
             <a:endParaRPr lang="es-EC" dirty="0"/>
           </a:p>
         </p:txBody>
@@ -5785,7 +6470,7 @@
     </p:spTree>
     <p:extLst>
       <p:ext uri="{BB962C8B-B14F-4D97-AF65-F5344CB8AC3E}">
-        <p14:creationId xmlns:p14="http://schemas.microsoft.com/office/powerpoint/2010/main" val="1847954967"/>
+        <p14:creationId xmlns:p14="http://schemas.microsoft.com/office/powerpoint/2010/main" val="744087600"/>
       </p:ext>
     </p:extLst>
   </p:cSld>
@@ -5817,7 +6502,7 @@
           <p:cNvPr id="2" name="Título 1">
             <a:extLst>
               <a:ext uri="{FF2B5EF4-FFF2-40B4-BE49-F238E27FC236}">
-                <a16:creationId xmlns:a16="http://schemas.microsoft.com/office/drawing/2014/main" id="{F7D5469A-9B4F-0E33-50B3-F7A79A1C94DB}"/>
+                <a16:creationId xmlns:a16="http://schemas.microsoft.com/office/drawing/2014/main" id="{41E22568-B627-1A59-AE47-DB60689072AD}"/>
               </a:ext>
             </a:extLst>
           </p:cNvPr>
@@ -5835,7 +6520,7 @@
           <a:p>
             <a:r>
               <a:rPr lang="es-ES" dirty="0"/>
-              <a:t>3. Proyección Futura y Tendencias</a:t>
+              <a:t>2. Pertinencia de la Carrera</a:t>
             </a:r>
             <a:endParaRPr lang="es-EC" dirty="0"/>
           </a:p>
@@ -5846,7 +6531,7 @@
           <p:cNvPr id="3" name="Marcador de contenido 2">
             <a:extLst>
               <a:ext uri="{FF2B5EF4-FFF2-40B4-BE49-F238E27FC236}">
-                <a16:creationId xmlns:a16="http://schemas.microsoft.com/office/drawing/2014/main" id="{87AFD5A8-8C3E-C963-D46F-463FB63CE9D1}"/>
+                <a16:creationId xmlns:a16="http://schemas.microsoft.com/office/drawing/2014/main" id="{97D45CB8-0A26-57B7-7899-D554692A1F5A}"/>
               </a:ext>
             </a:extLst>
           </p:cNvPr>
@@ -5860,17 +6545,17 @@
         <p:spPr/>
         <p:txBody>
           <a:bodyPr>
-            <a:normAutofit fontScale="92500" lnSpcReduction="10000"/>
+            <a:normAutofit fontScale="77500" lnSpcReduction="20000"/>
           </a:bodyPr>
           <a:lstStyle/>
           <a:p>
             <a:pPr marL="514350" indent="-514350">
               <a:buFont typeface="+mj-lt"/>
-              <a:buAutoNum type="arabicPeriod"/>
+              <a:buAutoNum type="arabicPeriod" startAt="3"/>
             </a:pPr>
             <a:r>
               <a:rPr lang="es-ES" dirty="0"/>
-              <a:t>Alineación con Tendencias Globales</a:t>
+              <a:t>Contribución al Mercado Laboral</a:t>
             </a:r>
           </a:p>
           <a:p>
@@ -5883,451 +6568,125 @@
             <a:pPr lvl="1"/>
             <a:r>
               <a:rPr lang="es-EC" b="1" dirty="0"/>
-              <a:t>Future of Jobs Report 2025</a:t>
+              <a:t>ABET</a:t>
+            </a:r>
+          </a:p>
+          <a:p>
+            <a:pPr lvl="2"/>
+            <a:r>
+              <a:rPr lang="es-ES" dirty="0"/>
+              <a:t>Aplicar las competencias de Ciencias Computacionales</a:t>
+            </a:r>
+          </a:p>
+          <a:p>
+            <a:pPr lvl="2"/>
+            <a:r>
+              <a:rPr lang="es-ES" dirty="0"/>
+              <a:t>Competencias para el ciclo de vida de los datos</a:t>
             </a:r>
             <a:r>
               <a:rPr lang="es-EC" dirty="0"/>
-              <a:t> del Foro Económico Mundial (WEF, 2025)</a:t>
+              <a:t> (adquisición, manejo, preparación, análisis, modelamiento y visualización)</a:t>
+            </a:r>
+            <a:r>
+              <a:rPr lang="es-ES" dirty="0"/>
+              <a:t>.</a:t>
+            </a:r>
+          </a:p>
+          <a:p>
+            <a:pPr marL="914400" lvl="2" indent="0">
+              <a:buNone/>
+            </a:pPr>
+            <a:endParaRPr lang="es-EC" dirty="0"/>
+          </a:p>
+          <a:p>
+            <a:pPr lvl="1"/>
+            <a:r>
+              <a:rPr lang="es-ES" b="1" dirty="0"/>
+              <a:t>Expertos en la industria y la academia</a:t>
             </a:r>
           </a:p>
           <a:p>
             <a:pPr lvl="2"/>
             <a:r>
               <a:rPr lang="es-EC" dirty="0"/>
-              <a:t>Pensamiento analítico, sistémico, análisis de grandes volúmenes de datos y programación.</a:t>
-            </a:r>
+              <a:t>Teóricas fundamentales (Mat y CS), </a:t>
+            </a:r>
+          </a:p>
+          <a:p>
+            <a:pPr lvl="2"/>
+            <a:r>
+              <a:rPr lang="es-EC" dirty="0"/>
+              <a:t>Trabajo en entornos distribuidos y en la nube, y </a:t>
+            </a:r>
+          </a:p>
+          <a:p>
+            <a:pPr lvl="2"/>
+            <a:r>
+              <a:rPr lang="es-EC" dirty="0"/>
+              <a:t>Habilidades esenciales: comunicación, liderazgo, pensamiento crítico, etc.</a:t>
+            </a:r>
+          </a:p>
+          <a:p>
+            <a:pPr marL="914400" lvl="2" indent="0">
+              <a:buNone/>
+            </a:pPr>
+            <a:endParaRPr lang="es-EC" dirty="0"/>
           </a:p>
           <a:p>
             <a:pPr lvl="1"/>
             <a:r>
               <a:rPr lang="es-EC" b="1" dirty="0"/>
-              <a:t>The 2025 AI Index Report</a:t>
+              <a:t>Modelo Educativo de la ESPOL</a:t>
             </a:r>
           </a:p>
           <a:p>
             <a:pPr lvl="2"/>
             <a:r>
               <a:rPr lang="es-ES" dirty="0"/>
-              <a:t>Integración de modelos de lenguaje, visión por computadora, razonamiento complejo y agentes autónomos</a:t>
+              <a:t>Participación en procesos de investigación</a:t>
+            </a:r>
+          </a:p>
+          <a:p>
+            <a:pPr lvl="2"/>
+            <a:r>
+              <a:rPr lang="es-ES" dirty="0"/>
+              <a:t>Involucramiento en proyectos que resuelven los problemas de la industria</a:t>
+            </a:r>
+          </a:p>
+          <a:p>
+            <a:pPr lvl="2"/>
+            <a:r>
+              <a:rPr lang="es-ES" dirty="0"/>
+              <a:t>Participación en equipos multidisciplinarios</a:t>
+            </a:r>
+          </a:p>
+          <a:p>
+            <a:pPr lvl="2"/>
+            <a:r>
+              <a:rPr lang="es-ES" dirty="0"/>
+              <a:t>En el contexto de litoral ecuatoriano</a:t>
             </a:r>
           </a:p>
           <a:p>
             <a:pPr lvl="1"/>
-            <a:r>
-              <a:rPr lang="es-EC" b="1" dirty="0"/>
-              <a:t>Comité consultivo </a:t>
-            </a:r>
-            <a:r>
-              <a:rPr lang="es-EC" dirty="0"/>
-              <a:t>(campos de desempeño)</a:t>
-            </a:r>
-          </a:p>
-          <a:p>
-            <a:pPr lvl="2"/>
-            <a:r>
-              <a:rPr lang="es-ES" dirty="0"/>
-              <a:t>Científico de Datos, </a:t>
-            </a:r>
-          </a:p>
-          <a:p>
-            <a:pPr lvl="2"/>
-            <a:r>
-              <a:rPr lang="es-ES" dirty="0"/>
-              <a:t>Ingeniero/a de Datos, </a:t>
-            </a:r>
-          </a:p>
-          <a:p>
-            <a:pPr lvl="2"/>
-            <a:r>
-              <a:rPr lang="es-ES" dirty="0"/>
-              <a:t>Ingeniero/a en Machine Learning, y </a:t>
-            </a:r>
-          </a:p>
-          <a:p>
-            <a:pPr lvl="2"/>
-            <a:r>
-              <a:rPr lang="es-ES" dirty="0"/>
-              <a:t>Desarrollador de aplicaciones basadas en datos y algoritmos inteligentes</a:t>
-            </a:r>
-            <a:endParaRPr lang="es-ES" dirty="0">
-              <a:highlight>
-                <a:srgbClr val="FFFF00"/>
-              </a:highlight>
-            </a:endParaRPr>
+            <a:endParaRPr lang="es-EC" dirty="0"/>
+          </a:p>
+          <a:p>
+            <a:endParaRPr lang="es-EC" dirty="0"/>
           </a:p>
         </p:txBody>
       </p:sp>
     </p:spTree>
     <p:extLst>
       <p:ext uri="{BB962C8B-B14F-4D97-AF65-F5344CB8AC3E}">
-        <p14:creationId xmlns:p14="http://schemas.microsoft.com/office/powerpoint/2010/main" val="2691595752"/>
+        <p14:creationId xmlns:p14="http://schemas.microsoft.com/office/powerpoint/2010/main" val="1847954967"/>
       </p:ext>
     </p:extLst>
   </p:cSld>
   <p:clrMapOvr>
     <a:masterClrMapping/>
   </p:clrMapOvr>
-  <p:timing>
-    <p:tnLst>
-      <p:par>
-        <p:cTn id="1" dur="indefinite" restart="never" nodeType="tmRoot">
-          <p:childTnLst>
-            <p:seq concurrent="1" nextAc="seek">
-              <p:cTn id="2" dur="indefinite" nodeType="mainSeq">
-                <p:childTnLst>
-                  <p:par>
-                    <p:cTn id="3" fill="hold">
-                      <p:stCondLst>
-                        <p:cond delay="indefinite"/>
-                      </p:stCondLst>
-                      <p:childTnLst>
-                        <p:par>
-                          <p:cTn id="4" fill="hold">
-                            <p:stCondLst>
-                              <p:cond delay="0"/>
-                            </p:stCondLst>
-                            <p:childTnLst>
-                              <p:par>
-                                <p:cTn id="5" presetID="1" presetClass="entr" presetSubtype="0" fill="hold" grpId="0" nodeType="clickEffect">
-                                  <p:stCondLst>
-                                    <p:cond delay="0"/>
-                                  </p:stCondLst>
-                                  <p:childTnLst>
-                                    <p:set>
-                                      <p:cBhvr>
-                                        <p:cTn id="6" dur="1" fill="hold">
-                                          <p:stCondLst>
-                                            <p:cond delay="0"/>
-                                          </p:stCondLst>
-                                        </p:cTn>
-                                        <p:tgtEl>
-                                          <p:spTgt spid="3">
-                                            <p:txEl>
-                                              <p:pRg st="0" end="0"/>
-                                            </p:txEl>
-                                          </p:spTgt>
-                                        </p:tgtEl>
-                                        <p:attrNameLst>
-                                          <p:attrName>style.visibility</p:attrName>
-                                        </p:attrNameLst>
-                                      </p:cBhvr>
-                                      <p:to>
-                                        <p:strVal val="visible"/>
-                                      </p:to>
-                                    </p:set>
-                                  </p:childTnLst>
-                                </p:cTn>
-                              </p:par>
-                              <p:par>
-                                <p:cTn id="7" presetID="1" presetClass="entr" presetSubtype="0" fill="hold" grpId="0" nodeType="withEffect">
-                                  <p:stCondLst>
-                                    <p:cond delay="0"/>
-                                  </p:stCondLst>
-                                  <p:childTnLst>
-                                    <p:set>
-                                      <p:cBhvr>
-                                        <p:cTn id="8" dur="1" fill="hold">
-                                          <p:stCondLst>
-                                            <p:cond delay="0"/>
-                                          </p:stCondLst>
-                                        </p:cTn>
-                                        <p:tgtEl>
-                                          <p:spTgt spid="3">
-                                            <p:txEl>
-                                              <p:pRg st="2" end="2"/>
-                                            </p:txEl>
-                                          </p:spTgt>
-                                        </p:tgtEl>
-                                        <p:attrNameLst>
-                                          <p:attrName>style.visibility</p:attrName>
-                                        </p:attrNameLst>
-                                      </p:cBhvr>
-                                      <p:to>
-                                        <p:strVal val="visible"/>
-                                      </p:to>
-                                    </p:set>
-                                  </p:childTnLst>
-                                </p:cTn>
-                              </p:par>
-                              <p:par>
-                                <p:cTn id="9" presetID="1" presetClass="entr" presetSubtype="0" fill="hold" grpId="0" nodeType="withEffect">
-                                  <p:stCondLst>
-                                    <p:cond delay="0"/>
-                                  </p:stCondLst>
-                                  <p:childTnLst>
-                                    <p:set>
-                                      <p:cBhvr>
-                                        <p:cTn id="10" dur="1" fill="hold">
-                                          <p:stCondLst>
-                                            <p:cond delay="0"/>
-                                          </p:stCondLst>
-                                        </p:cTn>
-                                        <p:tgtEl>
-                                          <p:spTgt spid="3">
-                                            <p:txEl>
-                                              <p:pRg st="3" end="3"/>
-                                            </p:txEl>
-                                          </p:spTgt>
-                                        </p:tgtEl>
-                                        <p:attrNameLst>
-                                          <p:attrName>style.visibility</p:attrName>
-                                        </p:attrNameLst>
-                                      </p:cBhvr>
-                                      <p:to>
-                                        <p:strVal val="visible"/>
-                                      </p:to>
-                                    </p:set>
-                                  </p:childTnLst>
-                                </p:cTn>
-                              </p:par>
-                              <p:par>
-                                <p:cTn id="11" presetID="1" presetClass="entr" presetSubtype="0" fill="hold" grpId="0" nodeType="withEffect">
-                                  <p:stCondLst>
-                                    <p:cond delay="0"/>
-                                  </p:stCondLst>
-                                  <p:childTnLst>
-                                    <p:set>
-                                      <p:cBhvr>
-                                        <p:cTn id="12" dur="1" fill="hold">
-                                          <p:stCondLst>
-                                            <p:cond delay="0"/>
-                                          </p:stCondLst>
-                                        </p:cTn>
-                                        <p:tgtEl>
-                                          <p:spTgt spid="3">
-                                            <p:txEl>
-                                              <p:pRg st="4" end="4"/>
-                                            </p:txEl>
-                                          </p:spTgt>
-                                        </p:tgtEl>
-                                        <p:attrNameLst>
-                                          <p:attrName>style.visibility</p:attrName>
-                                        </p:attrNameLst>
-                                      </p:cBhvr>
-                                      <p:to>
-                                        <p:strVal val="visible"/>
-                                      </p:to>
-                                    </p:set>
-                                  </p:childTnLst>
-                                </p:cTn>
-                              </p:par>
-                              <p:par>
-                                <p:cTn id="13" presetID="1" presetClass="entr" presetSubtype="0" fill="hold" grpId="0" nodeType="withEffect">
-                                  <p:stCondLst>
-                                    <p:cond delay="0"/>
-                                  </p:stCondLst>
-                                  <p:childTnLst>
-                                    <p:set>
-                                      <p:cBhvr>
-                                        <p:cTn id="14" dur="1" fill="hold">
-                                          <p:stCondLst>
-                                            <p:cond delay="0"/>
-                                          </p:stCondLst>
-                                        </p:cTn>
-                                        <p:tgtEl>
-                                          <p:spTgt spid="3">
-                                            <p:txEl>
-                                              <p:pRg st="5" end="5"/>
-                                            </p:txEl>
-                                          </p:spTgt>
-                                        </p:tgtEl>
-                                        <p:attrNameLst>
-                                          <p:attrName>style.visibility</p:attrName>
-                                        </p:attrNameLst>
-                                      </p:cBhvr>
-                                      <p:to>
-                                        <p:strVal val="visible"/>
-                                      </p:to>
-                                    </p:set>
-                                  </p:childTnLst>
-                                </p:cTn>
-                              </p:par>
-                              <p:par>
-                                <p:cTn id="15" presetID="1" presetClass="entr" presetSubtype="0" fill="hold" grpId="0" nodeType="withEffect">
-                                  <p:stCondLst>
-                                    <p:cond delay="0"/>
-                                  </p:stCondLst>
-                                  <p:childTnLst>
-                                    <p:set>
-                                      <p:cBhvr>
-                                        <p:cTn id="16" dur="1" fill="hold">
-                                          <p:stCondLst>
-                                            <p:cond delay="0"/>
-                                          </p:stCondLst>
-                                        </p:cTn>
-                                        <p:tgtEl>
-                                          <p:spTgt spid="3">
-                                            <p:txEl>
-                                              <p:pRg st="6" end="6"/>
-                                            </p:txEl>
-                                          </p:spTgt>
-                                        </p:tgtEl>
-                                        <p:attrNameLst>
-                                          <p:attrName>style.visibility</p:attrName>
-                                        </p:attrNameLst>
-                                      </p:cBhvr>
-                                      <p:to>
-                                        <p:strVal val="visible"/>
-                                      </p:to>
-                                    </p:set>
-                                  </p:childTnLst>
-                                </p:cTn>
-                              </p:par>
-                              <p:par>
-                                <p:cTn id="17" presetID="1" presetClass="entr" presetSubtype="0" fill="hold" grpId="0" nodeType="withEffect">
-                                  <p:stCondLst>
-                                    <p:cond delay="0"/>
-                                  </p:stCondLst>
-                                  <p:childTnLst>
-                                    <p:set>
-                                      <p:cBhvr>
-                                        <p:cTn id="18" dur="1" fill="hold">
-                                          <p:stCondLst>
-                                            <p:cond delay="0"/>
-                                          </p:stCondLst>
-                                        </p:cTn>
-                                        <p:tgtEl>
-                                          <p:spTgt spid="3">
-                                            <p:txEl>
-                                              <p:pRg st="7" end="7"/>
-                                            </p:txEl>
-                                          </p:spTgt>
-                                        </p:tgtEl>
-                                        <p:attrNameLst>
-                                          <p:attrName>style.visibility</p:attrName>
-                                        </p:attrNameLst>
-                                      </p:cBhvr>
-                                      <p:to>
-                                        <p:strVal val="visible"/>
-                                      </p:to>
-                                    </p:set>
-                                  </p:childTnLst>
-                                </p:cTn>
-                              </p:par>
-                              <p:par>
-                                <p:cTn id="19" presetID="1" presetClass="entr" presetSubtype="0" fill="hold" grpId="0" nodeType="withEffect">
-                                  <p:stCondLst>
-                                    <p:cond delay="0"/>
-                                  </p:stCondLst>
-                                  <p:childTnLst>
-                                    <p:set>
-                                      <p:cBhvr>
-                                        <p:cTn id="20" dur="1" fill="hold">
-                                          <p:stCondLst>
-                                            <p:cond delay="0"/>
-                                          </p:stCondLst>
-                                        </p:cTn>
-                                        <p:tgtEl>
-                                          <p:spTgt spid="3">
-                                            <p:txEl>
-                                              <p:pRg st="8" end="8"/>
-                                            </p:txEl>
-                                          </p:spTgt>
-                                        </p:tgtEl>
-                                        <p:attrNameLst>
-                                          <p:attrName>style.visibility</p:attrName>
-                                        </p:attrNameLst>
-                                      </p:cBhvr>
-                                      <p:to>
-                                        <p:strVal val="visible"/>
-                                      </p:to>
-                                    </p:set>
-                                  </p:childTnLst>
-                                </p:cTn>
-                              </p:par>
-                              <p:par>
-                                <p:cTn id="21" presetID="1" presetClass="entr" presetSubtype="0" fill="hold" grpId="0" nodeType="withEffect">
-                                  <p:stCondLst>
-                                    <p:cond delay="0"/>
-                                  </p:stCondLst>
-                                  <p:childTnLst>
-                                    <p:set>
-                                      <p:cBhvr>
-                                        <p:cTn id="22" dur="1" fill="hold">
-                                          <p:stCondLst>
-                                            <p:cond delay="0"/>
-                                          </p:stCondLst>
-                                        </p:cTn>
-                                        <p:tgtEl>
-                                          <p:spTgt spid="3">
-                                            <p:txEl>
-                                              <p:pRg st="9" end="9"/>
-                                            </p:txEl>
-                                          </p:spTgt>
-                                        </p:tgtEl>
-                                        <p:attrNameLst>
-                                          <p:attrName>style.visibility</p:attrName>
-                                        </p:attrNameLst>
-                                      </p:cBhvr>
-                                      <p:to>
-                                        <p:strVal val="visible"/>
-                                      </p:to>
-                                    </p:set>
-                                  </p:childTnLst>
-                                </p:cTn>
-                              </p:par>
-                              <p:par>
-                                <p:cTn id="23" presetID="1" presetClass="entr" presetSubtype="0" fill="hold" grpId="0" nodeType="withEffect">
-                                  <p:stCondLst>
-                                    <p:cond delay="0"/>
-                                  </p:stCondLst>
-                                  <p:childTnLst>
-                                    <p:set>
-                                      <p:cBhvr>
-                                        <p:cTn id="24" dur="1" fill="hold">
-                                          <p:stCondLst>
-                                            <p:cond delay="0"/>
-                                          </p:stCondLst>
-                                        </p:cTn>
-                                        <p:tgtEl>
-                                          <p:spTgt spid="3">
-                                            <p:txEl>
-                                              <p:pRg st="10" end="10"/>
-                                            </p:txEl>
-                                          </p:spTgt>
-                                        </p:tgtEl>
-                                        <p:attrNameLst>
-                                          <p:attrName>style.visibility</p:attrName>
-                                        </p:attrNameLst>
-                                      </p:cBhvr>
-                                      <p:to>
-                                        <p:strVal val="visible"/>
-                                      </p:to>
-                                    </p:set>
-                                  </p:childTnLst>
-                                </p:cTn>
-                              </p:par>
-                            </p:childTnLst>
-                          </p:cTn>
-                        </p:par>
-                      </p:childTnLst>
-                    </p:cTn>
-                  </p:par>
-                </p:childTnLst>
-              </p:cTn>
-              <p:prevCondLst>
-                <p:cond evt="onPrev" delay="0">
-                  <p:tgtEl>
-                    <p:sldTgt/>
-                  </p:tgtEl>
-                </p:cond>
-              </p:prevCondLst>
-              <p:nextCondLst>
-                <p:cond evt="onNext" delay="0">
-                  <p:tgtEl>
-                    <p:sldTgt/>
-                  </p:tgtEl>
-                </p:cond>
-              </p:nextCondLst>
-            </p:seq>
-          </p:childTnLst>
-        </p:cTn>
-      </p:par>
-    </p:tnLst>
-    <p:bldLst>
-      <p:bldP spid="3" grpId="0" build="p"/>
-    </p:bldLst>
-  </p:timing>
 </p:sld>
 </file>
 
@@ -6353,7 +6712,7 @@
           <p:cNvPr id="2" name="Título 1">
             <a:extLst>
               <a:ext uri="{FF2B5EF4-FFF2-40B4-BE49-F238E27FC236}">
-                <a16:creationId xmlns:a16="http://schemas.microsoft.com/office/drawing/2014/main" id="{44957B34-5BE8-2951-76E5-F1459CA2ABE4}"/>
+                <a16:creationId xmlns:a16="http://schemas.microsoft.com/office/drawing/2014/main" id="{5F19F18A-4365-0D8A-CD4E-4B1C668567DD}"/>
               </a:ext>
             </a:extLst>
           </p:cNvPr>
@@ -6377,6 +6736,478 @@
           </a:p>
         </p:txBody>
       </p:sp>
+      <p:pic>
+        <p:nvPicPr>
+          <p:cNvPr id="16" name="Marcador de contenido 15">
+            <a:extLst>
+              <a:ext uri="{FF2B5EF4-FFF2-40B4-BE49-F238E27FC236}">
+                <a16:creationId xmlns:a16="http://schemas.microsoft.com/office/drawing/2014/main" id="{0CF574C6-F34B-05FD-3AA1-15325CBE45B2}"/>
+              </a:ext>
+            </a:extLst>
+          </p:cNvPr>
+          <p:cNvPicPr>
+            <a:picLocks noGrp="1" noChangeAspect="1"/>
+          </p:cNvPicPr>
+          <p:nvPr>
+            <p:ph idx="1"/>
+          </p:nvPr>
+        </p:nvPicPr>
+        <p:blipFill>
+          <a:blip r:embed="rId2"/>
+          <a:srcRect l="1550" b="2909"/>
+          <a:stretch/>
+        </p:blipFill>
+        <p:spPr>
+          <a:xfrm>
+            <a:off x="951723" y="2162045"/>
+            <a:ext cx="6972298" cy="4540240"/>
+          </a:xfrm>
+        </p:spPr>
+      </p:pic>
+      <p:sp>
+        <p:nvSpPr>
+          <p:cNvPr id="18" name="CuadroTexto 17">
+            <a:extLst>
+              <a:ext uri="{FF2B5EF4-FFF2-40B4-BE49-F238E27FC236}">
+                <a16:creationId xmlns:a16="http://schemas.microsoft.com/office/drawing/2014/main" id="{16A53B04-FD3E-3BA2-2491-F93B157F330E}"/>
+              </a:ext>
+            </a:extLst>
+          </p:cNvPr>
+          <p:cNvSpPr txBox="1"/>
+          <p:nvPr/>
+        </p:nvSpPr>
+        <p:spPr>
+          <a:xfrm>
+            <a:off x="8098971" y="2120669"/>
+            <a:ext cx="3816221" cy="2308324"/>
+          </a:xfrm>
+          <a:prstGeom prst="rect">
+            <a:avLst/>
+          </a:prstGeom>
+          <a:noFill/>
+        </p:spPr>
+        <p:txBody>
+          <a:bodyPr wrap="square">
+            <a:spAutoFit/>
+          </a:bodyPr>
+          <a:lstStyle/>
+          <a:p>
+            <a:r>
+              <a:rPr lang="es-EC" b="1" dirty="0"/>
+              <a:t>Future </a:t>
+            </a:r>
+            <a:r>
+              <a:rPr lang="es-EC" b="1" dirty="0" err="1"/>
+              <a:t>of</a:t>
+            </a:r>
+            <a:r>
+              <a:rPr lang="es-EC" b="1" dirty="0"/>
+              <a:t> Jobs </a:t>
+            </a:r>
+            <a:r>
+              <a:rPr lang="es-EC" b="1" dirty="0" err="1"/>
+              <a:t>Report</a:t>
+            </a:r>
+            <a:r>
+              <a:rPr lang="es-EC" b="1" dirty="0"/>
+              <a:t> 2025</a:t>
+            </a:r>
+            <a:r>
+              <a:rPr lang="es-EC" dirty="0"/>
+              <a:t> del Foro Económico Mundial (WEF, 2025)</a:t>
+            </a:r>
+          </a:p>
+          <a:p>
+            <a:endParaRPr lang="es-EC" dirty="0"/>
+          </a:p>
+          <a:p>
+            <a:pPr marL="285750" indent="-285750">
+              <a:buFont typeface="Arial" panose="020B0604020202020204" pitchFamily="34" charset="0"/>
+              <a:buChar char="•"/>
+            </a:pPr>
+            <a:r>
+              <a:rPr lang="es-EC" dirty="0"/>
+              <a:t>AI y Big Data</a:t>
+            </a:r>
+          </a:p>
+          <a:p>
+            <a:pPr marL="285750" indent="-285750">
+              <a:buFont typeface="Arial" panose="020B0604020202020204" pitchFamily="34" charset="0"/>
+              <a:buChar char="•"/>
+            </a:pPr>
+            <a:r>
+              <a:rPr lang="es-EC" dirty="0"/>
+              <a:t>Alfabetización Tecnológica</a:t>
+            </a:r>
+          </a:p>
+          <a:p>
+            <a:pPr marL="285750" indent="-285750">
+              <a:buFont typeface="Arial" panose="020B0604020202020204" pitchFamily="34" charset="0"/>
+              <a:buChar char="•"/>
+            </a:pPr>
+            <a:r>
+              <a:rPr lang="es-EC" dirty="0"/>
+              <a:t>Pensamiento analítico, creativo y sistémico</a:t>
+            </a:r>
+          </a:p>
+          <a:p>
+            <a:endParaRPr lang="es-EC" dirty="0"/>
+          </a:p>
+        </p:txBody>
+      </p:sp>
+      <p:sp>
+        <p:nvSpPr>
+          <p:cNvPr id="20" name="CuadroTexto 19">
+            <a:extLst>
+              <a:ext uri="{FF2B5EF4-FFF2-40B4-BE49-F238E27FC236}">
+                <a16:creationId xmlns:a16="http://schemas.microsoft.com/office/drawing/2014/main" id="{BDA3487E-ABFC-B02F-4BFA-60CE6BBB9AEE}"/>
+              </a:ext>
+            </a:extLst>
+          </p:cNvPr>
+          <p:cNvSpPr txBox="1"/>
+          <p:nvPr/>
+        </p:nvSpPr>
+        <p:spPr>
+          <a:xfrm>
+            <a:off x="1462573" y="1669602"/>
+            <a:ext cx="6097554" cy="492443"/>
+          </a:xfrm>
+          <a:prstGeom prst="rect">
+            <a:avLst/>
+          </a:prstGeom>
+          <a:noFill/>
+        </p:spPr>
+        <p:txBody>
+          <a:bodyPr wrap="square">
+            <a:spAutoFit/>
+          </a:bodyPr>
+          <a:lstStyle/>
+          <a:p>
+            <a:pPr marL="514350" indent="-514350">
+              <a:buFont typeface="+mj-lt"/>
+              <a:buAutoNum type="arabicPeriod"/>
+            </a:pPr>
+            <a:r>
+              <a:rPr lang="es-ES" sz="2600" dirty="0"/>
+              <a:t>Alineación con Tendencias Globales</a:t>
+            </a:r>
+          </a:p>
+        </p:txBody>
+      </p:sp>
+    </p:spTree>
+    <p:extLst>
+      <p:ext uri="{BB962C8B-B14F-4D97-AF65-F5344CB8AC3E}">
+        <p14:creationId xmlns:p14="http://schemas.microsoft.com/office/powerpoint/2010/main" val="4046695734"/>
+      </p:ext>
+    </p:extLst>
+  </p:cSld>
+  <p:clrMapOvr>
+    <a:masterClrMapping/>
+  </p:clrMapOvr>
+</p:sld>
+</file>
+
+<file path=ppt/slides/slide8.xml><?xml version="1.0" encoding="utf-8"?>
+<p:sld xmlns:a="http://schemas.openxmlformats.org/drawingml/2006/main" xmlns:r="http://schemas.openxmlformats.org/officeDocument/2006/relationships" xmlns:p="http://schemas.openxmlformats.org/presentationml/2006/main">
+  <p:cSld>
+    <p:spTree>
+      <p:nvGrpSpPr>
+        <p:cNvPr id="1" name="">
+          <a:extLst>
+            <a:ext uri="{FF2B5EF4-FFF2-40B4-BE49-F238E27FC236}">
+              <a16:creationId xmlns:a16="http://schemas.microsoft.com/office/drawing/2014/main" id="{BB47DE4D-6FC9-9647-81E2-5D6AA0EAED6A}"/>
+            </a:ext>
+          </a:extLst>
+        </p:cNvPr>
+        <p:cNvGrpSpPr/>
+        <p:nvPr/>
+      </p:nvGrpSpPr>
+      <p:grpSpPr>
+        <a:xfrm>
+          <a:off x="0" y="0"/>
+          <a:ext cx="0" cy="0"/>
+          <a:chOff x="0" y="0"/>
+          <a:chExt cx="0" cy="0"/>
+        </a:xfrm>
+      </p:grpSpPr>
+      <p:sp>
+        <p:nvSpPr>
+          <p:cNvPr id="2" name="Título 1">
+            <a:extLst>
+              <a:ext uri="{FF2B5EF4-FFF2-40B4-BE49-F238E27FC236}">
+                <a16:creationId xmlns:a16="http://schemas.microsoft.com/office/drawing/2014/main" id="{B1BF8A75-EA6F-FBE3-4271-E37D6976E932}"/>
+              </a:ext>
+            </a:extLst>
+          </p:cNvPr>
+          <p:cNvSpPr>
+            <a:spLocks noGrp="1"/>
+          </p:cNvSpPr>
+          <p:nvPr>
+            <p:ph type="title"/>
+          </p:nvPr>
+        </p:nvSpPr>
+        <p:spPr/>
+        <p:txBody>
+          <a:bodyPr/>
+          <a:lstStyle/>
+          <a:p>
+            <a:r>
+              <a:rPr lang="es-ES" dirty="0"/>
+              <a:t>3. Proyección Futura y Tendencias</a:t>
+            </a:r>
+            <a:endParaRPr lang="es-EC" dirty="0"/>
+          </a:p>
+        </p:txBody>
+      </p:sp>
+      <p:sp>
+        <p:nvSpPr>
+          <p:cNvPr id="13" name="Marcador de contenido 2">
+            <a:extLst>
+              <a:ext uri="{FF2B5EF4-FFF2-40B4-BE49-F238E27FC236}">
+                <a16:creationId xmlns:a16="http://schemas.microsoft.com/office/drawing/2014/main" id="{7FDC1CC1-99A8-8791-5FB0-D675CFECC038}"/>
+              </a:ext>
+            </a:extLst>
+          </p:cNvPr>
+          <p:cNvSpPr>
+            <a:spLocks noGrp="1"/>
+          </p:cNvSpPr>
+          <p:nvPr>
+            <p:ph idx="1"/>
+          </p:nvPr>
+        </p:nvSpPr>
+        <p:spPr>
+          <a:xfrm>
+            <a:off x="838200" y="1825625"/>
+            <a:ext cx="10515600" cy="432383"/>
+          </a:xfrm>
+        </p:spPr>
+        <p:txBody>
+          <a:bodyPr>
+            <a:normAutofit fontScale="92500" lnSpcReduction="10000"/>
+          </a:bodyPr>
+          <a:lstStyle/>
+          <a:p>
+            <a:pPr marL="514350" indent="-514350">
+              <a:buFont typeface="+mj-lt"/>
+              <a:buAutoNum type="arabicPeriod"/>
+            </a:pPr>
+            <a:r>
+              <a:rPr lang="es-ES" sz="2800" dirty="0"/>
+              <a:t>Alineación con Tendencias Globales</a:t>
+            </a:r>
+            <a:endParaRPr lang="es-ES" dirty="0"/>
+          </a:p>
+          <a:p>
+            <a:pPr lvl="1"/>
+            <a:endParaRPr lang="es-EC" dirty="0"/>
+          </a:p>
+          <a:p>
+            <a:endParaRPr lang="es-EC" dirty="0"/>
+          </a:p>
+        </p:txBody>
+      </p:sp>
+      <p:sp>
+        <p:nvSpPr>
+          <p:cNvPr id="24" name="CuadroTexto 23">
+            <a:extLst>
+              <a:ext uri="{FF2B5EF4-FFF2-40B4-BE49-F238E27FC236}">
+                <a16:creationId xmlns:a16="http://schemas.microsoft.com/office/drawing/2014/main" id="{CC44E84C-431F-C9BD-455F-4D9ACBF0A0FD}"/>
+              </a:ext>
+            </a:extLst>
+          </p:cNvPr>
+          <p:cNvSpPr txBox="1"/>
+          <p:nvPr/>
+        </p:nvSpPr>
+        <p:spPr>
+          <a:xfrm>
+            <a:off x="8098971" y="2120669"/>
+            <a:ext cx="3816221" cy="2585323"/>
+          </a:xfrm>
+          <a:prstGeom prst="rect">
+            <a:avLst/>
+          </a:prstGeom>
+          <a:noFill/>
+        </p:spPr>
+        <p:txBody>
+          <a:bodyPr wrap="square">
+            <a:spAutoFit/>
+          </a:bodyPr>
+          <a:lstStyle/>
+          <a:p>
+            <a:r>
+              <a:rPr lang="es-EC" b="1" dirty="0"/>
+              <a:t>The 2025 AI </a:t>
+            </a:r>
+            <a:r>
+              <a:rPr lang="es-EC" b="1" dirty="0" err="1"/>
+              <a:t>Index</a:t>
+            </a:r>
+            <a:r>
+              <a:rPr lang="es-EC" b="1" dirty="0"/>
+              <a:t> </a:t>
+            </a:r>
+            <a:r>
+              <a:rPr lang="es-EC" b="1" dirty="0" err="1"/>
+              <a:t>Report</a:t>
+            </a:r>
+            <a:r>
+              <a:rPr lang="es-EC" b="1" dirty="0"/>
+              <a:t> </a:t>
+            </a:r>
+            <a:r>
+              <a:rPr lang="es-EC" dirty="0"/>
+              <a:t>(AI </a:t>
+            </a:r>
+            <a:r>
+              <a:rPr lang="es-EC" dirty="0" err="1"/>
+              <a:t>Index</a:t>
+            </a:r>
+            <a:r>
+              <a:rPr lang="es-EC" dirty="0"/>
+              <a:t>, 2025)</a:t>
+            </a:r>
+          </a:p>
+          <a:p>
+            <a:endParaRPr lang="es-EC" dirty="0"/>
+          </a:p>
+          <a:p>
+            <a:pPr marL="285750" indent="-285750">
+              <a:buFont typeface="Arial" panose="020B0604020202020204" pitchFamily="34" charset="0"/>
+              <a:buChar char="•"/>
+            </a:pPr>
+            <a:r>
+              <a:rPr lang="es-ES" dirty="0"/>
+              <a:t>Mayor inversión de la industria</a:t>
+            </a:r>
+          </a:p>
+          <a:p>
+            <a:pPr marL="285750" indent="-285750">
+              <a:buFont typeface="Arial" panose="020B0604020202020204" pitchFamily="34" charset="0"/>
+              <a:buChar char="•"/>
+            </a:pPr>
+            <a:r>
+              <a:rPr lang="es-ES" dirty="0"/>
+              <a:t>Mejoras en los modelos de IAG</a:t>
+            </a:r>
+          </a:p>
+          <a:p>
+            <a:pPr marL="285750" indent="-285750">
+              <a:buFont typeface="Arial" panose="020B0604020202020204" pitchFamily="34" charset="0"/>
+              <a:buChar char="•"/>
+            </a:pPr>
+            <a:r>
+              <a:rPr lang="es-ES" dirty="0"/>
+              <a:t>Mayor interés en AI responsable</a:t>
+            </a:r>
+          </a:p>
+          <a:p>
+            <a:pPr marL="285750" indent="-285750">
+              <a:buFont typeface="Arial" panose="020B0604020202020204" pitchFamily="34" charset="0"/>
+              <a:buChar char="•"/>
+            </a:pPr>
+            <a:r>
+              <a:rPr lang="es-ES" dirty="0"/>
+              <a:t>Reto: Razonamiento complejo y Agentes autónomos</a:t>
+            </a:r>
+          </a:p>
+          <a:p>
+            <a:pPr marL="285750" indent="-285750">
+              <a:buFont typeface="Arial" panose="020B0604020202020204" pitchFamily="34" charset="0"/>
+              <a:buChar char="•"/>
+            </a:pPr>
+            <a:endParaRPr lang="es-EC" dirty="0"/>
+          </a:p>
+        </p:txBody>
+      </p:sp>
+      <p:pic>
+        <p:nvPicPr>
+          <p:cNvPr id="34" name="Imagen 33">
+            <a:extLst>
+              <a:ext uri="{FF2B5EF4-FFF2-40B4-BE49-F238E27FC236}">
+                <a16:creationId xmlns:a16="http://schemas.microsoft.com/office/drawing/2014/main" id="{1FEEEEAB-4A71-6E5E-B42A-21996C5515B6}"/>
+              </a:ext>
+            </a:extLst>
+          </p:cNvPr>
+          <p:cNvPicPr>
+            <a:picLocks noChangeAspect="1"/>
+          </p:cNvPicPr>
+          <p:nvPr/>
+        </p:nvPicPr>
+        <p:blipFill>
+          <a:blip r:embed="rId2"/>
+          <a:stretch>
+            <a:fillRect/>
+          </a:stretch>
+        </p:blipFill>
+        <p:spPr>
+          <a:xfrm>
+            <a:off x="119054" y="2513012"/>
+            <a:ext cx="7957826" cy="4167706"/>
+          </a:xfrm>
+          <a:prstGeom prst="rect">
+            <a:avLst/>
+          </a:prstGeom>
+        </p:spPr>
+      </p:pic>
+    </p:spTree>
+    <p:extLst>
+      <p:ext uri="{BB962C8B-B14F-4D97-AF65-F5344CB8AC3E}">
+        <p14:creationId xmlns:p14="http://schemas.microsoft.com/office/powerpoint/2010/main" val="1961592263"/>
+      </p:ext>
+    </p:extLst>
+  </p:cSld>
+  <p:clrMapOvr>
+    <a:masterClrMapping/>
+  </p:clrMapOvr>
+</p:sld>
+</file>
+
+<file path=ppt/slides/slide9.xml><?xml version="1.0" encoding="utf-8"?>
+<p:sld xmlns:a="http://schemas.openxmlformats.org/drawingml/2006/main" xmlns:r="http://schemas.openxmlformats.org/officeDocument/2006/relationships" xmlns:p="http://schemas.openxmlformats.org/presentationml/2006/main">
+  <p:cSld>
+    <p:spTree>
+      <p:nvGrpSpPr>
+        <p:cNvPr id="1" name=""/>
+        <p:cNvGrpSpPr/>
+        <p:nvPr/>
+      </p:nvGrpSpPr>
+      <p:grpSpPr>
+        <a:xfrm>
+          <a:off x="0" y="0"/>
+          <a:ext cx="0" cy="0"/>
+          <a:chOff x="0" y="0"/>
+          <a:chExt cx="0" cy="0"/>
+        </a:xfrm>
+      </p:grpSpPr>
+      <p:sp>
+        <p:nvSpPr>
+          <p:cNvPr id="2" name="Título 1">
+            <a:extLst>
+              <a:ext uri="{FF2B5EF4-FFF2-40B4-BE49-F238E27FC236}">
+                <a16:creationId xmlns:a16="http://schemas.microsoft.com/office/drawing/2014/main" id="{44957B34-5BE8-2951-76E5-F1459CA2ABE4}"/>
+              </a:ext>
+            </a:extLst>
+          </p:cNvPr>
+          <p:cNvSpPr>
+            <a:spLocks noGrp="1"/>
+          </p:cNvSpPr>
+          <p:nvPr>
+            <p:ph type="title"/>
+          </p:nvPr>
+        </p:nvSpPr>
+        <p:spPr/>
+        <p:txBody>
+          <a:bodyPr/>
+          <a:lstStyle/>
+          <a:p>
+            <a:r>
+              <a:rPr lang="es-ES" dirty="0"/>
+              <a:t>3. Proyección Futura y Tendencias</a:t>
+            </a:r>
+            <a:endParaRPr lang="es-EC" dirty="0"/>
+          </a:p>
+        </p:txBody>
+      </p:sp>
       <p:sp>
         <p:nvSpPr>
           <p:cNvPr id="3" name="Marcador de contenido 2">
@@ -6396,7 +7227,7 @@
         <p:spPr/>
         <p:txBody>
           <a:bodyPr>
-            <a:normAutofit lnSpcReduction="10000"/>
+            <a:normAutofit fontScale="92500" lnSpcReduction="10000"/>
           </a:bodyPr>
           <a:lstStyle/>
           <a:p>
@@ -6443,7 +7274,7 @@
             </a:r>
             <a:r>
               <a:rPr lang="es-ES" dirty="0"/>
-              <a:t>), el procesamiento de información, y la automatización de procesos (WEF, 2025).</a:t>
+              <a:t>), el procesamiento de información y la automatización de procesos (WEF, 2025).</a:t>
             </a:r>
           </a:p>
           <a:p>
@@ -6466,10 +7297,6 @@
           <a:p>
             <a:pPr lvl="2"/>
             <a:r>
-              <a:rPr lang="es-ES" dirty="0"/>
-              <a:t>Del </a:t>
-            </a:r>
-            <a:r>
               <a:rPr lang="es-ES" b="1" dirty="0"/>
               <a:t>41,6% </a:t>
             </a:r>
@@ -6521,10 +7348,6 @@
           <a:p>
             <a:pPr lvl="2"/>
             <a:r>
-              <a:rPr lang="es-EC" dirty="0"/>
-              <a:t>Del </a:t>
-            </a:r>
-            <a:r>
               <a:rPr lang="es-EC" b="1" dirty="0"/>
               <a:t>10-20%</a:t>
             </a:r>
@@ -6566,14 +7389,24 @@
             </a:r>
           </a:p>
           <a:p>
-            <a:pPr lvl="2"/>
+            <a:pPr marL="914400" lvl="2" indent="0">
+              <a:buNone/>
+            </a:pPr>
+            <a:endParaRPr lang="es-EC" dirty="0"/>
+          </a:p>
+          <a:p>
+            <a:pPr lvl="1"/>
             <a:r>
               <a:rPr lang="es-EC" b="1" dirty="0"/>
-              <a:t>Calidad de vida urbana </a:t>
+              <a:t>Uso de IA </a:t>
+            </a:r>
+            <a:r>
+              <a:rPr lang="es-EC" dirty="0"/>
+              <a:t>en </a:t>
             </a:r>
             <a:r>
               <a:rPr lang="es-ES" dirty="0"/>
-              <a:t>mediante la colaboración actores públicos y tecnológicos </a:t>
+              <a:t>la toma de decisiones informadas para la planificación urbana (</a:t>
             </a:r>
             <a:r>
               <a:rPr lang="es-ES" dirty="0" err="1"/>
@@ -6581,7 +7414,7 @@
             </a:r>
             <a:r>
               <a:rPr lang="es-ES" dirty="0"/>
-              <a:t> (2023). </a:t>
+              <a:t>, 2023). </a:t>
             </a:r>
             <a:endParaRPr lang="es-EC" dirty="0"/>
           </a:p>
@@ -6836,7 +7669,7 @@
                                         <p:tgtEl>
                                           <p:spTgt spid="3">
                                             <p:txEl>
-                                              <p:pRg st="7" end="7"/>
+                                              <p:pRg st="8" end="8"/>
                                             </p:txEl>
                                           </p:spTgt>
                                         </p:tgtEl>
@@ -6883,180 +7716,6 @@
       <p:bldP spid="3" grpId="0" build="p"/>
     </p:bldLst>
   </p:timing>
-</p:sld>
-</file>
-
-<file path=ppt/slides/slide8.xml><?xml version="1.0" encoding="utf-8"?>
-<p:sld xmlns:a="http://schemas.openxmlformats.org/drawingml/2006/main" xmlns:r="http://schemas.openxmlformats.org/officeDocument/2006/relationships" xmlns:p="http://schemas.openxmlformats.org/presentationml/2006/main">
-  <p:cSld>
-    <p:spTree>
-      <p:nvGrpSpPr>
-        <p:cNvPr id="1" name=""/>
-        <p:cNvGrpSpPr/>
-        <p:nvPr/>
-      </p:nvGrpSpPr>
-      <p:grpSpPr>
-        <a:xfrm>
-          <a:off x="0" y="0"/>
-          <a:ext cx="0" cy="0"/>
-          <a:chOff x="0" y="0"/>
-          <a:chExt cx="0" cy="0"/>
-        </a:xfrm>
-      </p:grpSpPr>
-      <p:sp>
-        <p:nvSpPr>
-          <p:cNvPr id="2" name="Título 1">
-            <a:extLst>
-              <a:ext uri="{FF2B5EF4-FFF2-40B4-BE49-F238E27FC236}">
-                <a16:creationId xmlns:a16="http://schemas.microsoft.com/office/drawing/2014/main" id="{0C3FA965-AE29-DCF1-E968-B0985904DE2F}"/>
-              </a:ext>
-            </a:extLst>
-          </p:cNvPr>
-          <p:cNvSpPr>
-            <a:spLocks noGrp="1"/>
-          </p:cNvSpPr>
-          <p:nvPr>
-            <p:ph type="title"/>
-          </p:nvPr>
-        </p:nvSpPr>
-        <p:spPr/>
-        <p:txBody>
-          <a:bodyPr/>
-          <a:lstStyle/>
-          <a:p>
-            <a:r>
-              <a:rPr lang="es-EC" dirty="0"/>
-              <a:t>Perfil de Egreso (Competencias)</a:t>
-            </a:r>
-          </a:p>
-        </p:txBody>
-      </p:sp>
-      <p:pic>
-        <p:nvPicPr>
-          <p:cNvPr id="8" name="Marcador de contenido 7">
-            <a:extLst>
-              <a:ext uri="{FF2B5EF4-FFF2-40B4-BE49-F238E27FC236}">
-                <a16:creationId xmlns:a16="http://schemas.microsoft.com/office/drawing/2014/main" id="{31FA5815-5A35-414D-BBAF-2D7B2FC684BE}"/>
-              </a:ext>
-            </a:extLst>
-          </p:cNvPr>
-          <p:cNvPicPr>
-            <a:picLocks noGrp="1" noChangeAspect="1"/>
-          </p:cNvPicPr>
-          <p:nvPr>
-            <p:ph idx="1"/>
-          </p:nvPr>
-        </p:nvPicPr>
-        <p:blipFill>
-          <a:blip r:embed="rId2"/>
-          <a:stretch>
-            <a:fillRect/>
-          </a:stretch>
-        </p:blipFill>
-        <p:spPr>
-          <a:xfrm>
-            <a:off x="432073" y="1541397"/>
-            <a:ext cx="11327854" cy="4507167"/>
-          </a:xfrm>
-        </p:spPr>
-      </p:pic>
-    </p:spTree>
-    <p:extLst>
-      <p:ext uri="{BB962C8B-B14F-4D97-AF65-F5344CB8AC3E}">
-        <p14:creationId xmlns:p14="http://schemas.microsoft.com/office/powerpoint/2010/main" val="4032803547"/>
-      </p:ext>
-    </p:extLst>
-  </p:cSld>
-  <p:clrMapOvr>
-    <a:masterClrMapping/>
-  </p:clrMapOvr>
-</p:sld>
-</file>
-
-<file path=ppt/slides/slide9.xml><?xml version="1.0" encoding="utf-8"?>
-<p:sld xmlns:a="http://schemas.openxmlformats.org/drawingml/2006/main" xmlns:r="http://schemas.openxmlformats.org/officeDocument/2006/relationships" xmlns:p="http://schemas.openxmlformats.org/presentationml/2006/main">
-  <p:cSld>
-    <p:spTree>
-      <p:nvGrpSpPr>
-        <p:cNvPr id="1" name=""/>
-        <p:cNvGrpSpPr/>
-        <p:nvPr/>
-      </p:nvGrpSpPr>
-      <p:grpSpPr>
-        <a:xfrm>
-          <a:off x="0" y="0"/>
-          <a:ext cx="0" cy="0"/>
-          <a:chOff x="0" y="0"/>
-          <a:chExt cx="0" cy="0"/>
-        </a:xfrm>
-      </p:grpSpPr>
-      <p:sp>
-        <p:nvSpPr>
-          <p:cNvPr id="2" name="Título 1">
-            <a:extLst>
-              <a:ext uri="{FF2B5EF4-FFF2-40B4-BE49-F238E27FC236}">
-                <a16:creationId xmlns:a16="http://schemas.microsoft.com/office/drawing/2014/main" id="{68B223B2-51A2-0024-F4AB-D681A56FFE9F}"/>
-              </a:ext>
-            </a:extLst>
-          </p:cNvPr>
-          <p:cNvSpPr>
-            <a:spLocks noGrp="1"/>
-          </p:cNvSpPr>
-          <p:nvPr>
-            <p:ph type="title"/>
-          </p:nvPr>
-        </p:nvSpPr>
-        <p:spPr/>
-        <p:txBody>
-          <a:bodyPr/>
-          <a:lstStyle/>
-          <a:p>
-            <a:r>
-              <a:rPr lang="es-EC" dirty="0"/>
-              <a:t>Perfil de Egreso (Competencias)</a:t>
-            </a:r>
-          </a:p>
-        </p:txBody>
-      </p:sp>
-      <p:pic>
-        <p:nvPicPr>
-          <p:cNvPr id="7" name="Marcador de contenido 6">
-            <a:extLst>
-              <a:ext uri="{FF2B5EF4-FFF2-40B4-BE49-F238E27FC236}">
-                <a16:creationId xmlns:a16="http://schemas.microsoft.com/office/drawing/2014/main" id="{F8FC3826-66C6-B6EA-E907-C69FBB9166D7}"/>
-              </a:ext>
-            </a:extLst>
-          </p:cNvPr>
-          <p:cNvPicPr>
-            <a:picLocks noGrp="1" noChangeAspect="1"/>
-          </p:cNvPicPr>
-          <p:nvPr>
-            <p:ph idx="1"/>
-          </p:nvPr>
-        </p:nvPicPr>
-        <p:blipFill>
-          <a:blip r:embed="rId2"/>
-          <a:stretch>
-            <a:fillRect/>
-          </a:stretch>
-        </p:blipFill>
-        <p:spPr>
-          <a:xfrm>
-            <a:off x="364196" y="2011654"/>
-            <a:ext cx="11181873" cy="4193203"/>
-          </a:xfrm>
-        </p:spPr>
-      </p:pic>
-    </p:spTree>
-    <p:extLst>
-      <p:ext uri="{BB962C8B-B14F-4D97-AF65-F5344CB8AC3E}">
-        <p14:creationId xmlns:p14="http://schemas.microsoft.com/office/powerpoint/2010/main" val="580284884"/>
-      </p:ext>
-    </p:extLst>
-  </p:cSld>
-  <p:clrMapOvr>
-    <a:masterClrMapping/>
-  </p:clrMapOvr>
 </p:sld>
 </file>
 

--- a/03 Presentación - CDIA.pptx
+++ b/03 Presentación - CDIA.pptx
@@ -14,8 +14,8 @@
     <p:sldId id="269" r:id="rId8"/>
     <p:sldId id="270" r:id="rId9"/>
     <p:sldId id="264" r:id="rId10"/>
-    <p:sldId id="261" r:id="rId11"/>
-    <p:sldId id="271" r:id="rId12"/>
+    <p:sldId id="271" r:id="rId11"/>
+    <p:sldId id="261" r:id="rId12"/>
     <p:sldId id="266" r:id="rId13"/>
     <p:sldId id="260" r:id="rId14"/>
   </p:sldIdLst>
@@ -273,7 +273,7 @@
           <a:p>
             <a:fld id="{EFF27265-5A35-4507-BA5A-A8DC4F8205C0}" type="datetimeFigureOut">
               <a:rPr lang="es-EC" smtClean="0"/>
-              <a:t>19/5/2025</a:t>
+              <a:t>20/5/2025</a:t>
             </a:fld>
             <a:endParaRPr lang="es-EC"/>
           </a:p>
@@ -473,7 +473,7 @@
           <a:p>
             <a:fld id="{EFF27265-5A35-4507-BA5A-A8DC4F8205C0}" type="datetimeFigureOut">
               <a:rPr lang="es-EC" smtClean="0"/>
-              <a:t>19/5/2025</a:t>
+              <a:t>20/5/2025</a:t>
             </a:fld>
             <a:endParaRPr lang="es-EC"/>
           </a:p>
@@ -683,7 +683,7 @@
           <a:p>
             <a:fld id="{EFF27265-5A35-4507-BA5A-A8DC4F8205C0}" type="datetimeFigureOut">
               <a:rPr lang="es-EC" smtClean="0"/>
-              <a:t>19/5/2025</a:t>
+              <a:t>20/5/2025</a:t>
             </a:fld>
             <a:endParaRPr lang="es-EC"/>
           </a:p>
@@ -883,7 +883,7 @@
           <a:p>
             <a:fld id="{EFF27265-5A35-4507-BA5A-A8DC4F8205C0}" type="datetimeFigureOut">
               <a:rPr lang="es-EC" smtClean="0"/>
-              <a:t>19/5/2025</a:t>
+              <a:t>20/5/2025</a:t>
             </a:fld>
             <a:endParaRPr lang="es-EC"/>
           </a:p>
@@ -1159,7 +1159,7 @@
           <a:p>
             <a:fld id="{EFF27265-5A35-4507-BA5A-A8DC4F8205C0}" type="datetimeFigureOut">
               <a:rPr lang="es-EC" smtClean="0"/>
-              <a:t>19/5/2025</a:t>
+              <a:t>20/5/2025</a:t>
             </a:fld>
             <a:endParaRPr lang="es-EC"/>
           </a:p>
@@ -1427,7 +1427,7 @@
           <a:p>
             <a:fld id="{EFF27265-5A35-4507-BA5A-A8DC4F8205C0}" type="datetimeFigureOut">
               <a:rPr lang="es-EC" smtClean="0"/>
-              <a:t>19/5/2025</a:t>
+              <a:t>20/5/2025</a:t>
             </a:fld>
             <a:endParaRPr lang="es-EC"/>
           </a:p>
@@ -1842,7 +1842,7 @@
           <a:p>
             <a:fld id="{EFF27265-5A35-4507-BA5A-A8DC4F8205C0}" type="datetimeFigureOut">
               <a:rPr lang="es-EC" smtClean="0"/>
-              <a:t>19/5/2025</a:t>
+              <a:t>20/5/2025</a:t>
             </a:fld>
             <a:endParaRPr lang="es-EC"/>
           </a:p>
@@ -1984,7 +1984,7 @@
           <a:p>
             <a:fld id="{EFF27265-5A35-4507-BA5A-A8DC4F8205C0}" type="datetimeFigureOut">
               <a:rPr lang="es-EC" smtClean="0"/>
-              <a:t>19/5/2025</a:t>
+              <a:t>20/5/2025</a:t>
             </a:fld>
             <a:endParaRPr lang="es-EC"/>
           </a:p>
@@ -2097,7 +2097,7 @@
           <a:p>
             <a:fld id="{EFF27265-5A35-4507-BA5A-A8DC4F8205C0}" type="datetimeFigureOut">
               <a:rPr lang="es-EC" smtClean="0"/>
-              <a:t>19/5/2025</a:t>
+              <a:t>20/5/2025</a:t>
             </a:fld>
             <a:endParaRPr lang="es-EC"/>
           </a:p>
@@ -2410,7 +2410,7 @@
           <a:p>
             <a:fld id="{EFF27265-5A35-4507-BA5A-A8DC4F8205C0}" type="datetimeFigureOut">
               <a:rPr lang="es-EC" smtClean="0"/>
-              <a:t>19/5/2025</a:t>
+              <a:t>20/5/2025</a:t>
             </a:fld>
             <a:endParaRPr lang="es-EC"/>
           </a:p>
@@ -2699,7 +2699,7 @@
           <a:p>
             <a:fld id="{EFF27265-5A35-4507-BA5A-A8DC4F8205C0}" type="datetimeFigureOut">
               <a:rPr lang="es-EC" smtClean="0"/>
-              <a:t>19/5/2025</a:t>
+              <a:t>20/5/2025</a:t>
             </a:fld>
             <a:endParaRPr lang="es-EC"/>
           </a:p>
@@ -2942,7 +2942,7 @@
           <a:p>
             <a:fld id="{EFF27265-5A35-4507-BA5A-A8DC4F8205C0}" type="datetimeFigureOut">
               <a:rPr lang="es-EC" smtClean="0"/>
-              <a:t>19/5/2025</a:t>
+              <a:t>20/5/2025</a:t>
             </a:fld>
             <a:endParaRPr lang="es-EC"/>
           </a:p>
@@ -3441,128 +3441,6 @@
   <p:cSld>
     <p:spTree>
       <p:nvGrpSpPr>
-        <p:cNvPr id="1" name=""/>
-        <p:cNvGrpSpPr/>
-        <p:nvPr/>
-      </p:nvGrpSpPr>
-      <p:grpSpPr>
-        <a:xfrm>
-          <a:off x="0" y="0"/>
-          <a:ext cx="0" cy="0"/>
-          <a:chOff x="0" y="0"/>
-          <a:chExt cx="0" cy="0"/>
-        </a:xfrm>
-      </p:grpSpPr>
-      <p:sp>
-        <p:nvSpPr>
-          <p:cNvPr id="2" name="Título 1">
-            <a:extLst>
-              <a:ext uri="{FF2B5EF4-FFF2-40B4-BE49-F238E27FC236}">
-                <a16:creationId xmlns:a16="http://schemas.microsoft.com/office/drawing/2014/main" id="{0C3FA965-AE29-DCF1-E968-B0985904DE2F}"/>
-              </a:ext>
-            </a:extLst>
-          </p:cNvPr>
-          <p:cNvSpPr>
-            <a:spLocks noGrp="1"/>
-          </p:cNvSpPr>
-          <p:nvPr>
-            <p:ph type="title"/>
-          </p:nvPr>
-        </p:nvSpPr>
-        <p:spPr/>
-        <p:txBody>
-          <a:bodyPr/>
-          <a:lstStyle/>
-          <a:p>
-            <a:r>
-              <a:rPr lang="es-EC" dirty="0"/>
-              <a:t>Perfil de Egreso (Competencias)</a:t>
-            </a:r>
-          </a:p>
-        </p:txBody>
-      </p:sp>
-      <p:sp>
-        <p:nvSpPr>
-          <p:cNvPr id="4" name="Marcador de contenido 3">
-            <a:extLst>
-              <a:ext uri="{FF2B5EF4-FFF2-40B4-BE49-F238E27FC236}">
-                <a16:creationId xmlns:a16="http://schemas.microsoft.com/office/drawing/2014/main" id="{EAB80870-96C7-9B57-CC27-1AA8D795A78A}"/>
-              </a:ext>
-            </a:extLst>
-          </p:cNvPr>
-          <p:cNvSpPr>
-            <a:spLocks noGrp="1"/>
-          </p:cNvSpPr>
-          <p:nvPr>
-            <p:ph idx="1"/>
-          </p:nvPr>
-        </p:nvSpPr>
-        <p:spPr/>
-        <p:txBody>
-          <a:bodyPr>
-            <a:normAutofit/>
-          </a:bodyPr>
-          <a:lstStyle/>
-          <a:p>
-            <a:pPr marL="0" indent="0">
-              <a:buNone/>
-            </a:pPr>
-            <a:r>
-              <a:rPr lang="es-ES" b="1" dirty="0"/>
-              <a:t>Gestionar </a:t>
-            </a:r>
-            <a:r>
-              <a:rPr lang="es-ES" dirty="0"/>
-              <a:t>hallazgos tecnológicos en los contextos de la analítica avanzada de datos y algoritmos inteligentes </a:t>
-            </a:r>
-            <a:r>
-              <a:rPr lang="es-ES" b="1" dirty="0"/>
-              <a:t>mediante</a:t>
-            </a:r>
-            <a:r>
-              <a:rPr lang="es-ES" dirty="0"/>
-              <a:t> la conexión entre los fundamentos teóricos, pensamiento crítico y la resolución práctica de problemas reales en un entorno científico </a:t>
-            </a:r>
-            <a:r>
-              <a:rPr lang="es-ES" b="1" dirty="0"/>
-              <a:t>para</a:t>
-            </a:r>
-            <a:r>
-              <a:rPr lang="es-ES" dirty="0"/>
-              <a:t> la generación de opiniones técnicas en la toma de decisiones en sectores estratégicos locales e internacionales </a:t>
-            </a:r>
-            <a:r>
-              <a:rPr lang="es-ES" b="1" dirty="0"/>
-              <a:t>asegurando</a:t>
-            </a:r>
-            <a:r>
-              <a:rPr lang="es-ES" dirty="0"/>
-              <a:t> la integridad, trazabilidad y relevancia de la información adaptada al público objetivo. </a:t>
-            </a:r>
-          </a:p>
-          <a:p>
-            <a:endParaRPr lang="es-EC" dirty="0"/>
-          </a:p>
-        </p:txBody>
-      </p:sp>
-    </p:spTree>
-    <p:extLst>
-      <p:ext uri="{BB962C8B-B14F-4D97-AF65-F5344CB8AC3E}">
-        <p14:creationId xmlns:p14="http://schemas.microsoft.com/office/powerpoint/2010/main" val="4032803547"/>
-      </p:ext>
-    </p:extLst>
-  </p:cSld>
-  <p:clrMapOvr>
-    <a:masterClrMapping/>
-  </p:clrMapOvr>
-</p:sld>
-</file>
-
-<file path=ppt/slides/slide11.xml><?xml version="1.0" encoding="utf-8"?>
-<p:sld xmlns:a="http://schemas.openxmlformats.org/drawingml/2006/main" xmlns:r="http://schemas.openxmlformats.org/officeDocument/2006/relationships" xmlns:p="http://schemas.openxmlformats.org/presentationml/2006/main">
-  <p:cSld>
-    <p:spTree>
-      <p:nvGrpSpPr>
         <p:cNvPr id="1" name="">
           <a:extLst>
             <a:ext uri="{FF2B5EF4-FFF2-40B4-BE49-F238E27FC236}">
@@ -3677,6 +3555,130 @@
     <p:extLst>
       <p:ext uri="{BB962C8B-B14F-4D97-AF65-F5344CB8AC3E}">
         <p14:creationId xmlns:p14="http://schemas.microsoft.com/office/powerpoint/2010/main" val="2971138158"/>
+      </p:ext>
+    </p:extLst>
+  </p:cSld>
+  <p:clrMapOvr>
+    <a:masterClrMapping/>
+  </p:clrMapOvr>
+</p:sld>
+</file>
+
+<file path=ppt/slides/slide11.xml><?xml version="1.0" encoding="utf-8"?>
+<p:sld xmlns:a="http://schemas.openxmlformats.org/drawingml/2006/main" xmlns:r="http://schemas.openxmlformats.org/officeDocument/2006/relationships" xmlns:p="http://schemas.openxmlformats.org/presentationml/2006/main">
+  <p:cSld>
+    <p:spTree>
+      <p:nvGrpSpPr>
+        <p:cNvPr id="1" name=""/>
+        <p:cNvGrpSpPr/>
+        <p:nvPr/>
+      </p:nvGrpSpPr>
+      <p:grpSpPr>
+        <a:xfrm>
+          <a:off x="0" y="0"/>
+          <a:ext cx="0" cy="0"/>
+          <a:chOff x="0" y="0"/>
+          <a:chExt cx="0" cy="0"/>
+        </a:xfrm>
+      </p:grpSpPr>
+      <p:sp>
+        <p:nvSpPr>
+          <p:cNvPr id="2" name="Título 1">
+            <a:extLst>
+              <a:ext uri="{FF2B5EF4-FFF2-40B4-BE49-F238E27FC236}">
+                <a16:creationId xmlns:a16="http://schemas.microsoft.com/office/drawing/2014/main" id="{0C3FA965-AE29-DCF1-E968-B0985904DE2F}"/>
+              </a:ext>
+            </a:extLst>
+          </p:cNvPr>
+          <p:cNvSpPr>
+            <a:spLocks noGrp="1"/>
+          </p:cNvSpPr>
+          <p:nvPr>
+            <p:ph type="title"/>
+          </p:nvPr>
+        </p:nvSpPr>
+        <p:spPr/>
+        <p:txBody>
+          <a:bodyPr/>
+          <a:lstStyle/>
+          <a:p>
+            <a:r>
+              <a:rPr lang="es-EC" dirty="0"/>
+              <a:t>Perfil de Egreso (Competencias)</a:t>
+            </a:r>
+          </a:p>
+        </p:txBody>
+      </p:sp>
+      <p:sp>
+        <p:nvSpPr>
+          <p:cNvPr id="4" name="Marcador de contenido 3">
+            <a:extLst>
+              <a:ext uri="{FF2B5EF4-FFF2-40B4-BE49-F238E27FC236}">
+                <a16:creationId xmlns:a16="http://schemas.microsoft.com/office/drawing/2014/main" id="{EAB80870-96C7-9B57-CC27-1AA8D795A78A}"/>
+              </a:ext>
+            </a:extLst>
+          </p:cNvPr>
+          <p:cNvSpPr>
+            <a:spLocks noGrp="1"/>
+          </p:cNvSpPr>
+          <p:nvPr>
+            <p:ph idx="1"/>
+          </p:nvPr>
+        </p:nvSpPr>
+        <p:spPr/>
+        <p:txBody>
+          <a:bodyPr>
+            <a:normAutofit/>
+          </a:bodyPr>
+          <a:lstStyle/>
+          <a:p>
+            <a:pPr marL="0" indent="0">
+              <a:buNone/>
+            </a:pPr>
+            <a:r>
+              <a:rPr lang="es-EC" b="1" dirty="0"/>
+              <a:t>Generar</a:t>
+            </a:r>
+            <a:r>
+              <a:rPr lang="es-EC" dirty="0"/>
+              <a:t> reportes tecnológicos </a:t>
+            </a:r>
+            <a:r>
+              <a:rPr lang="es-ES" dirty="0"/>
+              <a:t>en los contextos de la analítica avanzada de datos y algoritmos inteligentes </a:t>
+            </a:r>
+            <a:r>
+              <a:rPr lang="es-ES" b="1" dirty="0"/>
+              <a:t>mediante</a:t>
+            </a:r>
+            <a:r>
+              <a:rPr lang="es-ES" dirty="0"/>
+              <a:t> la conexión entre los fundamentos teóricos, pensamiento crítico y la resolución práctica de problemas reales en un entorno científico internacionales </a:t>
+            </a:r>
+            <a:r>
+              <a:rPr lang="es-ES" b="1" dirty="0"/>
+              <a:t>para</a:t>
+            </a:r>
+            <a:r>
+              <a:rPr lang="es-ES" dirty="0"/>
+              <a:t> la toma de decisiones en sectores estratégicos locales e internacionales </a:t>
+            </a:r>
+            <a:r>
+              <a:rPr lang="es-ES" b="1" dirty="0"/>
+              <a:t>asegurando</a:t>
+            </a:r>
+            <a:r>
+              <a:rPr lang="es-ES" dirty="0"/>
+              <a:t> la integridad, trazabilidad y relevancia de la información adaptada al público objetivo. </a:t>
+            </a:r>
+            <a:endParaRPr lang="es-EC" dirty="0"/>
+          </a:p>
+        </p:txBody>
+      </p:sp>
+    </p:spTree>
+    <p:extLst>
+      <p:ext uri="{BB962C8B-B14F-4D97-AF65-F5344CB8AC3E}">
+        <p14:creationId xmlns:p14="http://schemas.microsoft.com/office/powerpoint/2010/main" val="4032803547"/>
       </p:ext>
     </p:extLst>
   </p:cSld>
@@ -3775,8 +3777,16 @@
           <a:p>
             <a:pPr lvl="1"/>
             <a:r>
+              <a:rPr lang="es-ES" dirty="0">
+                <a:highlight>
+                  <a:srgbClr val="FFFF00"/>
+                </a:highlight>
+              </a:rPr>
+              <a:t>Arquitectura</a:t>
+            </a:r>
+            <a:r>
               <a:rPr lang="es-ES" dirty="0"/>
-              <a:t>Infraestructura para la gestión de datos en la nube</a:t>
+              <a:t> para la gestión de datos en la nube</a:t>
             </a:r>
             <a:endParaRPr lang="es-EC" dirty="0"/>
           </a:p>

--- a/03 Presentación - CDIA.pptx
+++ b/03 Presentación - CDIA.pptx
@@ -124,6 +124,38 @@
 </p:presentation>
 </file>
 
+<file path=ppt/authors.xml><?xml version="1.0" encoding="utf-8"?>
+<p188:authorLst xmlns:a="http://schemas.openxmlformats.org/drawingml/2006/main" xmlns:r="http://schemas.openxmlformats.org/officeDocument/2006/relationships" xmlns:p188="http://schemas.microsoft.com/office/powerpoint/2018/8/main">
+  <p188:author id="{74E63319-9E11-C7F2-DAEF-2A70A7292C69}" name="Allan Roberto Avendano Sudario" initials="AA" userId="S::aavendan@espol.edu.ec::2da446f2-9beb-4498-8e19-f536a8c6e64e" providerId="AD"/>
+</p188:authorLst>
+</file>
+
+<file path=ppt/comments/modernComment_105_F05FB2DB.xml><?xml version="1.0" encoding="utf-8"?>
+<p188:cmLst xmlns:a="http://schemas.openxmlformats.org/drawingml/2006/main" xmlns:r="http://schemas.openxmlformats.org/officeDocument/2006/relationships" xmlns:p188="http://schemas.microsoft.com/office/powerpoint/2018/8/main">
+  <p188:cm id="{41ED4AD1-F12F-4CAF-8327-C7C9614FDCF0}" authorId="{74E63319-9E11-C7F2-DAEF-2A70A7292C69}" created="2025-05-25T13:48:10.261">
+    <ac:txMkLst xmlns:ac="http://schemas.microsoft.com/office/drawing/2013/main/command">
+      <pc:docMk xmlns:pc="http://schemas.microsoft.com/office/powerpoint/2013/main/command"/>
+      <pc:sldMk xmlns:pc="http://schemas.microsoft.com/office/powerpoint/2013/main/command" cId="4032803547" sldId="261"/>
+      <ac:spMk id="4" creationId="{EAB80870-96C7-9B57-CC27-1AA8D795A78A}"/>
+      <ac:txMk cp="0" len="444">
+        <ac:context len="445" hash="3985152263"/>
+      </ac:txMk>
+    </ac:txMkLst>
+    <p188:pos x="10518058" y="278478"/>
+    <p188:txBody>
+      <a:bodyPr/>
+      <a:lstStyle/>
+      <a:p>
+        <a:r>
+          <a:rPr lang="es-EC"/>
+          <a:t>En el aspecto comunicacional podría subir como Competencia institucional</a:t>
+        </a:r>
+      </a:p>
+    </p188:txBody>
+  </p188:cm>
+</p188:cmLst>
+</file>
+
 <file path=ppt/slideLayouts/slideLayout1.xml><?xml version="1.0" encoding="utf-8"?>
 <p:sldLayout xmlns:a="http://schemas.openxmlformats.org/drawingml/2006/main" xmlns:r="http://schemas.openxmlformats.org/officeDocument/2006/relationships" xmlns:p="http://schemas.openxmlformats.org/presentationml/2006/main" type="title" preserve="1">
   <p:cSld name="Diapositiva de título">
@@ -273,7 +305,7 @@
           <a:p>
             <a:fld id="{EFF27265-5A35-4507-BA5A-A8DC4F8205C0}" type="datetimeFigureOut">
               <a:rPr lang="es-EC" smtClean="0"/>
-              <a:t>20/5/2025</a:t>
+              <a:t>25/5/2025</a:t>
             </a:fld>
             <a:endParaRPr lang="es-EC"/>
           </a:p>
@@ -473,7 +505,7 @@
           <a:p>
             <a:fld id="{EFF27265-5A35-4507-BA5A-A8DC4F8205C0}" type="datetimeFigureOut">
               <a:rPr lang="es-EC" smtClean="0"/>
-              <a:t>20/5/2025</a:t>
+              <a:t>25/5/2025</a:t>
             </a:fld>
             <a:endParaRPr lang="es-EC"/>
           </a:p>
@@ -683,7 +715,7 @@
           <a:p>
             <a:fld id="{EFF27265-5A35-4507-BA5A-A8DC4F8205C0}" type="datetimeFigureOut">
               <a:rPr lang="es-EC" smtClean="0"/>
-              <a:t>20/5/2025</a:t>
+              <a:t>25/5/2025</a:t>
             </a:fld>
             <a:endParaRPr lang="es-EC"/>
           </a:p>
@@ -883,7 +915,7 @@
           <a:p>
             <a:fld id="{EFF27265-5A35-4507-BA5A-A8DC4F8205C0}" type="datetimeFigureOut">
               <a:rPr lang="es-EC" smtClean="0"/>
-              <a:t>20/5/2025</a:t>
+              <a:t>25/5/2025</a:t>
             </a:fld>
             <a:endParaRPr lang="es-EC"/>
           </a:p>
@@ -1159,7 +1191,7 @@
           <a:p>
             <a:fld id="{EFF27265-5A35-4507-BA5A-A8DC4F8205C0}" type="datetimeFigureOut">
               <a:rPr lang="es-EC" smtClean="0"/>
-              <a:t>20/5/2025</a:t>
+              <a:t>25/5/2025</a:t>
             </a:fld>
             <a:endParaRPr lang="es-EC"/>
           </a:p>
@@ -1427,7 +1459,7 @@
           <a:p>
             <a:fld id="{EFF27265-5A35-4507-BA5A-A8DC4F8205C0}" type="datetimeFigureOut">
               <a:rPr lang="es-EC" smtClean="0"/>
-              <a:t>20/5/2025</a:t>
+              <a:t>25/5/2025</a:t>
             </a:fld>
             <a:endParaRPr lang="es-EC"/>
           </a:p>
@@ -1842,7 +1874,7 @@
           <a:p>
             <a:fld id="{EFF27265-5A35-4507-BA5A-A8DC4F8205C0}" type="datetimeFigureOut">
               <a:rPr lang="es-EC" smtClean="0"/>
-              <a:t>20/5/2025</a:t>
+              <a:t>25/5/2025</a:t>
             </a:fld>
             <a:endParaRPr lang="es-EC"/>
           </a:p>
@@ -1984,7 +2016,7 @@
           <a:p>
             <a:fld id="{EFF27265-5A35-4507-BA5A-A8DC4F8205C0}" type="datetimeFigureOut">
               <a:rPr lang="es-EC" smtClean="0"/>
-              <a:t>20/5/2025</a:t>
+              <a:t>25/5/2025</a:t>
             </a:fld>
             <a:endParaRPr lang="es-EC"/>
           </a:p>
@@ -2097,7 +2129,7 @@
           <a:p>
             <a:fld id="{EFF27265-5A35-4507-BA5A-A8DC4F8205C0}" type="datetimeFigureOut">
               <a:rPr lang="es-EC" smtClean="0"/>
-              <a:t>20/5/2025</a:t>
+              <a:t>25/5/2025</a:t>
             </a:fld>
             <a:endParaRPr lang="es-EC"/>
           </a:p>
@@ -2410,7 +2442,7 @@
           <a:p>
             <a:fld id="{EFF27265-5A35-4507-BA5A-A8DC4F8205C0}" type="datetimeFigureOut">
               <a:rPr lang="es-EC" smtClean="0"/>
-              <a:t>20/5/2025</a:t>
+              <a:t>25/5/2025</a:t>
             </a:fld>
             <a:endParaRPr lang="es-EC"/>
           </a:p>
@@ -2699,7 +2731,7 @@
           <a:p>
             <a:fld id="{EFF27265-5A35-4507-BA5A-A8DC4F8205C0}" type="datetimeFigureOut">
               <a:rPr lang="es-EC" smtClean="0"/>
-              <a:t>20/5/2025</a:t>
+              <a:t>25/5/2025</a:t>
             </a:fld>
             <a:endParaRPr lang="es-EC"/>
           </a:p>
@@ -2942,7 +2974,7 @@
           <a:p>
             <a:fld id="{EFF27265-5A35-4507-BA5A-A8DC4F8205C0}" type="datetimeFigureOut">
               <a:rPr lang="es-EC" smtClean="0"/>
-              <a:t>20/5/2025</a:t>
+              <a:t>25/5/2025</a:t>
             </a:fld>
             <a:endParaRPr lang="es-EC"/>
           </a:p>
@@ -3519,7 +3551,7 @@
             </a:r>
             <a:r>
               <a:rPr lang="es-ES" dirty="0"/>
-              <a:t> soluciones tecnológicas basadas analítica avanzada de datos y algoritmos inteligentes </a:t>
+              <a:t> soluciones tecnológicas basadas en analítica avanzada de datos y algoritmos inteligentes </a:t>
             </a:r>
             <a:r>
               <a:rPr lang="es-ES" b="1" dirty="0"/>
@@ -3565,7 +3597,7 @@
 </file>
 
 <file path=ppt/slides/slide11.xml><?xml version="1.0" encoding="utf-8"?>
-<p:sld xmlns:a="http://schemas.openxmlformats.org/drawingml/2006/main" xmlns:r="http://schemas.openxmlformats.org/officeDocument/2006/relationships" xmlns:p="http://schemas.openxmlformats.org/presentationml/2006/main">
+<p:sld xmlns:a="http://schemas.openxmlformats.org/drawingml/2006/main" xmlns:r="http://schemas.openxmlformats.org/officeDocument/2006/relationships" xmlns:p="http://schemas.openxmlformats.org/presentationml/2006/main" show="0">
   <p:cSld>
     <p:spTree>
       <p:nvGrpSpPr>
@@ -3685,6 +3717,11 @@
   <p:clrMapOvr>
     <a:masterClrMapping/>
   </p:clrMapOvr>
+  <p:extLst>
+    <p:ext uri="{6950BFC3-D8DA-4A85-94F7-54DA5524770B}">
+      <p188:commentRel xmlns:p188="http://schemas.microsoft.com/office/powerpoint/2018/8/main" r:id="rId2"/>
+    </p:ext>
+  </p:extLst>
 </p:sld>
 </file>
 
@@ -3777,16 +3814,8 @@
           <a:p>
             <a:pPr lvl="1"/>
             <a:r>
-              <a:rPr lang="es-ES" dirty="0">
-                <a:highlight>
-                  <a:srgbClr val="FFFF00"/>
-                </a:highlight>
-              </a:rPr>
-              <a:t>Arquitectura</a:t>
-            </a:r>
-            <a:r>
               <a:rPr lang="es-ES" dirty="0"/>
-              <a:t> para la gestión de datos en la nube</a:t>
+              <a:t>Arquitectura para la gestión de datos en la nube</a:t>
             </a:r>
             <a:endParaRPr lang="es-EC" dirty="0"/>
           </a:p>

--- a/03 Presentación - CDIA.pptx
+++ b/03 Presentación - CDIA.pptx
@@ -15,9 +15,8 @@
     <p:sldId id="270" r:id="rId9"/>
     <p:sldId id="264" r:id="rId10"/>
     <p:sldId id="271" r:id="rId11"/>
-    <p:sldId id="261" r:id="rId12"/>
-    <p:sldId id="266" r:id="rId13"/>
-    <p:sldId id="260" r:id="rId14"/>
+    <p:sldId id="266" r:id="rId12"/>
+    <p:sldId id="260" r:id="rId13"/>
   </p:sldIdLst>
   <p:sldSz cx="12192000" cy="6858000"/>
   <p:notesSz cx="6858000" cy="9144000"/>
@@ -130,32 +129,6 @@
 </p188:authorLst>
 </file>
 
-<file path=ppt/comments/modernComment_105_F05FB2DB.xml><?xml version="1.0" encoding="utf-8"?>
-<p188:cmLst xmlns:a="http://schemas.openxmlformats.org/drawingml/2006/main" xmlns:r="http://schemas.openxmlformats.org/officeDocument/2006/relationships" xmlns:p188="http://schemas.microsoft.com/office/powerpoint/2018/8/main">
-  <p188:cm id="{41ED4AD1-F12F-4CAF-8327-C7C9614FDCF0}" authorId="{74E63319-9E11-C7F2-DAEF-2A70A7292C69}" created="2025-05-25T13:48:10.261">
-    <ac:txMkLst xmlns:ac="http://schemas.microsoft.com/office/drawing/2013/main/command">
-      <pc:docMk xmlns:pc="http://schemas.microsoft.com/office/powerpoint/2013/main/command"/>
-      <pc:sldMk xmlns:pc="http://schemas.microsoft.com/office/powerpoint/2013/main/command" cId="4032803547" sldId="261"/>
-      <ac:spMk id="4" creationId="{EAB80870-96C7-9B57-CC27-1AA8D795A78A}"/>
-      <ac:txMk cp="0" len="444">
-        <ac:context len="445" hash="3985152263"/>
-      </ac:txMk>
-    </ac:txMkLst>
-    <p188:pos x="10518058" y="278478"/>
-    <p188:txBody>
-      <a:bodyPr/>
-      <a:lstStyle/>
-      <a:p>
-        <a:r>
-          <a:rPr lang="es-EC"/>
-          <a:t>En el aspecto comunicacional podría subir como Competencia institucional</a:t>
-        </a:r>
-      </a:p>
-    </p188:txBody>
-  </p188:cm>
-</p188:cmLst>
-</file>
-
 <file path=ppt/slideLayouts/slideLayout1.xml><?xml version="1.0" encoding="utf-8"?>
 <p:sldLayout xmlns:a="http://schemas.openxmlformats.org/drawingml/2006/main" xmlns:r="http://schemas.openxmlformats.org/officeDocument/2006/relationships" xmlns:p="http://schemas.openxmlformats.org/presentationml/2006/main" type="title" preserve="1">
   <p:cSld name="Diapositiva de título">
@@ -305,7 +278,7 @@
           <a:p>
             <a:fld id="{EFF27265-5A35-4507-BA5A-A8DC4F8205C0}" type="datetimeFigureOut">
               <a:rPr lang="es-EC" smtClean="0"/>
-              <a:t>25/5/2025</a:t>
+              <a:t>2/6/2025</a:t>
             </a:fld>
             <a:endParaRPr lang="es-EC"/>
           </a:p>
@@ -505,7 +478,7 @@
           <a:p>
             <a:fld id="{EFF27265-5A35-4507-BA5A-A8DC4F8205C0}" type="datetimeFigureOut">
               <a:rPr lang="es-EC" smtClean="0"/>
-              <a:t>25/5/2025</a:t>
+              <a:t>2/6/2025</a:t>
             </a:fld>
             <a:endParaRPr lang="es-EC"/>
           </a:p>
@@ -715,7 +688,7 @@
           <a:p>
             <a:fld id="{EFF27265-5A35-4507-BA5A-A8DC4F8205C0}" type="datetimeFigureOut">
               <a:rPr lang="es-EC" smtClean="0"/>
-              <a:t>25/5/2025</a:t>
+              <a:t>2/6/2025</a:t>
             </a:fld>
             <a:endParaRPr lang="es-EC"/>
           </a:p>
@@ -915,7 +888,7 @@
           <a:p>
             <a:fld id="{EFF27265-5A35-4507-BA5A-A8DC4F8205C0}" type="datetimeFigureOut">
               <a:rPr lang="es-EC" smtClean="0"/>
-              <a:t>25/5/2025</a:t>
+              <a:t>2/6/2025</a:t>
             </a:fld>
             <a:endParaRPr lang="es-EC"/>
           </a:p>
@@ -1191,7 +1164,7 @@
           <a:p>
             <a:fld id="{EFF27265-5A35-4507-BA5A-A8DC4F8205C0}" type="datetimeFigureOut">
               <a:rPr lang="es-EC" smtClean="0"/>
-              <a:t>25/5/2025</a:t>
+              <a:t>2/6/2025</a:t>
             </a:fld>
             <a:endParaRPr lang="es-EC"/>
           </a:p>
@@ -1459,7 +1432,7 @@
           <a:p>
             <a:fld id="{EFF27265-5A35-4507-BA5A-A8DC4F8205C0}" type="datetimeFigureOut">
               <a:rPr lang="es-EC" smtClean="0"/>
-              <a:t>25/5/2025</a:t>
+              <a:t>2/6/2025</a:t>
             </a:fld>
             <a:endParaRPr lang="es-EC"/>
           </a:p>
@@ -1874,7 +1847,7 @@
           <a:p>
             <a:fld id="{EFF27265-5A35-4507-BA5A-A8DC4F8205C0}" type="datetimeFigureOut">
               <a:rPr lang="es-EC" smtClean="0"/>
-              <a:t>25/5/2025</a:t>
+              <a:t>2/6/2025</a:t>
             </a:fld>
             <a:endParaRPr lang="es-EC"/>
           </a:p>
@@ -2016,7 +1989,7 @@
           <a:p>
             <a:fld id="{EFF27265-5A35-4507-BA5A-A8DC4F8205C0}" type="datetimeFigureOut">
               <a:rPr lang="es-EC" smtClean="0"/>
-              <a:t>25/5/2025</a:t>
+              <a:t>2/6/2025</a:t>
             </a:fld>
             <a:endParaRPr lang="es-EC"/>
           </a:p>
@@ -2129,7 +2102,7 @@
           <a:p>
             <a:fld id="{EFF27265-5A35-4507-BA5A-A8DC4F8205C0}" type="datetimeFigureOut">
               <a:rPr lang="es-EC" smtClean="0"/>
-              <a:t>25/5/2025</a:t>
+              <a:t>2/6/2025</a:t>
             </a:fld>
             <a:endParaRPr lang="es-EC"/>
           </a:p>
@@ -2442,7 +2415,7 @@
           <a:p>
             <a:fld id="{EFF27265-5A35-4507-BA5A-A8DC4F8205C0}" type="datetimeFigureOut">
               <a:rPr lang="es-EC" smtClean="0"/>
-              <a:t>25/5/2025</a:t>
+              <a:t>2/6/2025</a:t>
             </a:fld>
             <a:endParaRPr lang="es-EC"/>
           </a:p>
@@ -2731,7 +2704,7 @@
           <a:p>
             <a:fld id="{EFF27265-5A35-4507-BA5A-A8DC4F8205C0}" type="datetimeFigureOut">
               <a:rPr lang="es-EC" smtClean="0"/>
-              <a:t>25/5/2025</a:t>
+              <a:t>2/6/2025</a:t>
             </a:fld>
             <a:endParaRPr lang="es-EC"/>
           </a:p>
@@ -2974,7 +2947,7 @@
           <a:p>
             <a:fld id="{EFF27265-5A35-4507-BA5A-A8DC4F8205C0}" type="datetimeFigureOut">
               <a:rPr lang="es-EC" smtClean="0"/>
-              <a:t>25/5/2025</a:t>
+              <a:t>2/6/2025</a:t>
             </a:fld>
             <a:endParaRPr lang="es-EC"/>
           </a:p>
@@ -3542,43 +3515,217 @@
           </a:bodyPr>
           <a:lstStyle/>
           <a:p>
-            <a:pPr marL="0" indent="0">
+            <a:pPr algn="just">
+              <a:lnSpc>
+                <a:spcPct val="115000"/>
+              </a:lnSpc>
+              <a:spcAft>
+                <a:spcPts val="1000"/>
+              </a:spcAft>
               <a:buNone/>
             </a:pPr>
             <a:r>
-              <a:rPr lang="es-ES" b="1" dirty="0"/>
+              <a:rPr lang="es-EC" sz="1800" b="1" i="1" dirty="0">
+                <a:effectLst/>
+                <a:latin typeface="Times New Roman" panose="02020603050405020304" pitchFamily="18" charset="0"/>
+                <a:ea typeface="Times New Roman" panose="02020603050405020304" pitchFamily="18" charset="0"/>
+              </a:rPr>
+              <a:t>Diseñar</a:t>
+            </a:r>
+            <a:r>
+              <a:rPr lang="es-EC" sz="1800" i="1" dirty="0">
+                <a:effectLst/>
+                <a:latin typeface="Times New Roman" panose="02020603050405020304" pitchFamily="18" charset="0"/>
+                <a:ea typeface="Times New Roman" panose="02020603050405020304" pitchFamily="18" charset="0"/>
+              </a:rPr>
+              <a:t> soluciones tecnológicas basadas en analítica avanzada de datos y algoritmos inteligentes </a:t>
+            </a:r>
+            <a:r>
+              <a:rPr lang="es-EC" sz="1800" b="1" i="1" dirty="0">
+                <a:effectLst/>
+                <a:latin typeface="Times New Roman" panose="02020603050405020304" pitchFamily="18" charset="0"/>
+                <a:ea typeface="Times New Roman" panose="02020603050405020304" pitchFamily="18" charset="0"/>
+              </a:rPr>
+              <a:t>mediante</a:t>
+            </a:r>
+            <a:r>
+              <a:rPr lang="es-EC" sz="1800" i="1" dirty="0">
+                <a:effectLst/>
+                <a:latin typeface="Times New Roman" panose="02020603050405020304" pitchFamily="18" charset="0"/>
+                <a:ea typeface="Times New Roman" panose="02020603050405020304" pitchFamily="18" charset="0"/>
+              </a:rPr>
+              <a:t> la aplicación de los fundamentos de las ciencias de la computación, la estadística inferencial, la matemática aplicada, la ingeniería de software y el ciclo de vida de los datos </a:t>
+            </a:r>
+            <a:r>
+              <a:rPr lang="es-EC" sz="1800" b="1" i="1" dirty="0">
+                <a:effectLst/>
+                <a:latin typeface="Times New Roman" panose="02020603050405020304" pitchFamily="18" charset="0"/>
+                <a:ea typeface="Times New Roman" panose="02020603050405020304" pitchFamily="18" charset="0"/>
+              </a:rPr>
+              <a:t>para </a:t>
+            </a:r>
+            <a:r>
+              <a:rPr lang="es-EC" sz="1800" i="1" dirty="0">
+                <a:effectLst/>
+                <a:latin typeface="Times New Roman" panose="02020603050405020304" pitchFamily="18" charset="0"/>
+                <a:ea typeface="Times New Roman" panose="02020603050405020304" pitchFamily="18" charset="0"/>
+              </a:rPr>
+              <a:t>el cumplimiento de los requerimientos de los involucrados</a:t>
+            </a:r>
+            <a:r>
+              <a:rPr lang="es-EC" sz="1800" b="1" i="1" dirty="0">
+                <a:effectLst/>
+                <a:latin typeface="Times New Roman" panose="02020603050405020304" pitchFamily="18" charset="0"/>
+                <a:ea typeface="Times New Roman" panose="02020603050405020304" pitchFamily="18" charset="0"/>
+              </a:rPr>
+              <a:t> considerando </a:t>
+            </a:r>
+            <a:r>
+              <a:rPr lang="es-EC" sz="1800" i="1" dirty="0">
+                <a:effectLst/>
+                <a:latin typeface="Times New Roman" panose="02020603050405020304" pitchFamily="18" charset="0"/>
+                <a:ea typeface="Times New Roman" panose="02020603050405020304" pitchFamily="18" charset="0"/>
+              </a:rPr>
+              <a:t>el impacto de los aspectos éticos, sociales y económicos.</a:t>
+            </a:r>
+            <a:endParaRPr lang="es-EC" sz="1800" dirty="0">
+              <a:effectLst/>
+              <a:latin typeface="Times New Roman" panose="02020603050405020304" pitchFamily="18" charset="0"/>
+              <a:ea typeface="Times New Roman" panose="02020603050405020304" pitchFamily="18" charset="0"/>
+            </a:endParaRPr>
+          </a:p>
+          <a:p>
+            <a:pPr algn="just">
+              <a:lnSpc>
+                <a:spcPct val="115000"/>
+              </a:lnSpc>
+              <a:spcAft>
+                <a:spcPts val="1000"/>
+              </a:spcAft>
+              <a:buNone/>
+            </a:pPr>
+            <a:r>
+              <a:rPr lang="es-EC" sz="1800" b="1" i="1" dirty="0">
+                <a:effectLst/>
+                <a:latin typeface="Times New Roman" panose="02020603050405020304" pitchFamily="18" charset="0"/>
+                <a:ea typeface="Times New Roman" panose="02020603050405020304" pitchFamily="18" charset="0"/>
+              </a:rPr>
               <a:t>Implementar</a:t>
             </a:r>
             <a:r>
-              <a:rPr lang="es-ES" dirty="0"/>
-              <a:t> soluciones tecnológicas basadas en analítica avanzada de datos y algoritmos inteligentes </a:t>
-            </a:r>
-            <a:r>
-              <a:rPr lang="es-ES" b="1" dirty="0"/>
+              <a:rPr lang="es-EC" sz="1800" i="1" dirty="0">
+                <a:effectLst/>
+                <a:latin typeface="Times New Roman" panose="02020603050405020304" pitchFamily="18" charset="0"/>
+                <a:ea typeface="Times New Roman" panose="02020603050405020304" pitchFamily="18" charset="0"/>
+              </a:rPr>
+              <a:t> sistemas tecnológicos basados en datos y algoritmos inteligentes </a:t>
+            </a:r>
+            <a:r>
+              <a:rPr lang="es-EC" sz="1800" b="1" i="1" dirty="0">
+                <a:effectLst/>
+                <a:latin typeface="Times New Roman" panose="02020603050405020304" pitchFamily="18" charset="0"/>
+                <a:ea typeface="Times New Roman" panose="02020603050405020304" pitchFamily="18" charset="0"/>
+              </a:rPr>
               <a:t>mediante</a:t>
             </a:r>
             <a:r>
-              <a:rPr lang="es-ES" dirty="0"/>
-              <a:t> la aplicación de los fundamentos de las ciencias de la computación, la estadística inferencial, la matemática aplicada, la ingeniería de software y el ciclo de vida de los datos </a:t>
-            </a:r>
-            <a:r>
-              <a:rPr lang="es-ES" b="1" dirty="0"/>
+              <a:rPr lang="es-EC" sz="1800" i="1" dirty="0">
+                <a:effectLst/>
+                <a:latin typeface="Times New Roman" panose="02020603050405020304" pitchFamily="18" charset="0"/>
+                <a:ea typeface="Times New Roman" panose="02020603050405020304" pitchFamily="18" charset="0"/>
+              </a:rPr>
+              <a:t> la resolución de problemas específicos relacionados con la eficiencia en la productividad en entornos colaborativos, multidisciplinarios y en continua evolución</a:t>
+            </a:r>
+            <a:r>
+              <a:rPr lang="es-EC" sz="1800" b="1" i="1" dirty="0">
+                <a:effectLst/>
+                <a:latin typeface="Times New Roman" panose="02020603050405020304" pitchFamily="18" charset="0"/>
+                <a:ea typeface="Times New Roman" panose="02020603050405020304" pitchFamily="18" charset="0"/>
+              </a:rPr>
+              <a:t> aplicando</a:t>
+            </a:r>
+            <a:r>
+              <a:rPr lang="es-EC" sz="1800" i="1" dirty="0">
+                <a:effectLst/>
+                <a:latin typeface="Times New Roman" panose="02020603050405020304" pitchFamily="18" charset="0"/>
+                <a:ea typeface="Times New Roman" panose="02020603050405020304" pitchFamily="18" charset="0"/>
+              </a:rPr>
+              <a:t> los estándares locales, nacionales e internacionales; así como, los marcos legales y regulatorios en la construcción de sistemas inteligentes robustos y escalables.</a:t>
+            </a:r>
+            <a:endParaRPr lang="es-EC" sz="1800" dirty="0">
+              <a:effectLst/>
+              <a:latin typeface="Times New Roman" panose="02020603050405020304" pitchFamily="18" charset="0"/>
+              <a:ea typeface="Times New Roman" panose="02020603050405020304" pitchFamily="18" charset="0"/>
+            </a:endParaRPr>
+          </a:p>
+          <a:p>
+            <a:pPr>
+              <a:buNone/>
+            </a:pPr>
+            <a:r>
+              <a:rPr lang="es-EC" sz="1800" b="1" i="1" dirty="0">
+                <a:effectLst/>
+                <a:latin typeface="Times New Roman" panose="02020603050405020304" pitchFamily="18" charset="0"/>
+                <a:ea typeface="Times New Roman" panose="02020603050405020304" pitchFamily="18" charset="0"/>
+              </a:rPr>
+              <a:t>Evaluar </a:t>
+            </a:r>
+            <a:r>
+              <a:rPr lang="es-EC" sz="1800" i="1" dirty="0">
+                <a:effectLst/>
+                <a:latin typeface="Times New Roman" panose="02020603050405020304" pitchFamily="18" charset="0"/>
+                <a:ea typeface="Times New Roman" panose="02020603050405020304" pitchFamily="18" charset="0"/>
+              </a:rPr>
+              <a:t>proyectos tecnológicos en los contextos de la analítica avanzada de datos y algoritmos inteligentes </a:t>
+            </a:r>
+            <a:r>
+              <a:rPr lang="es-EC" sz="1800" b="1" i="1" dirty="0">
+                <a:effectLst/>
+                <a:latin typeface="Times New Roman" panose="02020603050405020304" pitchFamily="18" charset="0"/>
+                <a:ea typeface="Times New Roman" panose="02020603050405020304" pitchFamily="18" charset="0"/>
+              </a:rPr>
+              <a:t>mediante</a:t>
+            </a:r>
+            <a:r>
+              <a:rPr lang="es-EC" sz="1800" i="1" dirty="0">
+                <a:effectLst/>
+                <a:latin typeface="Times New Roman" panose="02020603050405020304" pitchFamily="18" charset="0"/>
+                <a:ea typeface="Times New Roman" panose="02020603050405020304" pitchFamily="18" charset="0"/>
+              </a:rPr>
+              <a:t> el modelamiento y la simulación de soluciones considerando las características de entornos reales </a:t>
+            </a:r>
+            <a:r>
+              <a:rPr lang="es-EC" sz="1800" b="1" i="1" dirty="0">
+                <a:effectLst/>
+                <a:latin typeface="Times New Roman" panose="02020603050405020304" pitchFamily="18" charset="0"/>
+                <a:ea typeface="Times New Roman" panose="02020603050405020304" pitchFamily="18" charset="0"/>
+              </a:rPr>
               <a:t>para</a:t>
             </a:r>
             <a:r>
-              <a:rPr lang="es-ES" dirty="0"/>
-              <a:t> la resolución de problemas específicos relacionados con la eficiencia en la productividad en entornos colaborativos, multidisciplinarios y emergentes </a:t>
-            </a:r>
-            <a:r>
-              <a:rPr lang="es-ES" b="1" dirty="0"/>
-              <a:t>considerando</a:t>
-            </a:r>
-            <a:r>
-              <a:rPr lang="es-ES" dirty="0"/>
-              <a:t> el impacto de los aspectos éticos, sociales y económicos de los involucrados.</a:t>
-            </a:r>
-          </a:p>
-          <a:p>
+              <a:rPr lang="es-EC" sz="1800" i="1" dirty="0">
+                <a:effectLst/>
+                <a:latin typeface="Times New Roman" panose="02020603050405020304" pitchFamily="18" charset="0"/>
+                <a:ea typeface="Times New Roman" panose="02020603050405020304" pitchFamily="18" charset="0"/>
+              </a:rPr>
+              <a:t> el soporte en la toma de decisiones en sectores estratégicos locales e internacionales </a:t>
+            </a:r>
+            <a:r>
+              <a:rPr lang="es-EC" sz="1800" b="1" i="1" dirty="0">
+                <a:effectLst/>
+                <a:latin typeface="Times New Roman" panose="02020603050405020304" pitchFamily="18" charset="0"/>
+                <a:ea typeface="Times New Roman" panose="02020603050405020304" pitchFamily="18" charset="0"/>
+              </a:rPr>
+              <a:t>liderando</a:t>
+            </a:r>
+            <a:r>
+              <a:rPr lang="es-EC" sz="1800" i="1" dirty="0">
+                <a:effectLst/>
+                <a:latin typeface="Times New Roman" panose="02020603050405020304" pitchFamily="18" charset="0"/>
+                <a:ea typeface="Times New Roman" panose="02020603050405020304" pitchFamily="18" charset="0"/>
+              </a:rPr>
+              <a:t> procesos de innovación y transformación digital en sectores emergentes.</a:t>
+            </a:r>
             <a:endParaRPr lang="es-EC" dirty="0"/>
           </a:p>
         </p:txBody>
@@ -3597,135 +3744,6 @@
 </file>
 
 <file path=ppt/slides/slide11.xml><?xml version="1.0" encoding="utf-8"?>
-<p:sld xmlns:a="http://schemas.openxmlformats.org/drawingml/2006/main" xmlns:r="http://schemas.openxmlformats.org/officeDocument/2006/relationships" xmlns:p="http://schemas.openxmlformats.org/presentationml/2006/main" show="0">
-  <p:cSld>
-    <p:spTree>
-      <p:nvGrpSpPr>
-        <p:cNvPr id="1" name=""/>
-        <p:cNvGrpSpPr/>
-        <p:nvPr/>
-      </p:nvGrpSpPr>
-      <p:grpSpPr>
-        <a:xfrm>
-          <a:off x="0" y="0"/>
-          <a:ext cx="0" cy="0"/>
-          <a:chOff x="0" y="0"/>
-          <a:chExt cx="0" cy="0"/>
-        </a:xfrm>
-      </p:grpSpPr>
-      <p:sp>
-        <p:nvSpPr>
-          <p:cNvPr id="2" name="Título 1">
-            <a:extLst>
-              <a:ext uri="{FF2B5EF4-FFF2-40B4-BE49-F238E27FC236}">
-                <a16:creationId xmlns:a16="http://schemas.microsoft.com/office/drawing/2014/main" id="{0C3FA965-AE29-DCF1-E968-B0985904DE2F}"/>
-              </a:ext>
-            </a:extLst>
-          </p:cNvPr>
-          <p:cNvSpPr>
-            <a:spLocks noGrp="1"/>
-          </p:cNvSpPr>
-          <p:nvPr>
-            <p:ph type="title"/>
-          </p:nvPr>
-        </p:nvSpPr>
-        <p:spPr/>
-        <p:txBody>
-          <a:bodyPr/>
-          <a:lstStyle/>
-          <a:p>
-            <a:r>
-              <a:rPr lang="es-EC" dirty="0"/>
-              <a:t>Perfil de Egreso (Competencias)</a:t>
-            </a:r>
-          </a:p>
-        </p:txBody>
-      </p:sp>
-      <p:sp>
-        <p:nvSpPr>
-          <p:cNvPr id="4" name="Marcador de contenido 3">
-            <a:extLst>
-              <a:ext uri="{FF2B5EF4-FFF2-40B4-BE49-F238E27FC236}">
-                <a16:creationId xmlns:a16="http://schemas.microsoft.com/office/drawing/2014/main" id="{EAB80870-96C7-9B57-CC27-1AA8D795A78A}"/>
-              </a:ext>
-            </a:extLst>
-          </p:cNvPr>
-          <p:cNvSpPr>
-            <a:spLocks noGrp="1"/>
-          </p:cNvSpPr>
-          <p:nvPr>
-            <p:ph idx="1"/>
-          </p:nvPr>
-        </p:nvSpPr>
-        <p:spPr/>
-        <p:txBody>
-          <a:bodyPr>
-            <a:normAutofit/>
-          </a:bodyPr>
-          <a:lstStyle/>
-          <a:p>
-            <a:pPr marL="0" indent="0">
-              <a:buNone/>
-            </a:pPr>
-            <a:r>
-              <a:rPr lang="es-EC" b="1" dirty="0"/>
-              <a:t>Generar</a:t>
-            </a:r>
-            <a:r>
-              <a:rPr lang="es-EC" dirty="0"/>
-              <a:t> reportes tecnológicos </a:t>
-            </a:r>
-            <a:r>
-              <a:rPr lang="es-ES" dirty="0"/>
-              <a:t>en los contextos de la analítica avanzada de datos y algoritmos inteligentes </a:t>
-            </a:r>
-            <a:r>
-              <a:rPr lang="es-ES" b="1" dirty="0"/>
-              <a:t>mediante</a:t>
-            </a:r>
-            <a:r>
-              <a:rPr lang="es-ES" dirty="0"/>
-              <a:t> la conexión entre los fundamentos teóricos, pensamiento crítico y la resolución práctica de problemas reales en un entorno científico internacionales </a:t>
-            </a:r>
-            <a:r>
-              <a:rPr lang="es-ES" b="1" dirty="0"/>
-              <a:t>para</a:t>
-            </a:r>
-            <a:r>
-              <a:rPr lang="es-ES" dirty="0"/>
-              <a:t> la toma de decisiones en sectores estratégicos locales e internacionales </a:t>
-            </a:r>
-            <a:r>
-              <a:rPr lang="es-ES" b="1" dirty="0"/>
-              <a:t>asegurando</a:t>
-            </a:r>
-            <a:r>
-              <a:rPr lang="es-ES" dirty="0"/>
-              <a:t> la integridad, trazabilidad y relevancia de la información adaptada al público objetivo. </a:t>
-            </a:r>
-            <a:endParaRPr lang="es-EC" dirty="0"/>
-          </a:p>
-        </p:txBody>
-      </p:sp>
-    </p:spTree>
-    <p:extLst>
-      <p:ext uri="{BB962C8B-B14F-4D97-AF65-F5344CB8AC3E}">
-        <p14:creationId xmlns:p14="http://schemas.microsoft.com/office/powerpoint/2010/main" val="4032803547"/>
-      </p:ext>
-    </p:extLst>
-  </p:cSld>
-  <p:clrMapOvr>
-    <a:masterClrMapping/>
-  </p:clrMapOvr>
-  <p:extLst>
-    <p:ext uri="{6950BFC3-D8DA-4A85-94F7-54DA5524770B}">
-      <p188:commentRel xmlns:p188="http://schemas.microsoft.com/office/powerpoint/2018/8/main" r:id="rId2"/>
-    </p:ext>
-  </p:extLst>
-</p:sld>
-</file>
-
-<file path=ppt/slides/slide12.xml><?xml version="1.0" encoding="utf-8"?>
 <p:sld xmlns:a="http://schemas.openxmlformats.org/drawingml/2006/main" xmlns:r="http://schemas.openxmlformats.org/officeDocument/2006/relationships" xmlns:p="http://schemas.openxmlformats.org/presentationml/2006/main">
   <p:cSld>
     <p:spTree>
@@ -3822,14 +3840,14 @@
           <a:p>
             <a:r>
               <a:rPr lang="es-EC" dirty="0"/>
-              <a:t>Ingeniería en Machine Learning</a:t>
+              <a:t>Ingeniería en Inteligencia Artificial</a:t>
             </a:r>
           </a:p>
           <a:p>
             <a:pPr lvl="1"/>
             <a:r>
               <a:rPr lang="es-EC" dirty="0"/>
-              <a:t>Modelos de aprendizaje automático  </a:t>
+              <a:t>Sistemas basados en algoritmos inteligentes</a:t>
             </a:r>
           </a:p>
           <a:p>
@@ -3860,7 +3878,7 @@
 </p:sld>
 </file>
 
-<file path=ppt/slides/slide13.xml><?xml version="1.0" encoding="utf-8"?>
+<file path=ppt/slides/slide12.xml><?xml version="1.0" encoding="utf-8"?>
 <p:sld xmlns:a="http://schemas.openxmlformats.org/drawingml/2006/main" xmlns:r="http://schemas.openxmlformats.org/officeDocument/2006/relationships" xmlns:p="http://schemas.openxmlformats.org/presentationml/2006/main">
   <p:cSld>
     <p:spTree>
